--- a/src/main/webapp/WEB-INF/Files/2023-02/20/web2023-02-20.pptx
+++ b/src/main/webapp/WEB-INF/Files/2023-02/20/web2023-02-20.pptx
@@ -16,7 +16,7 @@
     <p:sldId id="2569" r:id="rId9"/>
     <p:sldId id="25610" r:id="rId10"/>
   </p:sldIdLst>
-  <p:sldSz cx="10414000" cy="7556500" type="custom"/>
+  <p:sldSz cx="9906000" cy="7556500" type="custom"/>
   <p:notesSz cx="6858000" cy="9144000"/>
   <p:embeddedFontLst>
 </p:embeddedFontLst>
@@ -93,17 +93,17 @@
       </p:grpSpPr>
       <p:sp>
         <p:nvSpPr>
-          <p:cNvPr id="1130464544" name="Text">
-    </p:cNvPr>
-          <p:cNvSpPr>
-            <a:spLocks noGrp="1"/>
-          </p:cNvSpPr>
-          <p:nvPr/>
-        </p:nvSpPr>
-        <p:spPr>
-          <a:xfrm rot="0">
-            <a:off x="5664200" y="838200"/>
-            <a:ext cx="4673600" cy="381000"/>
+          <p:cNvPr id="1032485117" name="Text">
+    </p:cNvPr>
+          <p:cNvSpPr>
+            <a:spLocks noGrp="1"/>
+          </p:cNvSpPr>
+          <p:nvPr/>
+        </p:nvSpPr>
+        <p:spPr>
+          <a:xfrm rot="0">
+            <a:off x="5219700" y="825500"/>
+            <a:ext cx="4660900" cy="381000"/>
           </a:xfrm>
           <a:prstGeom prst="rect">
             <a:avLst/>
@@ -142,17 +142,17 @@
       </p:sp>
       <p:sp>
         <p:nvSpPr>
-          <p:cNvPr id="1054700699" name="Text">
-    </p:cNvPr>
-          <p:cNvSpPr>
-            <a:spLocks noGrp="1"/>
-          </p:cNvSpPr>
-          <p:nvPr/>
-        </p:nvSpPr>
-        <p:spPr>
-          <a:xfrm rot="0">
-            <a:off x="114300" y="838200"/>
-            <a:ext cx="5245100" cy="381000"/>
+          <p:cNvPr id="1529731282" name="Text">
+    </p:cNvPr>
+          <p:cNvSpPr>
+            <a:spLocks noGrp="1"/>
+          </p:cNvSpPr>
+          <p:nvPr/>
+        </p:nvSpPr>
+        <p:spPr>
+          <a:xfrm rot="0">
+            <a:off x="88900" y="825500"/>
+            <a:ext cx="5067300" cy="381000"/>
           </a:xfrm>
           <a:prstGeom prst="rect">
             <a:avLst/>
@@ -191,17 +191,17 @@
       </p:sp>
       <p:sp>
         <p:nvSpPr>
-          <p:cNvPr id="1448768837" name="Text">
-    </p:cNvPr>
-          <p:cNvSpPr>
-            <a:spLocks noGrp="1"/>
-          </p:cNvSpPr>
-          <p:nvPr/>
-        </p:nvSpPr>
-        <p:spPr>
-          <a:xfrm rot="0">
-            <a:off x="139700" y="800100"/>
-            <a:ext cx="5168900" cy="381000"/>
+          <p:cNvPr id="1368557782" name="Text">
+    </p:cNvPr>
+          <p:cNvSpPr>
+            <a:spLocks noGrp="1"/>
+          </p:cNvSpPr>
+          <p:nvPr/>
+        </p:nvSpPr>
+        <p:spPr>
+          <a:xfrm rot="0">
+            <a:off x="63500" y="800100"/>
+            <a:ext cx="5054600" cy="381000"/>
           </a:xfrm>
           <a:prstGeom prst="rect">
             <a:avLst/>
@@ -240,17 +240,17 @@
       </p:sp>
       <p:sp>
         <p:nvSpPr>
-          <p:cNvPr id="1920972844" name="Text">
-    </p:cNvPr>
-          <p:cNvSpPr>
-            <a:spLocks noGrp="1"/>
-          </p:cNvSpPr>
-          <p:nvPr/>
-        </p:nvSpPr>
-        <p:spPr>
-          <a:xfrm rot="0">
-            <a:off x="5664200" y="800100"/>
-            <a:ext cx="4622800" cy="381000"/>
+          <p:cNvPr id="1979353854" name="Text">
+    </p:cNvPr>
+          <p:cNvSpPr>
+            <a:spLocks noGrp="1"/>
+          </p:cNvSpPr>
+          <p:nvPr/>
+        </p:nvSpPr>
+        <p:spPr>
+          <a:xfrm rot="0">
+            <a:off x="5232400" y="800100"/>
+            <a:ext cx="4610100" cy="381000"/>
           </a:xfrm>
           <a:prstGeom prst="rect">
             <a:avLst/>
@@ -289,7 +289,7 @@
       </p:sp>
       <p:sp>
         <p:nvSpPr>
-          <p:cNvPr id="1031306182" name="Text">
+          <p:cNvPr id="467228972" name="Text">
     </p:cNvPr>
           <p:cNvSpPr>
             <a:spLocks noGrp="1"/>
@@ -335,7 +335,7 @@
       </p:sp>
       <p:sp>
         <p:nvSpPr>
-          <p:cNvPr id="1750378846" name="Text">
+          <p:cNvPr id="780663245" name="Text">
     </p:cNvPr>
           <p:cNvSpPr>
             <a:spLocks noGrp="1"/>
@@ -399,7 +399,7 @@
       </p:sp>
       <p:sp>
         <p:nvSpPr>
-          <p:cNvPr id="1830881612" name="Text">
+          <p:cNvPr id="1796604147" name="Text">
     </p:cNvPr>
           <p:cNvSpPr>
             <a:spLocks noGrp="1"/>
@@ -409,7 +409,7 @@
         <p:spPr>
           <a:xfrm rot="0">
             <a:off x="647700" y="1295400"/>
-            <a:ext cx="3340100" cy="469900"/>
+            <a:ext cx="3111500" cy="469900"/>
           </a:xfrm>
           <a:prstGeom prst="rect">
             <a:avLst/>
@@ -454,17 +454,17 @@
       </p:sp>
       <p:sp>
         <p:nvSpPr>
-          <p:cNvPr id="1645244956" name="Text">
-    </p:cNvPr>
-          <p:cNvSpPr>
-            <a:spLocks noGrp="1"/>
-          </p:cNvSpPr>
-          <p:nvPr/>
-        </p:nvSpPr>
-        <p:spPr>
-          <a:xfrm rot="0">
-            <a:off x="3987800" y="1295400"/>
-            <a:ext cx="520700" cy="469900"/>
+          <p:cNvPr id="1243269653" name="Text">
+    </p:cNvPr>
+          <p:cNvSpPr>
+            <a:spLocks noGrp="1"/>
+          </p:cNvSpPr>
+          <p:nvPr/>
+        </p:nvSpPr>
+        <p:spPr>
+          <a:xfrm rot="0">
+            <a:off x="3759200" y="1295400"/>
+            <a:ext cx="457200" cy="469900"/>
           </a:xfrm>
           <a:prstGeom prst="rect">
             <a:avLst/>
@@ -509,17 +509,17 @@
       </p:sp>
       <p:sp>
         <p:nvSpPr>
-          <p:cNvPr id="474518483" name="Text">
-    </p:cNvPr>
-          <p:cNvSpPr>
-            <a:spLocks noGrp="1"/>
-          </p:cNvSpPr>
-          <p:nvPr/>
-        </p:nvSpPr>
-        <p:spPr>
-          <a:xfrm rot="0">
-            <a:off x="4508500" y="1295400"/>
-            <a:ext cx="495300" cy="469900"/>
+          <p:cNvPr id="467397187" name="Text">
+    </p:cNvPr>
+          <p:cNvSpPr>
+            <a:spLocks noGrp="1"/>
+          </p:cNvSpPr>
+          <p:nvPr/>
+        </p:nvSpPr>
+        <p:spPr>
+          <a:xfrm rot="0">
+            <a:off x="4216400" y="1295400"/>
+            <a:ext cx="457200" cy="469900"/>
           </a:xfrm>
           <a:prstGeom prst="rect">
             <a:avLst/>
@@ -573,16 +573,16 @@
       </p:sp>
       <p:sp>
         <p:nvSpPr>
-          <p:cNvPr id="1369163613" name="Text">
-    </p:cNvPr>
-          <p:cNvSpPr>
-            <a:spLocks noGrp="1"/>
-          </p:cNvSpPr>
-          <p:nvPr/>
-        </p:nvSpPr>
-        <p:spPr>
-          <a:xfrm rot="0">
-            <a:off x="5575300" y="1295400"/>
+          <p:cNvPr id="167977316" name="Text">
+    </p:cNvPr>
+          <p:cNvSpPr>
+            <a:spLocks noGrp="1"/>
+          </p:cNvSpPr>
+          <p:nvPr/>
+        </p:nvSpPr>
+        <p:spPr>
+          <a:xfrm rot="0">
+            <a:off x="5207000" y="1295400"/>
             <a:ext cx="609600" cy="469900"/>
           </a:xfrm>
           <a:prstGeom prst="rect">
@@ -637,17 +637,17 @@
       </p:sp>
       <p:sp>
         <p:nvSpPr>
-          <p:cNvPr id="873844555" name="Text">
-    </p:cNvPr>
-          <p:cNvSpPr>
-            <a:spLocks noGrp="1"/>
-          </p:cNvSpPr>
-          <p:nvPr/>
-        </p:nvSpPr>
-        <p:spPr>
-          <a:xfrm rot="0">
-            <a:off x="6184900" y="1295400"/>
-            <a:ext cx="3213100" cy="469900"/>
+          <p:cNvPr id="1363781967" name="Text">
+    </p:cNvPr>
+          <p:cNvSpPr>
+            <a:spLocks noGrp="1"/>
+          </p:cNvSpPr>
+          <p:nvPr/>
+        </p:nvSpPr>
+        <p:spPr>
+          <a:xfrm rot="0">
+            <a:off x="5816600" y="1295400"/>
+            <a:ext cx="3111500" cy="469900"/>
           </a:xfrm>
           <a:prstGeom prst="rect">
             <a:avLst/>
@@ -692,17 +692,17 @@
       </p:sp>
       <p:sp>
         <p:nvSpPr>
-          <p:cNvPr id="1433717575" name="Text">
-    </p:cNvPr>
-          <p:cNvSpPr>
-            <a:spLocks noGrp="1"/>
-          </p:cNvSpPr>
-          <p:nvPr/>
-        </p:nvSpPr>
-        <p:spPr>
-          <a:xfrm rot="0">
-            <a:off x="9398000" y="1295400"/>
-            <a:ext cx="495300" cy="469900"/>
+          <p:cNvPr id="1302301457" name="Text">
+    </p:cNvPr>
+          <p:cNvSpPr>
+            <a:spLocks noGrp="1"/>
+          </p:cNvSpPr>
+          <p:nvPr/>
+        </p:nvSpPr>
+        <p:spPr>
+          <a:xfrm rot="0">
+            <a:off x="8928100" y="1295400"/>
+            <a:ext cx="457200" cy="469900"/>
           </a:xfrm>
           <a:prstGeom prst="rect">
             <a:avLst/>
@@ -747,16 +747,16 @@
       </p:sp>
       <p:sp>
         <p:nvSpPr>
-          <p:cNvPr id="226106417" name="Text">
-    </p:cNvPr>
-          <p:cNvSpPr>
-            <a:spLocks noGrp="1"/>
-          </p:cNvSpPr>
-          <p:nvPr/>
-        </p:nvSpPr>
-        <p:spPr>
-          <a:xfrm rot="0">
-            <a:off x="5003800" y="1295400"/>
+          <p:cNvPr id="156428563" name="Text">
+    </p:cNvPr>
+          <p:cNvSpPr>
+            <a:spLocks noGrp="1"/>
+          </p:cNvSpPr>
+          <p:nvPr/>
+        </p:nvSpPr>
+        <p:spPr>
+          <a:xfrm rot="0">
+            <a:off x="4673600" y="1295400"/>
             <a:ext cx="469900" cy="469900"/>
           </a:xfrm>
           <a:prstGeom prst="rect">
@@ -811,17 +811,17 @@
       </p:sp>
       <p:sp>
         <p:nvSpPr>
-          <p:cNvPr id="39093228" name="Text">
-    </p:cNvPr>
-          <p:cNvSpPr>
-            <a:spLocks noGrp="1"/>
-          </p:cNvSpPr>
-          <p:nvPr/>
-        </p:nvSpPr>
-        <p:spPr>
-          <a:xfrm rot="0">
-            <a:off x="9893300" y="1295400"/>
-            <a:ext cx="469900" cy="469900"/>
+          <p:cNvPr id="441053532" name="Text">
+    </p:cNvPr>
+          <p:cNvSpPr>
+            <a:spLocks noGrp="1"/>
+          </p:cNvSpPr>
+          <p:nvPr/>
+        </p:nvSpPr>
+        <p:spPr>
+          <a:xfrm rot="0">
+            <a:off x="9385300" y="1295400"/>
+            <a:ext cx="457200" cy="469900"/>
           </a:xfrm>
           <a:prstGeom prst="rect">
             <a:avLst/>
@@ -875,17 +875,17 @@
       </p:sp>
       <p:sp>
         <p:nvSpPr>
-          <p:cNvPr id="404847482" name="Text">
-    </p:cNvPr>
-          <p:cNvSpPr>
-            <a:spLocks noGrp="1"/>
-          </p:cNvSpPr>
-          <p:nvPr/>
-        </p:nvSpPr>
-        <p:spPr>
-          <a:xfrm rot="0">
-            <a:off x="9893300" y="1765300"/>
-            <a:ext cx="469900" cy="1524000"/>
+          <p:cNvPr id="106311819" name="Text">
+    </p:cNvPr>
+          <p:cNvSpPr>
+            <a:spLocks noGrp="1"/>
+          </p:cNvSpPr>
+          <p:nvPr/>
+        </p:nvSpPr>
+        <p:spPr>
+          <a:xfrm rot="0">
+            <a:off x="9385300" y="1765300"/>
+            <a:ext cx="457200" cy="1524000"/>
           </a:xfrm>
           <a:prstGeom prst="rect">
             <a:avLst/>
@@ -947,17 +947,17 @@
       </p:sp>
       <p:sp>
         <p:nvSpPr>
-          <p:cNvPr id="1811719626" name="Text">
-    </p:cNvPr>
-          <p:cNvSpPr>
-            <a:spLocks noGrp="1"/>
-          </p:cNvSpPr>
-          <p:nvPr/>
-        </p:nvSpPr>
-        <p:spPr>
-          <a:xfrm rot="0">
-            <a:off x="9398000" y="1765300"/>
-            <a:ext cx="495300" cy="1524000"/>
+          <p:cNvPr id="933291091" name="Text">
+    </p:cNvPr>
+          <p:cNvSpPr>
+            <a:spLocks noGrp="1"/>
+          </p:cNvSpPr>
+          <p:nvPr/>
+        </p:nvSpPr>
+        <p:spPr>
+          <a:xfrm rot="0">
+            <a:off x="8928100" y="1765300"/>
+            <a:ext cx="457200" cy="1524000"/>
           </a:xfrm>
           <a:prstGeom prst="rect">
             <a:avLst/>
@@ -1019,17 +1019,17 @@
       </p:sp>
       <p:sp>
         <p:nvSpPr>
-          <p:cNvPr id="909817616" name="Text">
-    </p:cNvPr>
-          <p:cNvSpPr>
-            <a:spLocks noGrp="1"/>
-          </p:cNvSpPr>
-          <p:nvPr/>
-        </p:nvSpPr>
-        <p:spPr>
-          <a:xfrm rot="0">
-            <a:off x="6273800" y="1765300"/>
-            <a:ext cx="3111500" cy="1524000"/>
+          <p:cNvPr id="698653125" name="Text">
+    </p:cNvPr>
+          <p:cNvSpPr>
+            <a:spLocks noGrp="1"/>
+          </p:cNvSpPr>
+          <p:nvPr/>
+        </p:nvSpPr>
+        <p:spPr>
+          <a:xfrm rot="0">
+            <a:off x="5930900" y="1765300"/>
+            <a:ext cx="2984500" cy="1524000"/>
           </a:xfrm>
           <a:prstGeom prst="rect">
             <a:avLst/>
@@ -1093,16 +1093,16 @@
       </p:sp>
       <p:sp>
         <p:nvSpPr>
-          <p:cNvPr id="282528216" name="Text">
-    </p:cNvPr>
-          <p:cNvSpPr>
-            <a:spLocks noGrp="1"/>
-          </p:cNvSpPr>
-          <p:nvPr/>
-        </p:nvSpPr>
-        <p:spPr>
-          <a:xfrm rot="0">
-            <a:off x="5575300" y="1765300"/>
+          <p:cNvPr id="2092064444" name="Text">
+    </p:cNvPr>
+          <p:cNvSpPr>
+            <a:spLocks noGrp="1"/>
+          </p:cNvSpPr>
+          <p:nvPr/>
+        </p:nvSpPr>
+        <p:spPr>
+          <a:xfrm rot="0">
+            <a:off x="5207000" y="1765300"/>
             <a:ext cx="609600" cy="1524000"/>
           </a:xfrm>
           <a:prstGeom prst="rect">
@@ -1173,7 +1173,7 @@
       </p:sp>
       <p:sp>
         <p:nvSpPr>
-          <p:cNvPr id="54417939" name="Text">
+          <p:cNvPr id="1264053193" name="Text">
     </p:cNvPr>
           <p:cNvSpPr>
             <a:spLocks noGrp="1"/>
@@ -1253,17 +1253,17 @@
       </p:sp>
       <p:sp>
         <p:nvSpPr>
-          <p:cNvPr id="232947019" name="Text">
-    </p:cNvPr>
-          <p:cNvSpPr>
-            <a:spLocks noGrp="1"/>
-          </p:cNvSpPr>
-          <p:nvPr/>
-        </p:nvSpPr>
-        <p:spPr>
-          <a:xfrm rot="0">
-            <a:off x="723900" y="1765300"/>
-            <a:ext cx="3251200" cy="1524000"/>
+          <p:cNvPr id="2070224012" name="Text">
+    </p:cNvPr>
+          <p:cNvSpPr>
+            <a:spLocks noGrp="1"/>
+          </p:cNvSpPr>
+          <p:nvPr/>
+        </p:nvSpPr>
+        <p:spPr>
+          <a:xfrm rot="0">
+            <a:off x="762000" y="1765300"/>
+            <a:ext cx="2984500" cy="1524000"/>
           </a:xfrm>
           <a:prstGeom prst="rect">
             <a:avLst/>
@@ -1363,17 +1363,17 @@
       </p:sp>
       <p:sp>
         <p:nvSpPr>
-          <p:cNvPr id="1845742032" name="Text">
-    </p:cNvPr>
-          <p:cNvSpPr>
-            <a:spLocks noGrp="1"/>
-          </p:cNvSpPr>
-          <p:nvPr/>
-        </p:nvSpPr>
-        <p:spPr>
-          <a:xfrm rot="0">
-            <a:off x="4508500" y="1765300"/>
-            <a:ext cx="495300" cy="1524000"/>
+          <p:cNvPr id="1988286612" name="Text">
+    </p:cNvPr>
+          <p:cNvSpPr>
+            <a:spLocks noGrp="1"/>
+          </p:cNvSpPr>
+          <p:nvPr/>
+        </p:nvSpPr>
+        <p:spPr>
+          <a:xfrm rot="0">
+            <a:off x="4216400" y="1765300"/>
+            <a:ext cx="457200" cy="1524000"/>
           </a:xfrm>
           <a:prstGeom prst="rect">
             <a:avLst/>
@@ -1455,16 +1455,16 @@
       </p:sp>
       <p:sp>
         <p:nvSpPr>
-          <p:cNvPr id="1177719809" name="Text">
-    </p:cNvPr>
-          <p:cNvSpPr>
-            <a:spLocks noGrp="1"/>
-          </p:cNvSpPr>
-          <p:nvPr/>
-        </p:nvSpPr>
-        <p:spPr>
-          <a:xfrm rot="0">
-            <a:off x="5003800" y="1765300"/>
+          <p:cNvPr id="405483334" name="Text">
+    </p:cNvPr>
+          <p:cNvSpPr>
+            <a:spLocks noGrp="1"/>
+          </p:cNvSpPr>
+          <p:nvPr/>
+        </p:nvSpPr>
+        <p:spPr>
+          <a:xfrm rot="0">
+            <a:off x="4673600" y="1765300"/>
             <a:ext cx="469900" cy="1524000"/>
           </a:xfrm>
           <a:prstGeom prst="rect">
@@ -1547,17 +1547,17 @@
       </p:sp>
       <p:sp>
         <p:nvSpPr>
-          <p:cNvPr id="925736982" name="Text">
-    </p:cNvPr>
-          <p:cNvSpPr>
-            <a:spLocks noGrp="1"/>
-          </p:cNvSpPr>
-          <p:nvPr/>
-        </p:nvSpPr>
-        <p:spPr>
-          <a:xfrm rot="0">
-            <a:off x="3987800" y="1765300"/>
-            <a:ext cx="520700" cy="1524000"/>
+          <p:cNvPr id="1826002473" name="Text">
+    </p:cNvPr>
+          <p:cNvSpPr>
+            <a:spLocks noGrp="1"/>
+          </p:cNvSpPr>
+          <p:nvPr/>
+        </p:nvSpPr>
+        <p:spPr>
+          <a:xfrm rot="0">
+            <a:off x="3759200" y="1765300"/>
+            <a:ext cx="457200" cy="1524000"/>
           </a:xfrm>
           <a:prstGeom prst="rect">
             <a:avLst/>
@@ -1639,7 +1639,7 @@
       </p:sp>
       <p:sp>
         <p:nvSpPr>
-          <p:cNvPr id="691768221" name="Text">
+          <p:cNvPr id="1065641539" name="Text">
     </p:cNvPr>
           <p:cNvSpPr>
             <a:spLocks noGrp="1"/>
@@ -1649,7 +1649,7 @@
         <p:spPr>
           <a:xfrm rot="0">
             <a:off x="647700" y="1765300"/>
-            <a:ext cx="3340100" cy="1524000"/>
+            <a:ext cx="3111500" cy="1524000"/>
           </a:xfrm>
           <a:prstGeom prst="rect">
             <a:avLst/>
@@ -1691,17 +1691,17 @@
       </p:sp>
       <p:sp>
         <p:nvSpPr>
-          <p:cNvPr id="1493600803" name="Text">
-    </p:cNvPr>
-          <p:cNvSpPr>
-            <a:spLocks noGrp="1"/>
-          </p:cNvSpPr>
-          <p:nvPr/>
-        </p:nvSpPr>
-        <p:spPr>
-          <a:xfrm rot="0">
-            <a:off x="6184900" y="1765300"/>
-            <a:ext cx="3213100" cy="1524000"/>
+          <p:cNvPr id="1604472671" name="Text">
+    </p:cNvPr>
+          <p:cNvSpPr>
+            <a:spLocks noGrp="1"/>
+          </p:cNvSpPr>
+          <p:nvPr/>
+        </p:nvSpPr>
+        <p:spPr>
+          <a:xfrm rot="0">
+            <a:off x="5816600" y="1765300"/>
+            <a:ext cx="3111500" cy="1524000"/>
           </a:xfrm>
           <a:prstGeom prst="rect">
             <a:avLst/>
@@ -1743,17 +1743,17 @@
       </p:sp>
       <p:sp>
         <p:nvSpPr>
-          <p:cNvPr id="197562270" name="Text">
-    </p:cNvPr>
-          <p:cNvSpPr>
-            <a:spLocks noGrp="1"/>
-          </p:cNvSpPr>
-          <p:nvPr/>
-        </p:nvSpPr>
-        <p:spPr>
-          <a:xfrm rot="0">
-            <a:off x="9893300" y="3365500"/>
-            <a:ext cx="469900" cy="2578100"/>
+          <p:cNvPr id="506600178" name="Text">
+    </p:cNvPr>
+          <p:cNvSpPr>
+            <a:spLocks noGrp="1"/>
+          </p:cNvSpPr>
+          <p:nvPr/>
+        </p:nvSpPr>
+        <p:spPr>
+          <a:xfrm rot="0">
+            <a:off x="9385300" y="3289300"/>
+            <a:ext cx="457200" cy="2578100"/>
           </a:xfrm>
           <a:prstGeom prst="rect">
             <a:avLst/>
@@ -1825,17 +1825,17 @@
       </p:sp>
       <p:sp>
         <p:nvSpPr>
-          <p:cNvPr id="1370600416" name="Text">
-    </p:cNvPr>
-          <p:cNvSpPr>
-            <a:spLocks noGrp="1"/>
-          </p:cNvSpPr>
-          <p:nvPr/>
-        </p:nvSpPr>
-        <p:spPr>
-          <a:xfrm rot="0">
-            <a:off x="9398000" y="3365500"/>
-            <a:ext cx="495300" cy="2578100"/>
+          <p:cNvPr id="1183686851" name="Text">
+    </p:cNvPr>
+          <p:cNvSpPr>
+            <a:spLocks noGrp="1"/>
+          </p:cNvSpPr>
+          <p:nvPr/>
+        </p:nvSpPr>
+        <p:spPr>
+          <a:xfrm rot="0">
+            <a:off x="8928100" y="3289300"/>
+            <a:ext cx="457200" cy="2578100"/>
           </a:xfrm>
           <a:prstGeom prst="rect">
             <a:avLst/>
@@ -1907,17 +1907,17 @@
       </p:sp>
       <p:sp>
         <p:nvSpPr>
-          <p:cNvPr id="606321960" name="Text">
-    </p:cNvPr>
-          <p:cNvSpPr>
-            <a:spLocks noGrp="1"/>
-          </p:cNvSpPr>
-          <p:nvPr/>
-        </p:nvSpPr>
-        <p:spPr>
-          <a:xfrm rot="0">
-            <a:off x="6273800" y="3365500"/>
-            <a:ext cx="3111500" cy="2578100"/>
+          <p:cNvPr id="1520922671" name="Text">
+    </p:cNvPr>
+          <p:cNvSpPr>
+            <a:spLocks noGrp="1"/>
+          </p:cNvSpPr>
+          <p:nvPr/>
+        </p:nvSpPr>
+        <p:spPr>
+          <a:xfrm rot="0">
+            <a:off x="5930900" y="3289300"/>
+            <a:ext cx="2984500" cy="2578100"/>
           </a:xfrm>
           <a:prstGeom prst="rect">
             <a:avLst/>
@@ -1999,16 +1999,16 @@
       </p:sp>
       <p:sp>
         <p:nvSpPr>
-          <p:cNvPr id="1226402845" name="Text">
-    </p:cNvPr>
-          <p:cNvSpPr>
-            <a:spLocks noGrp="1"/>
-          </p:cNvSpPr>
-          <p:nvPr/>
-        </p:nvSpPr>
-        <p:spPr>
-          <a:xfrm rot="0">
-            <a:off x="5575300" y="3365500"/>
+          <p:cNvPr id="397546643" name="Text">
+    </p:cNvPr>
+          <p:cNvSpPr>
+            <a:spLocks noGrp="1"/>
+          </p:cNvSpPr>
+          <p:nvPr/>
+        </p:nvSpPr>
+        <p:spPr>
+          <a:xfrm rot="0">
+            <a:off x="5207000" y="3289300"/>
             <a:ext cx="609600" cy="2578100"/>
           </a:xfrm>
           <a:prstGeom prst="rect">
@@ -2070,16 +2070,16 @@
       </p:sp>
       <p:sp>
         <p:nvSpPr>
-          <p:cNvPr id="1989980383" name="Text">
-    </p:cNvPr>
-          <p:cNvSpPr>
-            <a:spLocks noGrp="1"/>
-          </p:cNvSpPr>
-          <p:nvPr/>
-        </p:nvSpPr>
-        <p:spPr>
-          <a:xfrm rot="0">
-            <a:off x="38100" y="3365500"/>
+          <p:cNvPr id="433678621" name="Text">
+    </p:cNvPr>
+          <p:cNvSpPr>
+            <a:spLocks noGrp="1"/>
+          </p:cNvSpPr>
+          <p:nvPr/>
+        </p:nvSpPr>
+        <p:spPr>
+          <a:xfrm rot="0">
+            <a:off x="38100" y="3289300"/>
             <a:ext cx="609600" cy="2578100"/>
           </a:xfrm>
           <a:prstGeom prst="rect">
@@ -2141,17 +2141,17 @@
       </p:sp>
       <p:sp>
         <p:nvSpPr>
-          <p:cNvPr id="711865183" name="Text">
-    </p:cNvPr>
-          <p:cNvSpPr>
-            <a:spLocks noGrp="1"/>
-          </p:cNvSpPr>
-          <p:nvPr/>
-        </p:nvSpPr>
-        <p:spPr>
-          <a:xfrm rot="0">
-            <a:off x="723900" y="3365500"/>
-            <a:ext cx="3251200" cy="2578100"/>
+          <p:cNvPr id="855202141" name="Text">
+    </p:cNvPr>
+          <p:cNvSpPr>
+            <a:spLocks noGrp="1"/>
+          </p:cNvSpPr>
+          <p:nvPr/>
+        </p:nvSpPr>
+        <p:spPr>
+          <a:xfrm rot="0">
+            <a:off x="762000" y="3289300"/>
+            <a:ext cx="2984500" cy="2578100"/>
           </a:xfrm>
           <a:prstGeom prst="rect">
             <a:avLst/>
@@ -2269,17 +2269,17 @@
       </p:sp>
       <p:sp>
         <p:nvSpPr>
-          <p:cNvPr id="320668103" name="Text">
-    </p:cNvPr>
-          <p:cNvSpPr>
-            <a:spLocks noGrp="1"/>
-          </p:cNvSpPr>
-          <p:nvPr/>
-        </p:nvSpPr>
-        <p:spPr>
-          <a:xfrm rot="0">
-            <a:off x="4508500" y="3365500"/>
-            <a:ext cx="495300" cy="2578100"/>
+          <p:cNvPr id="1404985637" name="Text">
+    </p:cNvPr>
+          <p:cNvSpPr>
+            <a:spLocks noGrp="1"/>
+          </p:cNvSpPr>
+          <p:nvPr/>
+        </p:nvSpPr>
+        <p:spPr>
+          <a:xfrm rot="0">
+            <a:off x="4216400" y="3289300"/>
+            <a:ext cx="457200" cy="2578100"/>
           </a:xfrm>
           <a:prstGeom prst="rect">
             <a:avLst/>
@@ -2371,16 +2371,16 @@
       </p:sp>
       <p:sp>
         <p:nvSpPr>
-          <p:cNvPr id="291958333" name="Text">
-    </p:cNvPr>
-          <p:cNvSpPr>
-            <a:spLocks noGrp="1"/>
-          </p:cNvSpPr>
-          <p:nvPr/>
-        </p:nvSpPr>
-        <p:spPr>
-          <a:xfrm rot="0">
-            <a:off x="5003800" y="3365500"/>
+          <p:cNvPr id="1420812621" name="Text">
+    </p:cNvPr>
+          <p:cNvSpPr>
+            <a:spLocks noGrp="1"/>
+          </p:cNvSpPr>
+          <p:nvPr/>
+        </p:nvSpPr>
+        <p:spPr>
+          <a:xfrm rot="0">
+            <a:off x="4673600" y="3289300"/>
             <a:ext cx="469900" cy="2578100"/>
           </a:xfrm>
           <a:prstGeom prst="rect">
@@ -2473,17 +2473,17 @@
       </p:sp>
       <p:sp>
         <p:nvSpPr>
-          <p:cNvPr id="40873606" name="Text">
-    </p:cNvPr>
-          <p:cNvSpPr>
-            <a:spLocks noGrp="1"/>
-          </p:cNvSpPr>
-          <p:nvPr/>
-        </p:nvSpPr>
-        <p:spPr>
-          <a:xfrm rot="0">
-            <a:off x="3987800" y="3365500"/>
-            <a:ext cx="520700" cy="2578100"/>
+          <p:cNvPr id="116190020" name="Text">
+    </p:cNvPr>
+          <p:cNvSpPr>
+            <a:spLocks noGrp="1"/>
+          </p:cNvSpPr>
+          <p:nvPr/>
+        </p:nvSpPr>
+        <p:spPr>
+          <a:xfrm rot="0">
+            <a:off x="3759200" y="3289300"/>
+            <a:ext cx="457200" cy="2578100"/>
           </a:xfrm>
           <a:prstGeom prst="rect">
             <a:avLst/>
@@ -2575,17 +2575,17 @@
       </p:sp>
       <p:sp>
         <p:nvSpPr>
-          <p:cNvPr id="1505788255" name="Text">
-    </p:cNvPr>
-          <p:cNvSpPr>
-            <a:spLocks noGrp="1"/>
-          </p:cNvSpPr>
-          <p:nvPr/>
-        </p:nvSpPr>
-        <p:spPr>
-          <a:xfrm rot="0">
-            <a:off x="647700" y="3365500"/>
-            <a:ext cx="3340100" cy="2578100"/>
+          <p:cNvPr id="2124900725" name="Text">
+    </p:cNvPr>
+          <p:cNvSpPr>
+            <a:spLocks noGrp="1"/>
+          </p:cNvSpPr>
+          <p:nvPr/>
+        </p:nvSpPr>
+        <p:spPr>
+          <a:xfrm rot="0">
+            <a:off x="647700" y="3289300"/>
+            <a:ext cx="3111500" cy="2578100"/>
           </a:xfrm>
           <a:prstGeom prst="rect">
             <a:avLst/>
@@ -2627,17 +2627,17 @@
       </p:sp>
       <p:sp>
         <p:nvSpPr>
-          <p:cNvPr id="581480601" name="Text">
-    </p:cNvPr>
-          <p:cNvSpPr>
-            <a:spLocks noGrp="1"/>
-          </p:cNvSpPr>
-          <p:nvPr/>
-        </p:nvSpPr>
-        <p:spPr>
-          <a:xfrm rot="0">
-            <a:off x="6184900" y="3365500"/>
-            <a:ext cx="3213100" cy="2578100"/>
+          <p:cNvPr id="1580243149" name="Text">
+    </p:cNvPr>
+          <p:cNvSpPr>
+            <a:spLocks noGrp="1"/>
+          </p:cNvSpPr>
+          <p:nvPr/>
+        </p:nvSpPr>
+        <p:spPr>
+          <a:xfrm rot="0">
+            <a:off x="5816600" y="3289300"/>
+            <a:ext cx="3111500" cy="2578100"/>
           </a:xfrm>
           <a:prstGeom prst="rect">
             <a:avLst/>
@@ -2704,17 +2704,17 @@
       </p:grpSpPr>
       <p:sp>
         <p:nvSpPr>
-          <p:cNvPr id="823856043" name="Text">
-    </p:cNvPr>
-          <p:cNvSpPr>
-            <a:spLocks noGrp="1"/>
-          </p:cNvSpPr>
-          <p:nvPr/>
-        </p:nvSpPr>
-        <p:spPr>
-          <a:xfrm rot="0">
-            <a:off x="5664200" y="838200"/>
-            <a:ext cx="4673600" cy="381000"/>
+          <p:cNvPr id="832507124" name="Text">
+    </p:cNvPr>
+          <p:cNvSpPr>
+            <a:spLocks noGrp="1"/>
+          </p:cNvSpPr>
+          <p:nvPr/>
+        </p:nvSpPr>
+        <p:spPr>
+          <a:xfrm rot="0">
+            <a:off x="5219700" y="825500"/>
+            <a:ext cx="4660900" cy="381000"/>
           </a:xfrm>
           <a:prstGeom prst="rect">
             <a:avLst/>
@@ -2753,17 +2753,17 @@
       </p:sp>
       <p:sp>
         <p:nvSpPr>
-          <p:cNvPr id="1223771667" name="Text">
-    </p:cNvPr>
-          <p:cNvSpPr>
-            <a:spLocks noGrp="1"/>
-          </p:cNvSpPr>
-          <p:nvPr/>
-        </p:nvSpPr>
-        <p:spPr>
-          <a:xfrm rot="0">
-            <a:off x="114300" y="838200"/>
-            <a:ext cx="5245100" cy="381000"/>
+          <p:cNvPr id="455618682" name="Text">
+    </p:cNvPr>
+          <p:cNvSpPr>
+            <a:spLocks noGrp="1"/>
+          </p:cNvSpPr>
+          <p:nvPr/>
+        </p:nvSpPr>
+        <p:spPr>
+          <a:xfrm rot="0">
+            <a:off x="88900" y="825500"/>
+            <a:ext cx="5067300" cy="381000"/>
           </a:xfrm>
           <a:prstGeom prst="rect">
             <a:avLst/>
@@ -2802,17 +2802,17 @@
       </p:sp>
       <p:sp>
         <p:nvSpPr>
-          <p:cNvPr id="187950626" name="Text">
-    </p:cNvPr>
-          <p:cNvSpPr>
-            <a:spLocks noGrp="1"/>
-          </p:cNvSpPr>
-          <p:nvPr/>
-        </p:nvSpPr>
-        <p:spPr>
-          <a:xfrm rot="0">
-            <a:off x="139700" y="800100"/>
-            <a:ext cx="5168900" cy="381000"/>
+          <p:cNvPr id="729512962" name="Text">
+    </p:cNvPr>
+          <p:cNvSpPr>
+            <a:spLocks noGrp="1"/>
+          </p:cNvSpPr>
+          <p:nvPr/>
+        </p:nvSpPr>
+        <p:spPr>
+          <a:xfrm rot="0">
+            <a:off x="63500" y="800100"/>
+            <a:ext cx="5054600" cy="381000"/>
           </a:xfrm>
           <a:prstGeom prst="rect">
             <a:avLst/>
@@ -2851,17 +2851,17 @@
       </p:sp>
       <p:sp>
         <p:nvSpPr>
-          <p:cNvPr id="240200969" name="Text">
-    </p:cNvPr>
-          <p:cNvSpPr>
-            <a:spLocks noGrp="1"/>
-          </p:cNvSpPr>
-          <p:nvPr/>
-        </p:nvSpPr>
-        <p:spPr>
-          <a:xfrm rot="0">
-            <a:off x="5664200" y="800100"/>
-            <a:ext cx="4622800" cy="381000"/>
+          <p:cNvPr id="160773920" name="Text">
+    </p:cNvPr>
+          <p:cNvSpPr>
+            <a:spLocks noGrp="1"/>
+          </p:cNvSpPr>
+          <p:nvPr/>
+        </p:nvSpPr>
+        <p:spPr>
+          <a:xfrm rot="0">
+            <a:off x="5232400" y="800100"/>
+            <a:ext cx="4610100" cy="381000"/>
           </a:xfrm>
           <a:prstGeom prst="rect">
             <a:avLst/>
@@ -2900,7 +2900,7 @@
       </p:sp>
       <p:sp>
         <p:nvSpPr>
-          <p:cNvPr id="1736321339" name="Text">
+          <p:cNvPr id="1076126282" name="Text">
     </p:cNvPr>
           <p:cNvSpPr>
             <a:spLocks noGrp="1"/>
@@ -2946,7 +2946,7 @@
       </p:sp>
       <p:sp>
         <p:nvSpPr>
-          <p:cNvPr id="628959769" name="Text">
+          <p:cNvPr id="450175444" name="Text">
     </p:cNvPr>
           <p:cNvSpPr>
             <a:spLocks noGrp="1"/>
@@ -3010,7 +3010,7 @@
       </p:sp>
       <p:sp>
         <p:nvSpPr>
-          <p:cNvPr id="829151842" name="Text">
+          <p:cNvPr id="1782502880" name="Text">
     </p:cNvPr>
           <p:cNvSpPr>
             <a:spLocks noGrp="1"/>
@@ -3020,7 +3020,7 @@
         <p:spPr>
           <a:xfrm rot="0">
             <a:off x="647700" y="1295400"/>
-            <a:ext cx="3340100" cy="469900"/>
+            <a:ext cx="3111500" cy="469900"/>
           </a:xfrm>
           <a:prstGeom prst="rect">
             <a:avLst/>
@@ -3065,17 +3065,17 @@
       </p:sp>
       <p:sp>
         <p:nvSpPr>
-          <p:cNvPr id="911573027" name="Text">
-    </p:cNvPr>
-          <p:cNvSpPr>
-            <a:spLocks noGrp="1"/>
-          </p:cNvSpPr>
-          <p:nvPr/>
-        </p:nvSpPr>
-        <p:spPr>
-          <a:xfrm rot="0">
-            <a:off x="3987800" y="1295400"/>
-            <a:ext cx="520700" cy="469900"/>
+          <p:cNvPr id="1253229488" name="Text">
+    </p:cNvPr>
+          <p:cNvSpPr>
+            <a:spLocks noGrp="1"/>
+          </p:cNvSpPr>
+          <p:nvPr/>
+        </p:nvSpPr>
+        <p:spPr>
+          <a:xfrm rot="0">
+            <a:off x="3759200" y="1295400"/>
+            <a:ext cx="457200" cy="469900"/>
           </a:xfrm>
           <a:prstGeom prst="rect">
             <a:avLst/>
@@ -3120,17 +3120,17 @@
       </p:sp>
       <p:sp>
         <p:nvSpPr>
-          <p:cNvPr id="544489507" name="Text">
-    </p:cNvPr>
-          <p:cNvSpPr>
-            <a:spLocks noGrp="1"/>
-          </p:cNvSpPr>
-          <p:nvPr/>
-        </p:nvSpPr>
-        <p:spPr>
-          <a:xfrm rot="0">
-            <a:off x="4508500" y="1295400"/>
-            <a:ext cx="495300" cy="469900"/>
+          <p:cNvPr id="703061662" name="Text">
+    </p:cNvPr>
+          <p:cNvSpPr>
+            <a:spLocks noGrp="1"/>
+          </p:cNvSpPr>
+          <p:nvPr/>
+        </p:nvSpPr>
+        <p:spPr>
+          <a:xfrm rot="0">
+            <a:off x="4216400" y="1295400"/>
+            <a:ext cx="457200" cy="469900"/>
           </a:xfrm>
           <a:prstGeom prst="rect">
             <a:avLst/>
@@ -3184,16 +3184,16 @@
       </p:sp>
       <p:sp>
         <p:nvSpPr>
-          <p:cNvPr id="1821739990" name="Text">
-    </p:cNvPr>
-          <p:cNvSpPr>
-            <a:spLocks noGrp="1"/>
-          </p:cNvSpPr>
-          <p:nvPr/>
-        </p:nvSpPr>
-        <p:spPr>
-          <a:xfrm rot="0">
-            <a:off x="5575300" y="1295400"/>
+          <p:cNvPr id="445616631" name="Text">
+    </p:cNvPr>
+          <p:cNvSpPr>
+            <a:spLocks noGrp="1"/>
+          </p:cNvSpPr>
+          <p:nvPr/>
+        </p:nvSpPr>
+        <p:spPr>
+          <a:xfrm rot="0">
+            <a:off x="5207000" y="1295400"/>
             <a:ext cx="609600" cy="469900"/>
           </a:xfrm>
           <a:prstGeom prst="rect">
@@ -3248,17 +3248,17 @@
       </p:sp>
       <p:sp>
         <p:nvSpPr>
-          <p:cNvPr id="54715628" name="Text">
-    </p:cNvPr>
-          <p:cNvSpPr>
-            <a:spLocks noGrp="1"/>
-          </p:cNvSpPr>
-          <p:nvPr/>
-        </p:nvSpPr>
-        <p:spPr>
-          <a:xfrm rot="0">
-            <a:off x="6184900" y="1295400"/>
-            <a:ext cx="3213100" cy="469900"/>
+          <p:cNvPr id="109237907" name="Text">
+    </p:cNvPr>
+          <p:cNvSpPr>
+            <a:spLocks noGrp="1"/>
+          </p:cNvSpPr>
+          <p:nvPr/>
+        </p:nvSpPr>
+        <p:spPr>
+          <a:xfrm rot="0">
+            <a:off x="5816600" y="1295400"/>
+            <a:ext cx="3111500" cy="469900"/>
           </a:xfrm>
           <a:prstGeom prst="rect">
             <a:avLst/>
@@ -3303,17 +3303,17 @@
       </p:sp>
       <p:sp>
         <p:nvSpPr>
-          <p:cNvPr id="428619839" name="Text">
-    </p:cNvPr>
-          <p:cNvSpPr>
-            <a:spLocks noGrp="1"/>
-          </p:cNvSpPr>
-          <p:nvPr/>
-        </p:nvSpPr>
-        <p:spPr>
-          <a:xfrm rot="0">
-            <a:off x="9398000" y="1295400"/>
-            <a:ext cx="495300" cy="469900"/>
+          <p:cNvPr id="1517365936" name="Text">
+    </p:cNvPr>
+          <p:cNvSpPr>
+            <a:spLocks noGrp="1"/>
+          </p:cNvSpPr>
+          <p:nvPr/>
+        </p:nvSpPr>
+        <p:spPr>
+          <a:xfrm rot="0">
+            <a:off x="8928100" y="1295400"/>
+            <a:ext cx="457200" cy="469900"/>
           </a:xfrm>
           <a:prstGeom prst="rect">
             <a:avLst/>
@@ -3358,16 +3358,16 @@
       </p:sp>
       <p:sp>
         <p:nvSpPr>
-          <p:cNvPr id="461051509" name="Text">
-    </p:cNvPr>
-          <p:cNvSpPr>
-            <a:spLocks noGrp="1"/>
-          </p:cNvSpPr>
-          <p:nvPr/>
-        </p:nvSpPr>
-        <p:spPr>
-          <a:xfrm rot="0">
-            <a:off x="5003800" y="1295400"/>
+          <p:cNvPr id="1307905102" name="Text">
+    </p:cNvPr>
+          <p:cNvSpPr>
+            <a:spLocks noGrp="1"/>
+          </p:cNvSpPr>
+          <p:nvPr/>
+        </p:nvSpPr>
+        <p:spPr>
+          <a:xfrm rot="0">
+            <a:off x="4673600" y="1295400"/>
             <a:ext cx="469900" cy="469900"/>
           </a:xfrm>
           <a:prstGeom prst="rect">
@@ -3422,17 +3422,17 @@
       </p:sp>
       <p:sp>
         <p:nvSpPr>
-          <p:cNvPr id="1542518263" name="Text">
-    </p:cNvPr>
-          <p:cNvSpPr>
-            <a:spLocks noGrp="1"/>
-          </p:cNvSpPr>
-          <p:nvPr/>
-        </p:nvSpPr>
-        <p:spPr>
-          <a:xfrm rot="0">
-            <a:off x="9893300" y="1295400"/>
-            <a:ext cx="469900" cy="469900"/>
+          <p:cNvPr id="731065390" name="Text">
+    </p:cNvPr>
+          <p:cNvSpPr>
+            <a:spLocks noGrp="1"/>
+          </p:cNvSpPr>
+          <p:nvPr/>
+        </p:nvSpPr>
+        <p:spPr>
+          <a:xfrm rot="0">
+            <a:off x="9385300" y="1295400"/>
+            <a:ext cx="457200" cy="469900"/>
           </a:xfrm>
           <a:prstGeom prst="rect">
             <a:avLst/>
@@ -3486,16 +3486,16 @@
       </p:sp>
       <p:sp>
         <p:nvSpPr>
-          <p:cNvPr id="1325469665" name="Text">
-    </p:cNvPr>
-          <p:cNvSpPr>
-            <a:spLocks noGrp="1"/>
-          </p:cNvSpPr>
-          <p:nvPr/>
-        </p:nvSpPr>
-        <p:spPr>
-          <a:xfrm rot="0">
-            <a:off x="5003800" y="1765300"/>
+          <p:cNvPr id="993350017" name="Text">
+    </p:cNvPr>
+          <p:cNvSpPr>
+            <a:spLocks noGrp="1"/>
+          </p:cNvSpPr>
+          <p:nvPr/>
+        </p:nvSpPr>
+        <p:spPr>
+          <a:xfrm rot="0">
+            <a:off x="4673600" y="1765300"/>
             <a:ext cx="469900" cy="1524000"/>
           </a:xfrm>
           <a:prstGeom prst="rect">
@@ -3564,17 +3564,17 @@
       </p:grpSpPr>
       <p:sp>
         <p:nvSpPr>
-          <p:cNvPr id="68793847" name="Text">
-    </p:cNvPr>
-          <p:cNvSpPr>
-            <a:spLocks noGrp="1"/>
-          </p:cNvSpPr>
-          <p:nvPr/>
-        </p:nvSpPr>
-        <p:spPr>
-          <a:xfrm rot="0">
-            <a:off x="5664200" y="838200"/>
-            <a:ext cx="4673600" cy="381000"/>
+          <p:cNvPr id="1967046607" name="Text">
+    </p:cNvPr>
+          <p:cNvSpPr>
+            <a:spLocks noGrp="1"/>
+          </p:cNvSpPr>
+          <p:nvPr/>
+        </p:nvSpPr>
+        <p:spPr>
+          <a:xfrm rot="0">
+            <a:off x="5219700" y="825500"/>
+            <a:ext cx="4660900" cy="381000"/>
           </a:xfrm>
           <a:prstGeom prst="rect">
             <a:avLst/>
@@ -3613,17 +3613,17 @@
       </p:sp>
       <p:sp>
         <p:nvSpPr>
-          <p:cNvPr id="2080190572" name="Text">
-    </p:cNvPr>
-          <p:cNvSpPr>
-            <a:spLocks noGrp="1"/>
-          </p:cNvSpPr>
-          <p:nvPr/>
-        </p:nvSpPr>
-        <p:spPr>
-          <a:xfrm rot="0">
-            <a:off x="114300" y="838200"/>
-            <a:ext cx="5245100" cy="381000"/>
+          <p:cNvPr id="350870759" name="Text">
+    </p:cNvPr>
+          <p:cNvSpPr>
+            <a:spLocks noGrp="1"/>
+          </p:cNvSpPr>
+          <p:nvPr/>
+        </p:nvSpPr>
+        <p:spPr>
+          <a:xfrm rot="0">
+            <a:off x="88900" y="825500"/>
+            <a:ext cx="5067300" cy="381000"/>
           </a:xfrm>
           <a:prstGeom prst="rect">
             <a:avLst/>
@@ -3662,17 +3662,17 @@
       </p:sp>
       <p:sp>
         <p:nvSpPr>
-          <p:cNvPr id="652909621" name="Text">
-    </p:cNvPr>
-          <p:cNvSpPr>
-            <a:spLocks noGrp="1"/>
-          </p:cNvSpPr>
-          <p:nvPr/>
-        </p:nvSpPr>
-        <p:spPr>
-          <a:xfrm rot="0">
-            <a:off x="139700" y="800100"/>
-            <a:ext cx="5168900" cy="381000"/>
+          <p:cNvPr id="1363207118" name="Text">
+    </p:cNvPr>
+          <p:cNvSpPr>
+            <a:spLocks noGrp="1"/>
+          </p:cNvSpPr>
+          <p:nvPr/>
+        </p:nvSpPr>
+        <p:spPr>
+          <a:xfrm rot="0">
+            <a:off x="63500" y="800100"/>
+            <a:ext cx="5054600" cy="381000"/>
           </a:xfrm>
           <a:prstGeom prst="rect">
             <a:avLst/>
@@ -3711,17 +3711,17 @@
       </p:sp>
       <p:sp>
         <p:nvSpPr>
-          <p:cNvPr id="1092733961" name="Text">
-    </p:cNvPr>
-          <p:cNvSpPr>
-            <a:spLocks noGrp="1"/>
-          </p:cNvSpPr>
-          <p:nvPr/>
-        </p:nvSpPr>
-        <p:spPr>
-          <a:xfrm rot="0">
-            <a:off x="5664200" y="800100"/>
-            <a:ext cx="4622800" cy="381000"/>
+          <p:cNvPr id="191692763" name="Text">
+    </p:cNvPr>
+          <p:cNvSpPr>
+            <a:spLocks noGrp="1"/>
+          </p:cNvSpPr>
+          <p:nvPr/>
+        </p:nvSpPr>
+        <p:spPr>
+          <a:xfrm rot="0">
+            <a:off x="5232400" y="800100"/>
+            <a:ext cx="4610100" cy="381000"/>
           </a:xfrm>
           <a:prstGeom prst="rect">
             <a:avLst/>
@@ -3760,7 +3760,7 @@
       </p:sp>
       <p:sp>
         <p:nvSpPr>
-          <p:cNvPr id="140406743" name="Text">
+          <p:cNvPr id="195885502" name="Text">
     </p:cNvPr>
           <p:cNvSpPr>
             <a:spLocks noGrp="1"/>
@@ -3806,7 +3806,7 @@
       </p:sp>
       <p:sp>
         <p:nvSpPr>
-          <p:cNvPr id="439501024" name="Text">
+          <p:cNvPr id="1366823624" name="Text">
     </p:cNvPr>
           <p:cNvSpPr>
             <a:spLocks noGrp="1"/>
@@ -3870,7 +3870,7 @@
       </p:sp>
       <p:sp>
         <p:nvSpPr>
-          <p:cNvPr id="1749777575" name="Text">
+          <p:cNvPr id="133219770" name="Text">
     </p:cNvPr>
           <p:cNvSpPr>
             <a:spLocks noGrp="1"/>
@@ -3880,7 +3880,7 @@
         <p:spPr>
           <a:xfrm rot="0">
             <a:off x="647700" y="1295400"/>
-            <a:ext cx="3340100" cy="469900"/>
+            <a:ext cx="3111500" cy="469900"/>
           </a:xfrm>
           <a:prstGeom prst="rect">
             <a:avLst/>
@@ -3925,17 +3925,17 @@
       </p:sp>
       <p:sp>
         <p:nvSpPr>
-          <p:cNvPr id="667268131" name="Text">
-    </p:cNvPr>
-          <p:cNvSpPr>
-            <a:spLocks noGrp="1"/>
-          </p:cNvSpPr>
-          <p:nvPr/>
-        </p:nvSpPr>
-        <p:spPr>
-          <a:xfrm rot="0">
-            <a:off x="3987800" y="1295400"/>
-            <a:ext cx="520700" cy="469900"/>
+          <p:cNvPr id="1796108472" name="Text">
+    </p:cNvPr>
+          <p:cNvSpPr>
+            <a:spLocks noGrp="1"/>
+          </p:cNvSpPr>
+          <p:nvPr/>
+        </p:nvSpPr>
+        <p:spPr>
+          <a:xfrm rot="0">
+            <a:off x="3759200" y="1295400"/>
+            <a:ext cx="457200" cy="469900"/>
           </a:xfrm>
           <a:prstGeom prst="rect">
             <a:avLst/>
@@ -3980,17 +3980,17 @@
       </p:sp>
       <p:sp>
         <p:nvSpPr>
-          <p:cNvPr id="1545492443" name="Text">
-    </p:cNvPr>
-          <p:cNvSpPr>
-            <a:spLocks noGrp="1"/>
-          </p:cNvSpPr>
-          <p:nvPr/>
-        </p:nvSpPr>
-        <p:spPr>
-          <a:xfrm rot="0">
-            <a:off x="4508500" y="1295400"/>
-            <a:ext cx="495300" cy="469900"/>
+          <p:cNvPr id="117642606" name="Text">
+    </p:cNvPr>
+          <p:cNvSpPr>
+            <a:spLocks noGrp="1"/>
+          </p:cNvSpPr>
+          <p:nvPr/>
+        </p:nvSpPr>
+        <p:spPr>
+          <a:xfrm rot="0">
+            <a:off x="4216400" y="1295400"/>
+            <a:ext cx="457200" cy="469900"/>
           </a:xfrm>
           <a:prstGeom prst="rect">
             <a:avLst/>
@@ -4044,16 +4044,16 @@
       </p:sp>
       <p:sp>
         <p:nvSpPr>
-          <p:cNvPr id="1419979256" name="Text">
-    </p:cNvPr>
-          <p:cNvSpPr>
-            <a:spLocks noGrp="1"/>
-          </p:cNvSpPr>
-          <p:nvPr/>
-        </p:nvSpPr>
-        <p:spPr>
-          <a:xfrm rot="0">
-            <a:off x="5575300" y="1295400"/>
+          <p:cNvPr id="385657108" name="Text">
+    </p:cNvPr>
+          <p:cNvSpPr>
+            <a:spLocks noGrp="1"/>
+          </p:cNvSpPr>
+          <p:nvPr/>
+        </p:nvSpPr>
+        <p:spPr>
+          <a:xfrm rot="0">
+            <a:off x="5207000" y="1295400"/>
             <a:ext cx="609600" cy="469900"/>
           </a:xfrm>
           <a:prstGeom prst="rect">
@@ -4108,17 +4108,17 @@
       </p:sp>
       <p:sp>
         <p:nvSpPr>
-          <p:cNvPr id="1732172175" name="Text">
-    </p:cNvPr>
-          <p:cNvSpPr>
-            <a:spLocks noGrp="1"/>
-          </p:cNvSpPr>
-          <p:nvPr/>
-        </p:nvSpPr>
-        <p:spPr>
-          <a:xfrm rot="0">
-            <a:off x="6184900" y="1295400"/>
-            <a:ext cx="3213100" cy="469900"/>
+          <p:cNvPr id="396387172" name="Text">
+    </p:cNvPr>
+          <p:cNvSpPr>
+            <a:spLocks noGrp="1"/>
+          </p:cNvSpPr>
+          <p:nvPr/>
+        </p:nvSpPr>
+        <p:spPr>
+          <a:xfrm rot="0">
+            <a:off x="5816600" y="1295400"/>
+            <a:ext cx="3111500" cy="469900"/>
           </a:xfrm>
           <a:prstGeom prst="rect">
             <a:avLst/>
@@ -4163,17 +4163,17 @@
       </p:sp>
       <p:sp>
         <p:nvSpPr>
-          <p:cNvPr id="1842351591" name="Text">
-    </p:cNvPr>
-          <p:cNvSpPr>
-            <a:spLocks noGrp="1"/>
-          </p:cNvSpPr>
-          <p:nvPr/>
-        </p:nvSpPr>
-        <p:spPr>
-          <a:xfrm rot="0">
-            <a:off x="9398000" y="1295400"/>
-            <a:ext cx="495300" cy="469900"/>
+          <p:cNvPr id="255019672" name="Text">
+    </p:cNvPr>
+          <p:cNvSpPr>
+            <a:spLocks noGrp="1"/>
+          </p:cNvSpPr>
+          <p:nvPr/>
+        </p:nvSpPr>
+        <p:spPr>
+          <a:xfrm rot="0">
+            <a:off x="8928100" y="1295400"/>
+            <a:ext cx="457200" cy="469900"/>
           </a:xfrm>
           <a:prstGeom prst="rect">
             <a:avLst/>
@@ -4218,16 +4218,16 @@
       </p:sp>
       <p:sp>
         <p:nvSpPr>
-          <p:cNvPr id="1138634505" name="Text">
-    </p:cNvPr>
-          <p:cNvSpPr>
-            <a:spLocks noGrp="1"/>
-          </p:cNvSpPr>
-          <p:nvPr/>
-        </p:nvSpPr>
-        <p:spPr>
-          <a:xfrm rot="0">
-            <a:off x="5003800" y="1295400"/>
+          <p:cNvPr id="277124725" name="Text">
+    </p:cNvPr>
+          <p:cNvSpPr>
+            <a:spLocks noGrp="1"/>
+          </p:cNvSpPr>
+          <p:nvPr/>
+        </p:nvSpPr>
+        <p:spPr>
+          <a:xfrm rot="0">
+            <a:off x="4673600" y="1295400"/>
             <a:ext cx="469900" cy="469900"/>
           </a:xfrm>
           <a:prstGeom prst="rect">
@@ -4282,17 +4282,17 @@
       </p:sp>
       <p:sp>
         <p:nvSpPr>
-          <p:cNvPr id="251605603" name="Text">
-    </p:cNvPr>
-          <p:cNvSpPr>
-            <a:spLocks noGrp="1"/>
-          </p:cNvSpPr>
-          <p:nvPr/>
-        </p:nvSpPr>
-        <p:spPr>
-          <a:xfrm rot="0">
-            <a:off x="9893300" y="1295400"/>
-            <a:ext cx="469900" cy="469900"/>
+          <p:cNvPr id="1673738616" name="Text">
+    </p:cNvPr>
+          <p:cNvSpPr>
+            <a:spLocks noGrp="1"/>
+          </p:cNvSpPr>
+          <p:nvPr/>
+        </p:nvSpPr>
+        <p:spPr>
+          <a:xfrm rot="0">
+            <a:off x="9385300" y="1295400"/>
+            <a:ext cx="457200" cy="469900"/>
           </a:xfrm>
           <a:prstGeom prst="rect">
             <a:avLst/>
@@ -4346,17 +4346,17 @@
       </p:sp>
       <p:sp>
         <p:nvSpPr>
-          <p:cNvPr id="521953426" name="Text">
-    </p:cNvPr>
-          <p:cNvSpPr>
-            <a:spLocks noGrp="1"/>
-          </p:cNvSpPr>
-          <p:nvPr/>
-        </p:nvSpPr>
-        <p:spPr>
-          <a:xfrm rot="0">
-            <a:off x="9893300" y="1765300"/>
-            <a:ext cx="469900" cy="1524000"/>
+          <p:cNvPr id="2012007719" name="Text">
+    </p:cNvPr>
+          <p:cNvSpPr>
+            <a:spLocks noGrp="1"/>
+          </p:cNvSpPr>
+          <p:nvPr/>
+        </p:nvSpPr>
+        <p:spPr>
+          <a:xfrm rot="0">
+            <a:off x="9385300" y="1765300"/>
+            <a:ext cx="457200" cy="1663700"/>
           </a:xfrm>
           <a:prstGeom prst="rect">
             <a:avLst/>
@@ -4394,22 +4394,23 @@
               </a:rPr>
               <a:t>12/31</a:t>
             </a:r>
-          </a:p>
-        </p:txBody>
-      </p:sp>
-      <p:sp>
-        <p:nvSpPr>
-          <p:cNvPr id="1917774243" name="Text">
-    </p:cNvPr>
-          <p:cNvSpPr>
-            <a:spLocks noGrp="1"/>
-          </p:cNvSpPr>
-          <p:nvPr/>
-        </p:nvSpPr>
-        <p:spPr>
-          <a:xfrm rot="0">
-            <a:off x="9398000" y="1765300"/>
-            <a:ext cx="495300" cy="1524000"/>
+            <a:br/>
+          </a:p>
+        </p:txBody>
+      </p:sp>
+      <p:sp>
+        <p:nvSpPr>
+          <p:cNvPr id="1654537928" name="Text">
+    </p:cNvPr>
+          <p:cNvSpPr>
+            <a:spLocks noGrp="1"/>
+          </p:cNvSpPr>
+          <p:nvPr/>
+        </p:nvSpPr>
+        <p:spPr>
+          <a:xfrm rot="0">
+            <a:off x="8928100" y="1765300"/>
+            <a:ext cx="457200" cy="1663700"/>
           </a:xfrm>
           <a:prstGeom prst="rect">
             <a:avLst/>
@@ -4447,22 +4448,23 @@
               </a:rPr>
               <a:t>01/01</a:t>
             </a:r>
-          </a:p>
-        </p:txBody>
-      </p:sp>
-      <p:sp>
-        <p:nvSpPr>
-          <p:cNvPr id="1088042628" name="Text">
-    </p:cNvPr>
-          <p:cNvSpPr>
-            <a:spLocks noGrp="1"/>
-          </p:cNvSpPr>
-          <p:nvPr/>
-        </p:nvSpPr>
-        <p:spPr>
-          <a:xfrm rot="0">
-            <a:off x="6273800" y="1765300"/>
-            <a:ext cx="3111500" cy="1524000"/>
+            <a:br/>
+          </a:p>
+        </p:txBody>
+      </p:sp>
+      <p:sp>
+        <p:nvSpPr>
+          <p:cNvPr id="1444752336" name="Text">
+    </p:cNvPr>
+          <p:cNvSpPr>
+            <a:spLocks noGrp="1"/>
+          </p:cNvSpPr>
+          <p:nvPr/>
+        </p:nvSpPr>
+        <p:spPr>
+          <a:xfrm rot="0">
+            <a:off x="5930900" y="1765300"/>
+            <a:ext cx="2984500" cy="1663700"/>
           </a:xfrm>
           <a:prstGeom prst="rect">
             <a:avLst/>
@@ -4494,22 +4496,23 @@
               </a:rPr>
               <a:t>- [OAS] 개발 지원 및 인수인계</a:t>
             </a:r>
-          </a:p>
-        </p:txBody>
-      </p:sp>
-      <p:sp>
-        <p:nvSpPr>
-          <p:cNvPr id="927033558" name="Text">
-    </p:cNvPr>
-          <p:cNvSpPr>
-            <a:spLocks noGrp="1"/>
-          </p:cNvSpPr>
-          <p:nvPr/>
-        </p:nvSpPr>
-        <p:spPr>
-          <a:xfrm rot="0">
-            <a:off x="5575300" y="1765300"/>
-            <a:ext cx="609600" cy="1524000"/>
+            <a:br/>
+          </a:p>
+        </p:txBody>
+      </p:sp>
+      <p:sp>
+        <p:nvSpPr>
+          <p:cNvPr id="745525394" name="Text">
+    </p:cNvPr>
+          <p:cNvSpPr>
+            <a:spLocks noGrp="1"/>
+          </p:cNvSpPr>
+          <p:nvPr/>
+        </p:nvSpPr>
+        <p:spPr>
+          <a:xfrm rot="0">
+            <a:off x="5207000" y="1765300"/>
+            <a:ext cx="609600" cy="1663700"/>
           </a:xfrm>
           <a:prstGeom prst="rect">
             <a:avLst/>
@@ -4570,7 +4573,7 @@
       </p:sp>
       <p:sp>
         <p:nvSpPr>
-          <p:cNvPr id="1269139036" name="Text">
+          <p:cNvPr id="1031513549" name="Text">
     </p:cNvPr>
           <p:cNvSpPr>
             <a:spLocks noGrp="1"/>
@@ -4580,7 +4583,7 @@
         <p:spPr>
           <a:xfrm rot="0">
             <a:off x="38100" y="1765300"/>
-            <a:ext cx="609600" cy="1524000"/>
+            <a:ext cx="609600" cy="1663700"/>
           </a:xfrm>
           <a:prstGeom prst="rect">
             <a:avLst/>
@@ -4641,17 +4644,17 @@
       </p:sp>
       <p:sp>
         <p:nvSpPr>
-          <p:cNvPr id="1310944634" name="Text">
-    </p:cNvPr>
-          <p:cNvSpPr>
-            <a:spLocks noGrp="1"/>
-          </p:cNvSpPr>
-          <p:nvPr/>
-        </p:nvSpPr>
-        <p:spPr>
-          <a:xfrm rot="0">
-            <a:off x="723900" y="1765300"/>
-            <a:ext cx="3251200" cy="1524000"/>
+          <p:cNvPr id="771794132" name="Text">
+    </p:cNvPr>
+          <p:cNvSpPr>
+            <a:spLocks noGrp="1"/>
+          </p:cNvSpPr>
+          <p:nvPr/>
+        </p:nvSpPr>
+        <p:spPr>
+          <a:xfrm rot="0">
+            <a:off x="762000" y="1765300"/>
+            <a:ext cx="2984500" cy="1663700"/>
           </a:xfrm>
           <a:prstGeom prst="rect">
             <a:avLst/>
@@ -4755,22 +4758,23 @@
               </a:rPr>
               <a:t>- [OAS](cs, web) Logging 개발</a:t>
             </a:r>
-          </a:p>
-        </p:txBody>
-      </p:sp>
-      <p:sp>
-        <p:nvSpPr>
-          <p:cNvPr id="1599872044" name="Text">
-    </p:cNvPr>
-          <p:cNvSpPr>
-            <a:spLocks noGrp="1"/>
-          </p:cNvSpPr>
-          <p:nvPr/>
-        </p:nvSpPr>
-        <p:spPr>
-          <a:xfrm rot="0">
-            <a:off x="4508500" y="1765300"/>
-            <a:ext cx="495300" cy="1524000"/>
+            <a:br/>
+          </a:p>
+        </p:txBody>
+      </p:sp>
+      <p:sp>
+        <p:nvSpPr>
+          <p:cNvPr id="301750639" name="Text">
+    </p:cNvPr>
+          <p:cNvSpPr>
+            <a:spLocks noGrp="1"/>
+          </p:cNvSpPr>
+          <p:nvPr/>
+        </p:nvSpPr>
+        <p:spPr>
+          <a:xfrm rot="0">
+            <a:off x="4216400" y="1765300"/>
+            <a:ext cx="457200" cy="1663700"/>
           </a:xfrm>
           <a:prstGeom prst="rect">
             <a:avLst/>
@@ -4864,22 +4868,23 @@
               </a:rPr>
               <a:t>03/31</a:t>
             </a:r>
-          </a:p>
-        </p:txBody>
-      </p:sp>
-      <p:sp>
-        <p:nvSpPr>
-          <p:cNvPr id="1667745993" name="Text">
-    </p:cNvPr>
-          <p:cNvSpPr>
-            <a:spLocks noGrp="1"/>
-          </p:cNvSpPr>
-          <p:nvPr/>
-        </p:nvSpPr>
-        <p:spPr>
-          <a:xfrm rot="0">
-            <a:off x="5003800" y="1765300"/>
-            <a:ext cx="469900" cy="1524000"/>
+            <a:br/>
+          </a:p>
+        </p:txBody>
+      </p:sp>
+      <p:sp>
+        <p:nvSpPr>
+          <p:cNvPr id="1128657026" name="Text">
+    </p:cNvPr>
+          <p:cNvSpPr>
+            <a:spLocks noGrp="1"/>
+          </p:cNvSpPr>
+          <p:nvPr/>
+        </p:nvSpPr>
+        <p:spPr>
+          <a:xfrm rot="0">
+            <a:off x="4673600" y="1765300"/>
+            <a:ext cx="469900" cy="1663700"/>
           </a:xfrm>
           <a:prstGeom prst="rect">
             <a:avLst/>
@@ -4973,22 +4978,23 @@
               </a:rPr>
               <a:t>10%</a:t>
             </a:r>
-          </a:p>
-        </p:txBody>
-      </p:sp>
-      <p:sp>
-        <p:nvSpPr>
-          <p:cNvPr id="68629919" name="Text">
-    </p:cNvPr>
-          <p:cNvSpPr>
-            <a:spLocks noGrp="1"/>
-          </p:cNvSpPr>
-          <p:nvPr/>
-        </p:nvSpPr>
-        <p:spPr>
-          <a:xfrm rot="0">
-            <a:off x="3987800" y="1765300"/>
-            <a:ext cx="520700" cy="1524000"/>
+            <a:br/>
+          </a:p>
+        </p:txBody>
+      </p:sp>
+      <p:sp>
+        <p:nvSpPr>
+          <p:cNvPr id="594567402" name="Text">
+    </p:cNvPr>
+          <p:cNvSpPr>
+            <a:spLocks noGrp="1"/>
+          </p:cNvSpPr>
+          <p:nvPr/>
+        </p:nvSpPr>
+        <p:spPr>
+          <a:xfrm rot="0">
+            <a:off x="3759200" y="1765300"/>
+            <a:ext cx="457200" cy="1663700"/>
           </a:xfrm>
           <a:prstGeom prst="rect">
             <a:avLst/>
@@ -5082,12 +5088,13 @@
               </a:rPr>
               <a:t>02/15</a:t>
             </a:r>
-          </a:p>
-        </p:txBody>
-      </p:sp>
-      <p:sp>
-        <p:nvSpPr>
-          <p:cNvPr id="1359663322" name="Text">
+            <a:br/>
+          </a:p>
+        </p:txBody>
+      </p:sp>
+      <p:sp>
+        <p:nvSpPr>
+          <p:cNvPr id="150816340" name="Text">
     </p:cNvPr>
           <p:cNvSpPr>
             <a:spLocks noGrp="1"/>
@@ -5097,7 +5104,7 @@
         <p:spPr>
           <a:xfrm rot="0">
             <a:off x="647700" y="1765300"/>
-            <a:ext cx="3340100" cy="1524000"/>
+            <a:ext cx="3111500" cy="1663700"/>
           </a:xfrm>
           <a:prstGeom prst="rect">
             <a:avLst/>
@@ -5139,17 +5146,17 @@
       </p:sp>
       <p:sp>
         <p:nvSpPr>
-          <p:cNvPr id="1846021035" name="Text">
-    </p:cNvPr>
-          <p:cNvSpPr>
-            <a:spLocks noGrp="1"/>
-          </p:cNvSpPr>
-          <p:nvPr/>
-        </p:nvSpPr>
-        <p:spPr>
-          <a:xfrm rot="0">
-            <a:off x="6184900" y="1765300"/>
-            <a:ext cx="3213100" cy="1524000"/>
+          <p:cNvPr id="2067349765" name="Text">
+    </p:cNvPr>
+          <p:cNvSpPr>
+            <a:spLocks noGrp="1"/>
+          </p:cNvSpPr>
+          <p:nvPr/>
+        </p:nvSpPr>
+        <p:spPr>
+          <a:xfrm rot="0">
+            <a:off x="5816600" y="1765300"/>
+            <a:ext cx="3111500" cy="1663700"/>
           </a:xfrm>
           <a:prstGeom prst="rect">
             <a:avLst/>
@@ -5191,17 +5198,17 @@
       </p:sp>
       <p:sp>
         <p:nvSpPr>
-          <p:cNvPr id="863282979" name="Text">
-    </p:cNvPr>
-          <p:cNvSpPr>
-            <a:spLocks noGrp="1"/>
-          </p:cNvSpPr>
-          <p:nvPr/>
-        </p:nvSpPr>
-        <p:spPr>
-          <a:xfrm rot="0">
-            <a:off x="9893300" y="3365500"/>
-            <a:ext cx="469900" cy="2273300"/>
+          <p:cNvPr id="395603712" name="Text">
+    </p:cNvPr>
+          <p:cNvSpPr>
+            <a:spLocks noGrp="1"/>
+          </p:cNvSpPr>
+          <p:nvPr/>
+        </p:nvSpPr>
+        <p:spPr>
+          <a:xfrm rot="0">
+            <a:off x="9385300" y="3429000"/>
+            <a:ext cx="457200" cy="2273300"/>
           </a:xfrm>
           <a:prstGeom prst="rect">
             <a:avLst/>
@@ -5263,17 +5270,17 @@
       </p:sp>
       <p:sp>
         <p:nvSpPr>
-          <p:cNvPr id="250795807" name="Text">
-    </p:cNvPr>
-          <p:cNvSpPr>
-            <a:spLocks noGrp="1"/>
-          </p:cNvSpPr>
-          <p:nvPr/>
-        </p:nvSpPr>
-        <p:spPr>
-          <a:xfrm rot="0">
-            <a:off x="9398000" y="3365500"/>
-            <a:ext cx="495300" cy="2273300"/>
+          <p:cNvPr id="927148584" name="Text">
+    </p:cNvPr>
+          <p:cNvSpPr>
+            <a:spLocks noGrp="1"/>
+          </p:cNvSpPr>
+          <p:nvPr/>
+        </p:nvSpPr>
+        <p:spPr>
+          <a:xfrm rot="0">
+            <a:off x="8928100" y="3429000"/>
+            <a:ext cx="457200" cy="2273300"/>
           </a:xfrm>
           <a:prstGeom prst="rect">
             <a:avLst/>
@@ -5335,17 +5342,17 @@
       </p:sp>
       <p:sp>
         <p:nvSpPr>
-          <p:cNvPr id="167336475" name="Text">
-    </p:cNvPr>
-          <p:cNvSpPr>
-            <a:spLocks noGrp="1"/>
-          </p:cNvSpPr>
-          <p:nvPr/>
-        </p:nvSpPr>
-        <p:spPr>
-          <a:xfrm rot="0">
-            <a:off x="6273800" y="3365500"/>
-            <a:ext cx="3111500" cy="2273300"/>
+          <p:cNvPr id="1441666418" name="Text">
+    </p:cNvPr>
+          <p:cNvSpPr>
+            <a:spLocks noGrp="1"/>
+          </p:cNvSpPr>
+          <p:nvPr/>
+        </p:nvSpPr>
+        <p:spPr>
+          <a:xfrm rot="0">
+            <a:off x="5930900" y="3429000"/>
+            <a:ext cx="2984500" cy="2273300"/>
           </a:xfrm>
           <a:prstGeom prst="rect">
             <a:avLst/>
@@ -5409,16 +5416,16 @@
       </p:sp>
       <p:sp>
         <p:nvSpPr>
-          <p:cNvPr id="662851036" name="Text">
-    </p:cNvPr>
-          <p:cNvSpPr>
-            <a:spLocks noGrp="1"/>
-          </p:cNvSpPr>
-          <p:nvPr/>
-        </p:nvSpPr>
-        <p:spPr>
-          <a:xfrm rot="0">
-            <a:off x="5575300" y="3365500"/>
+          <p:cNvPr id="1684952995" name="Text">
+    </p:cNvPr>
+          <p:cNvSpPr>
+            <a:spLocks noGrp="1"/>
+          </p:cNvSpPr>
+          <p:nvPr/>
+        </p:nvSpPr>
+        <p:spPr>
+          <a:xfrm rot="0">
+            <a:off x="5207000" y="3429000"/>
             <a:ext cx="609600" cy="2273300"/>
           </a:xfrm>
           <a:prstGeom prst="rect">
@@ -5489,16 +5496,16 @@
       </p:sp>
       <p:sp>
         <p:nvSpPr>
-          <p:cNvPr id="827960240" name="Text">
-    </p:cNvPr>
-          <p:cNvSpPr>
-            <a:spLocks noGrp="1"/>
-          </p:cNvSpPr>
-          <p:nvPr/>
-        </p:nvSpPr>
-        <p:spPr>
-          <a:xfrm rot="0">
-            <a:off x="38100" y="3365500"/>
+          <p:cNvPr id="1345771585" name="Text">
+    </p:cNvPr>
+          <p:cNvSpPr>
+            <a:spLocks noGrp="1"/>
+          </p:cNvSpPr>
+          <p:nvPr/>
+        </p:nvSpPr>
+        <p:spPr>
+          <a:xfrm rot="0">
+            <a:off x="38100" y="3429000"/>
             <a:ext cx="609600" cy="2273300"/>
           </a:xfrm>
           <a:prstGeom prst="rect">
@@ -5569,17 +5576,17 @@
       </p:sp>
       <p:sp>
         <p:nvSpPr>
-          <p:cNvPr id="697026731" name="Text">
-    </p:cNvPr>
-          <p:cNvSpPr>
-            <a:spLocks noGrp="1"/>
-          </p:cNvSpPr>
-          <p:nvPr/>
-        </p:nvSpPr>
-        <p:spPr>
-          <a:xfrm rot="0">
-            <a:off x="723900" y="3365500"/>
-            <a:ext cx="3251200" cy="2273300"/>
+          <p:cNvPr id="2123020805" name="Text">
+    </p:cNvPr>
+          <p:cNvSpPr>
+            <a:spLocks noGrp="1"/>
+          </p:cNvSpPr>
+          <p:nvPr/>
+        </p:nvSpPr>
+        <p:spPr>
+          <a:xfrm rot="0">
+            <a:off x="762000" y="3429000"/>
+            <a:ext cx="2984500" cy="2273300"/>
           </a:xfrm>
           <a:prstGeom prst="rect">
             <a:avLst/>
@@ -5697,17 +5704,17 @@
       </p:sp>
       <p:sp>
         <p:nvSpPr>
-          <p:cNvPr id="1793160707" name="Text">
-    </p:cNvPr>
-          <p:cNvSpPr>
-            <a:spLocks noGrp="1"/>
-          </p:cNvSpPr>
-          <p:nvPr/>
-        </p:nvSpPr>
-        <p:spPr>
-          <a:xfrm rot="0">
-            <a:off x="4508500" y="3365500"/>
-            <a:ext cx="495300" cy="2273300"/>
+          <p:cNvPr id="1533703459" name="Text">
+    </p:cNvPr>
+          <p:cNvSpPr>
+            <a:spLocks noGrp="1"/>
+          </p:cNvSpPr>
+          <p:nvPr/>
+        </p:nvSpPr>
+        <p:spPr>
+          <a:xfrm rot="0">
+            <a:off x="4216400" y="3429000"/>
+            <a:ext cx="457200" cy="2273300"/>
           </a:xfrm>
           <a:prstGeom prst="rect">
             <a:avLst/>
@@ -5815,16 +5822,16 @@
       </p:sp>
       <p:sp>
         <p:nvSpPr>
-          <p:cNvPr id="1605904942" name="Text">
-    </p:cNvPr>
-          <p:cNvSpPr>
-            <a:spLocks noGrp="1"/>
-          </p:cNvSpPr>
-          <p:nvPr/>
-        </p:nvSpPr>
-        <p:spPr>
-          <a:xfrm rot="0">
-            <a:off x="5003800" y="3365500"/>
+          <p:cNvPr id="1303376546" name="Text">
+    </p:cNvPr>
+          <p:cNvSpPr>
+            <a:spLocks noGrp="1"/>
+          </p:cNvSpPr>
+          <p:nvPr/>
+        </p:nvSpPr>
+        <p:spPr>
+          <a:xfrm rot="0">
+            <a:off x="4673600" y="3429000"/>
             <a:ext cx="469900" cy="2273300"/>
           </a:xfrm>
           <a:prstGeom prst="rect">
@@ -5933,17 +5940,17 @@
       </p:sp>
       <p:sp>
         <p:nvSpPr>
-          <p:cNvPr id="591400514" name="Text">
-    </p:cNvPr>
-          <p:cNvSpPr>
-            <a:spLocks noGrp="1"/>
-          </p:cNvSpPr>
-          <p:nvPr/>
-        </p:nvSpPr>
-        <p:spPr>
-          <a:xfrm rot="0">
-            <a:off x="3987800" y="3365500"/>
-            <a:ext cx="520700" cy="2273300"/>
+          <p:cNvPr id="725471110" name="Text">
+    </p:cNvPr>
+          <p:cNvSpPr>
+            <a:spLocks noGrp="1"/>
+          </p:cNvSpPr>
+          <p:nvPr/>
+        </p:nvSpPr>
+        <p:spPr>
+          <a:xfrm rot="0">
+            <a:off x="3759200" y="3429000"/>
+            <a:ext cx="457200" cy="2273300"/>
           </a:xfrm>
           <a:prstGeom prst="rect">
             <a:avLst/>
@@ -6051,17 +6058,17 @@
       </p:sp>
       <p:sp>
         <p:nvSpPr>
-          <p:cNvPr id="1417233425" name="Text">
-    </p:cNvPr>
-          <p:cNvSpPr>
-            <a:spLocks noGrp="1"/>
-          </p:cNvSpPr>
-          <p:nvPr/>
-        </p:nvSpPr>
-        <p:spPr>
-          <a:xfrm rot="0">
-            <a:off x="647700" y="3365500"/>
-            <a:ext cx="3340100" cy="2273300"/>
+          <p:cNvPr id="4985462" name="Text">
+    </p:cNvPr>
+          <p:cNvSpPr>
+            <a:spLocks noGrp="1"/>
+          </p:cNvSpPr>
+          <p:nvPr/>
+        </p:nvSpPr>
+        <p:spPr>
+          <a:xfrm rot="0">
+            <a:off x="647700" y="3429000"/>
+            <a:ext cx="3111500" cy="2273300"/>
           </a:xfrm>
           <a:prstGeom prst="rect">
             <a:avLst/>
@@ -6103,17 +6110,17 @@
       </p:sp>
       <p:sp>
         <p:nvSpPr>
-          <p:cNvPr id="902394355" name="Text">
-    </p:cNvPr>
-          <p:cNvSpPr>
-            <a:spLocks noGrp="1"/>
-          </p:cNvSpPr>
-          <p:nvPr/>
-        </p:nvSpPr>
-        <p:spPr>
-          <a:xfrm rot="0">
-            <a:off x="6184900" y="3365500"/>
-            <a:ext cx="3213100" cy="2273300"/>
+          <p:cNvPr id="134720561" name="Text">
+    </p:cNvPr>
+          <p:cNvSpPr>
+            <a:spLocks noGrp="1"/>
+          </p:cNvSpPr>
+          <p:nvPr/>
+        </p:nvSpPr>
+        <p:spPr>
+          <a:xfrm rot="0">
+            <a:off x="5816600" y="3429000"/>
+            <a:ext cx="3111500" cy="2273300"/>
           </a:xfrm>
           <a:prstGeom prst="rect">
             <a:avLst/>
@@ -6180,17 +6187,17 @@
       </p:grpSpPr>
       <p:sp>
         <p:nvSpPr>
-          <p:cNvPr id="384334285" name="Text">
-    </p:cNvPr>
-          <p:cNvSpPr>
-            <a:spLocks noGrp="1"/>
-          </p:cNvSpPr>
-          <p:nvPr/>
-        </p:nvSpPr>
-        <p:spPr>
-          <a:xfrm rot="0">
-            <a:off x="5664200" y="838200"/>
-            <a:ext cx="4673600" cy="381000"/>
+          <p:cNvPr id="982480241" name="Text">
+    </p:cNvPr>
+          <p:cNvSpPr>
+            <a:spLocks noGrp="1"/>
+          </p:cNvSpPr>
+          <p:nvPr/>
+        </p:nvSpPr>
+        <p:spPr>
+          <a:xfrm rot="0">
+            <a:off x="5219700" y="825500"/>
+            <a:ext cx="4660900" cy="381000"/>
           </a:xfrm>
           <a:prstGeom prst="rect">
             <a:avLst/>
@@ -6229,17 +6236,17 @@
       </p:sp>
       <p:sp>
         <p:nvSpPr>
-          <p:cNvPr id="1750127626" name="Text">
-    </p:cNvPr>
-          <p:cNvSpPr>
-            <a:spLocks noGrp="1"/>
-          </p:cNvSpPr>
-          <p:nvPr/>
-        </p:nvSpPr>
-        <p:spPr>
-          <a:xfrm rot="0">
-            <a:off x="114300" y="838200"/>
-            <a:ext cx="5245100" cy="381000"/>
+          <p:cNvPr id="2139872345" name="Text">
+    </p:cNvPr>
+          <p:cNvSpPr>
+            <a:spLocks noGrp="1"/>
+          </p:cNvSpPr>
+          <p:nvPr/>
+        </p:nvSpPr>
+        <p:spPr>
+          <a:xfrm rot="0">
+            <a:off x="88900" y="825500"/>
+            <a:ext cx="5067300" cy="381000"/>
           </a:xfrm>
           <a:prstGeom prst="rect">
             <a:avLst/>
@@ -6278,17 +6285,17 @@
       </p:sp>
       <p:sp>
         <p:nvSpPr>
-          <p:cNvPr id="898822682" name="Text">
-    </p:cNvPr>
-          <p:cNvSpPr>
-            <a:spLocks noGrp="1"/>
-          </p:cNvSpPr>
-          <p:nvPr/>
-        </p:nvSpPr>
-        <p:spPr>
-          <a:xfrm rot="0">
-            <a:off x="139700" y="800100"/>
-            <a:ext cx="5168900" cy="381000"/>
+          <p:cNvPr id="531938940" name="Text">
+    </p:cNvPr>
+          <p:cNvSpPr>
+            <a:spLocks noGrp="1"/>
+          </p:cNvSpPr>
+          <p:nvPr/>
+        </p:nvSpPr>
+        <p:spPr>
+          <a:xfrm rot="0">
+            <a:off x="63500" y="800100"/>
+            <a:ext cx="5054600" cy="381000"/>
           </a:xfrm>
           <a:prstGeom prst="rect">
             <a:avLst/>
@@ -6327,17 +6334,17 @@
       </p:sp>
       <p:sp>
         <p:nvSpPr>
-          <p:cNvPr id="1117939432" name="Text">
-    </p:cNvPr>
-          <p:cNvSpPr>
-            <a:spLocks noGrp="1"/>
-          </p:cNvSpPr>
-          <p:nvPr/>
-        </p:nvSpPr>
-        <p:spPr>
-          <a:xfrm rot="0">
-            <a:off x="5664200" y="800100"/>
-            <a:ext cx="4622800" cy="381000"/>
+          <p:cNvPr id="719847327" name="Text">
+    </p:cNvPr>
+          <p:cNvSpPr>
+            <a:spLocks noGrp="1"/>
+          </p:cNvSpPr>
+          <p:nvPr/>
+        </p:nvSpPr>
+        <p:spPr>
+          <a:xfrm rot="0">
+            <a:off x="5232400" y="800100"/>
+            <a:ext cx="4610100" cy="381000"/>
           </a:xfrm>
           <a:prstGeom prst="rect">
             <a:avLst/>
@@ -6376,7 +6383,7 @@
       </p:sp>
       <p:sp>
         <p:nvSpPr>
-          <p:cNvPr id="399591776" name="Text">
+          <p:cNvPr id="1795302223" name="Text">
     </p:cNvPr>
           <p:cNvSpPr>
             <a:spLocks noGrp="1"/>
@@ -6422,7 +6429,7 @@
       </p:sp>
       <p:sp>
         <p:nvSpPr>
-          <p:cNvPr id="2035232532" name="Text">
+          <p:cNvPr id="1254769506" name="Text">
     </p:cNvPr>
           <p:cNvSpPr>
             <a:spLocks noGrp="1"/>
@@ -6486,7 +6493,7 @@
       </p:sp>
       <p:sp>
         <p:nvSpPr>
-          <p:cNvPr id="1542393861" name="Text">
+          <p:cNvPr id="1882673945" name="Text">
     </p:cNvPr>
           <p:cNvSpPr>
             <a:spLocks noGrp="1"/>
@@ -6496,7 +6503,7 @@
         <p:spPr>
           <a:xfrm rot="0">
             <a:off x="647700" y="1295400"/>
-            <a:ext cx="3340100" cy="469900"/>
+            <a:ext cx="3111500" cy="469900"/>
           </a:xfrm>
           <a:prstGeom prst="rect">
             <a:avLst/>
@@ -6541,17 +6548,17 @@
       </p:sp>
       <p:sp>
         <p:nvSpPr>
-          <p:cNvPr id="179022006" name="Text">
-    </p:cNvPr>
-          <p:cNvSpPr>
-            <a:spLocks noGrp="1"/>
-          </p:cNvSpPr>
-          <p:nvPr/>
-        </p:nvSpPr>
-        <p:spPr>
-          <a:xfrm rot="0">
-            <a:off x="3987800" y="1295400"/>
-            <a:ext cx="520700" cy="469900"/>
+          <p:cNvPr id="1698255239" name="Text">
+    </p:cNvPr>
+          <p:cNvSpPr>
+            <a:spLocks noGrp="1"/>
+          </p:cNvSpPr>
+          <p:nvPr/>
+        </p:nvSpPr>
+        <p:spPr>
+          <a:xfrm rot="0">
+            <a:off x="3759200" y="1295400"/>
+            <a:ext cx="457200" cy="469900"/>
           </a:xfrm>
           <a:prstGeom prst="rect">
             <a:avLst/>
@@ -6596,17 +6603,17 @@
       </p:sp>
       <p:sp>
         <p:nvSpPr>
-          <p:cNvPr id="388786890" name="Text">
-    </p:cNvPr>
-          <p:cNvSpPr>
-            <a:spLocks noGrp="1"/>
-          </p:cNvSpPr>
-          <p:nvPr/>
-        </p:nvSpPr>
-        <p:spPr>
-          <a:xfrm rot="0">
-            <a:off x="4508500" y="1295400"/>
-            <a:ext cx="495300" cy="469900"/>
+          <p:cNvPr id="534449716" name="Text">
+    </p:cNvPr>
+          <p:cNvSpPr>
+            <a:spLocks noGrp="1"/>
+          </p:cNvSpPr>
+          <p:nvPr/>
+        </p:nvSpPr>
+        <p:spPr>
+          <a:xfrm rot="0">
+            <a:off x="4216400" y="1295400"/>
+            <a:ext cx="457200" cy="469900"/>
           </a:xfrm>
           <a:prstGeom prst="rect">
             <a:avLst/>
@@ -6660,16 +6667,16 @@
       </p:sp>
       <p:sp>
         <p:nvSpPr>
-          <p:cNvPr id="396083380" name="Text">
-    </p:cNvPr>
-          <p:cNvSpPr>
-            <a:spLocks noGrp="1"/>
-          </p:cNvSpPr>
-          <p:nvPr/>
-        </p:nvSpPr>
-        <p:spPr>
-          <a:xfrm rot="0">
-            <a:off x="5575300" y="1295400"/>
+          <p:cNvPr id="118657022" name="Text">
+    </p:cNvPr>
+          <p:cNvSpPr>
+            <a:spLocks noGrp="1"/>
+          </p:cNvSpPr>
+          <p:nvPr/>
+        </p:nvSpPr>
+        <p:spPr>
+          <a:xfrm rot="0">
+            <a:off x="5207000" y="1295400"/>
             <a:ext cx="609600" cy="469900"/>
           </a:xfrm>
           <a:prstGeom prst="rect">
@@ -6724,17 +6731,17 @@
       </p:sp>
       <p:sp>
         <p:nvSpPr>
-          <p:cNvPr id="886543738" name="Text">
-    </p:cNvPr>
-          <p:cNvSpPr>
-            <a:spLocks noGrp="1"/>
-          </p:cNvSpPr>
-          <p:nvPr/>
-        </p:nvSpPr>
-        <p:spPr>
-          <a:xfrm rot="0">
-            <a:off x="6184900" y="1295400"/>
-            <a:ext cx="3213100" cy="469900"/>
+          <p:cNvPr id="1308081054" name="Text">
+    </p:cNvPr>
+          <p:cNvSpPr>
+            <a:spLocks noGrp="1"/>
+          </p:cNvSpPr>
+          <p:nvPr/>
+        </p:nvSpPr>
+        <p:spPr>
+          <a:xfrm rot="0">
+            <a:off x="5816600" y="1295400"/>
+            <a:ext cx="3111500" cy="469900"/>
           </a:xfrm>
           <a:prstGeom prst="rect">
             <a:avLst/>
@@ -6779,17 +6786,17 @@
       </p:sp>
       <p:sp>
         <p:nvSpPr>
-          <p:cNvPr id="1676567886" name="Text">
-    </p:cNvPr>
-          <p:cNvSpPr>
-            <a:spLocks noGrp="1"/>
-          </p:cNvSpPr>
-          <p:nvPr/>
-        </p:nvSpPr>
-        <p:spPr>
-          <a:xfrm rot="0">
-            <a:off x="9398000" y="1295400"/>
-            <a:ext cx="495300" cy="469900"/>
+          <p:cNvPr id="1651338958" name="Text">
+    </p:cNvPr>
+          <p:cNvSpPr>
+            <a:spLocks noGrp="1"/>
+          </p:cNvSpPr>
+          <p:nvPr/>
+        </p:nvSpPr>
+        <p:spPr>
+          <a:xfrm rot="0">
+            <a:off x="8928100" y="1295400"/>
+            <a:ext cx="457200" cy="469900"/>
           </a:xfrm>
           <a:prstGeom prst="rect">
             <a:avLst/>
@@ -6834,16 +6841,16 @@
       </p:sp>
       <p:sp>
         <p:nvSpPr>
-          <p:cNvPr id="392182211" name="Text">
-    </p:cNvPr>
-          <p:cNvSpPr>
-            <a:spLocks noGrp="1"/>
-          </p:cNvSpPr>
-          <p:nvPr/>
-        </p:nvSpPr>
-        <p:spPr>
-          <a:xfrm rot="0">
-            <a:off x="5003800" y="1295400"/>
+          <p:cNvPr id="620783129" name="Text">
+    </p:cNvPr>
+          <p:cNvSpPr>
+            <a:spLocks noGrp="1"/>
+          </p:cNvSpPr>
+          <p:nvPr/>
+        </p:nvSpPr>
+        <p:spPr>
+          <a:xfrm rot="0">
+            <a:off x="4673600" y="1295400"/>
             <a:ext cx="469900" cy="469900"/>
           </a:xfrm>
           <a:prstGeom prst="rect">
@@ -6898,17 +6905,17 @@
       </p:sp>
       <p:sp>
         <p:nvSpPr>
-          <p:cNvPr id="1580713467" name="Text">
-    </p:cNvPr>
-          <p:cNvSpPr>
-            <a:spLocks noGrp="1"/>
-          </p:cNvSpPr>
-          <p:nvPr/>
-        </p:nvSpPr>
-        <p:spPr>
-          <a:xfrm rot="0">
-            <a:off x="9893300" y="1295400"/>
-            <a:ext cx="469900" cy="469900"/>
+          <p:cNvPr id="922640440" name="Text">
+    </p:cNvPr>
+          <p:cNvSpPr>
+            <a:spLocks noGrp="1"/>
+          </p:cNvSpPr>
+          <p:nvPr/>
+        </p:nvSpPr>
+        <p:spPr>
+          <a:xfrm rot="0">
+            <a:off x="9385300" y="1295400"/>
+            <a:ext cx="457200" cy="469900"/>
           </a:xfrm>
           <a:prstGeom prst="rect">
             <a:avLst/>
@@ -6962,17 +6969,17 @@
       </p:sp>
       <p:sp>
         <p:nvSpPr>
-          <p:cNvPr id="1455679234" name="Text">
-    </p:cNvPr>
-          <p:cNvSpPr>
-            <a:spLocks noGrp="1"/>
-          </p:cNvSpPr>
-          <p:nvPr/>
-        </p:nvSpPr>
-        <p:spPr>
-          <a:xfrm rot="0">
-            <a:off x="9893300" y="1765300"/>
-            <a:ext cx="469900" cy="1524000"/>
+          <p:cNvPr id="1176831538" name="Text">
+    </p:cNvPr>
+          <p:cNvSpPr>
+            <a:spLocks noGrp="1"/>
+          </p:cNvSpPr>
+          <p:nvPr/>
+        </p:nvSpPr>
+        <p:spPr>
+          <a:xfrm rot="0">
+            <a:off x="9385300" y="1765300"/>
+            <a:ext cx="457200" cy="1524000"/>
           </a:xfrm>
           <a:prstGeom prst="rect">
             <a:avLst/>
@@ -7015,17 +7022,17 @@
       </p:sp>
       <p:sp>
         <p:nvSpPr>
-          <p:cNvPr id="1184316545" name="Text">
-    </p:cNvPr>
-          <p:cNvSpPr>
-            <a:spLocks noGrp="1"/>
-          </p:cNvSpPr>
-          <p:nvPr/>
-        </p:nvSpPr>
-        <p:spPr>
-          <a:xfrm rot="0">
-            <a:off x="9398000" y="1765300"/>
-            <a:ext cx="495300" cy="1524000"/>
+          <p:cNvPr id="1329011494" name="Text">
+    </p:cNvPr>
+          <p:cNvSpPr>
+            <a:spLocks noGrp="1"/>
+          </p:cNvSpPr>
+          <p:nvPr/>
+        </p:nvSpPr>
+        <p:spPr>
+          <a:xfrm rot="0">
+            <a:off x="8928100" y="1765300"/>
+            <a:ext cx="457200" cy="1524000"/>
           </a:xfrm>
           <a:prstGeom prst="rect">
             <a:avLst/>
@@ -7068,17 +7075,17 @@
       </p:sp>
       <p:sp>
         <p:nvSpPr>
-          <p:cNvPr id="1345301425" name="Text">
-    </p:cNvPr>
-          <p:cNvSpPr>
-            <a:spLocks noGrp="1"/>
-          </p:cNvSpPr>
-          <p:nvPr/>
-        </p:nvSpPr>
-        <p:spPr>
-          <a:xfrm rot="0">
-            <a:off x="6273800" y="1765300"/>
-            <a:ext cx="3111500" cy="1524000"/>
+          <p:cNvPr id="1772199031" name="Text">
+    </p:cNvPr>
+          <p:cNvSpPr>
+            <a:spLocks noGrp="1"/>
+          </p:cNvSpPr>
+          <p:nvPr/>
+        </p:nvSpPr>
+        <p:spPr>
+          <a:xfrm rot="0">
+            <a:off x="5930900" y="1765300"/>
+            <a:ext cx="2984500" cy="1524000"/>
           </a:xfrm>
           <a:prstGeom prst="rect">
             <a:avLst/>
@@ -7115,16 +7122,16 @@
       </p:sp>
       <p:sp>
         <p:nvSpPr>
-          <p:cNvPr id="811054162" name="Text">
-    </p:cNvPr>
-          <p:cNvSpPr>
-            <a:spLocks noGrp="1"/>
-          </p:cNvSpPr>
-          <p:nvPr/>
-        </p:nvSpPr>
-        <p:spPr>
-          <a:xfrm rot="0">
-            <a:off x="5575300" y="1765300"/>
+          <p:cNvPr id="748408539" name="Text">
+    </p:cNvPr>
+          <p:cNvSpPr>
+            <a:spLocks noGrp="1"/>
+          </p:cNvSpPr>
+          <p:nvPr/>
+        </p:nvSpPr>
+        <p:spPr>
+          <a:xfrm rot="0">
+            <a:off x="5207000" y="1765300"/>
             <a:ext cx="609600" cy="1524000"/>
           </a:xfrm>
           <a:prstGeom prst="rect">
@@ -7186,7 +7193,7 @@
       </p:sp>
       <p:sp>
         <p:nvSpPr>
-          <p:cNvPr id="2045095597" name="Text">
+          <p:cNvPr id="1113676268" name="Text">
     </p:cNvPr>
           <p:cNvSpPr>
             <a:spLocks noGrp="1"/>
@@ -7257,17 +7264,17 @@
       </p:sp>
       <p:sp>
         <p:nvSpPr>
-          <p:cNvPr id="115996196" name="Text">
-    </p:cNvPr>
-          <p:cNvSpPr>
-            <a:spLocks noGrp="1"/>
-          </p:cNvSpPr>
-          <p:nvPr/>
-        </p:nvSpPr>
-        <p:spPr>
-          <a:xfrm rot="0">
-            <a:off x="723900" y="1765300"/>
-            <a:ext cx="3251200" cy="1524000"/>
+          <p:cNvPr id="905483437" name="Text">
+    </p:cNvPr>
+          <p:cNvSpPr>
+            <a:spLocks noGrp="1"/>
+          </p:cNvSpPr>
+          <p:nvPr/>
+        </p:nvSpPr>
+        <p:spPr>
+          <a:xfrm rot="0">
+            <a:off x="762000" y="1765300"/>
+            <a:ext cx="2984500" cy="1524000"/>
           </a:xfrm>
           <a:prstGeom prst="rect">
             <a:avLst/>
@@ -7340,17 +7347,17 @@
       </p:sp>
       <p:sp>
         <p:nvSpPr>
-          <p:cNvPr id="725006187" name="Text">
-    </p:cNvPr>
-          <p:cNvSpPr>
-            <a:spLocks noGrp="1"/>
-          </p:cNvSpPr>
-          <p:nvPr/>
-        </p:nvSpPr>
-        <p:spPr>
-          <a:xfrm rot="0">
-            <a:off x="4508500" y="1765300"/>
-            <a:ext cx="495300" cy="1524000"/>
+          <p:cNvPr id="1356854337" name="Text">
+    </p:cNvPr>
+          <p:cNvSpPr>
+            <a:spLocks noGrp="1"/>
+          </p:cNvSpPr>
+          <p:nvPr/>
+        </p:nvSpPr>
+        <p:spPr>
+          <a:xfrm rot="0">
+            <a:off x="4216400" y="1765300"/>
+            <a:ext cx="457200" cy="1524000"/>
           </a:xfrm>
           <a:prstGeom prst="rect">
             <a:avLst/>
@@ -7421,16 +7428,16 @@
       </p:sp>
       <p:sp>
         <p:nvSpPr>
-          <p:cNvPr id="651060091" name="Text">
-    </p:cNvPr>
-          <p:cNvSpPr>
-            <a:spLocks noGrp="1"/>
-          </p:cNvSpPr>
-          <p:nvPr/>
-        </p:nvSpPr>
-        <p:spPr>
-          <a:xfrm rot="0">
-            <a:off x="5003800" y="1765300"/>
+          <p:cNvPr id="574621079" name="Text">
+    </p:cNvPr>
+          <p:cNvSpPr>
+            <a:spLocks noGrp="1"/>
+          </p:cNvSpPr>
+          <p:nvPr/>
+        </p:nvSpPr>
+        <p:spPr>
+          <a:xfrm rot="0">
+            <a:off x="4673600" y="1765300"/>
             <a:ext cx="469900" cy="1524000"/>
           </a:xfrm>
           <a:prstGeom prst="rect">
@@ -7502,17 +7509,17 @@
       </p:sp>
       <p:sp>
         <p:nvSpPr>
-          <p:cNvPr id="1921659337" name="Text">
-    </p:cNvPr>
-          <p:cNvSpPr>
-            <a:spLocks noGrp="1"/>
-          </p:cNvSpPr>
-          <p:nvPr/>
-        </p:nvSpPr>
-        <p:spPr>
-          <a:xfrm rot="0">
-            <a:off x="3987800" y="1765300"/>
-            <a:ext cx="520700" cy="1524000"/>
+          <p:cNvPr id="1789302282" name="Text">
+    </p:cNvPr>
+          <p:cNvSpPr>
+            <a:spLocks noGrp="1"/>
+          </p:cNvSpPr>
+          <p:nvPr/>
+        </p:nvSpPr>
+        <p:spPr>
+          <a:xfrm rot="0">
+            <a:off x="3759200" y="1765300"/>
+            <a:ext cx="457200" cy="1524000"/>
           </a:xfrm>
           <a:prstGeom prst="rect">
             <a:avLst/>
@@ -7583,7 +7590,7 @@
       </p:sp>
       <p:sp>
         <p:nvSpPr>
-          <p:cNvPr id="991666538" name="Text">
+          <p:cNvPr id="453655055" name="Text">
     </p:cNvPr>
           <p:cNvSpPr>
             <a:spLocks noGrp="1"/>
@@ -7593,7 +7600,7 @@
         <p:spPr>
           <a:xfrm rot="0">
             <a:off x="647700" y="1765300"/>
-            <a:ext cx="3340100" cy="1524000"/>
+            <a:ext cx="3111500" cy="1524000"/>
           </a:xfrm>
           <a:prstGeom prst="rect">
             <a:avLst/>
@@ -7635,17 +7642,17 @@
       </p:sp>
       <p:sp>
         <p:nvSpPr>
-          <p:cNvPr id="621331597" name="Text">
-    </p:cNvPr>
-          <p:cNvSpPr>
-            <a:spLocks noGrp="1"/>
-          </p:cNvSpPr>
-          <p:nvPr/>
-        </p:nvSpPr>
-        <p:spPr>
-          <a:xfrm rot="0">
-            <a:off x="6184900" y="1765300"/>
-            <a:ext cx="3213100" cy="1524000"/>
+          <p:cNvPr id="886614227" name="Text">
+    </p:cNvPr>
+          <p:cNvSpPr>
+            <a:spLocks noGrp="1"/>
+          </p:cNvSpPr>
+          <p:nvPr/>
+        </p:nvSpPr>
+        <p:spPr>
+          <a:xfrm rot="0">
+            <a:off x="5816600" y="1765300"/>
+            <a:ext cx="3111500" cy="1524000"/>
           </a:xfrm>
           <a:prstGeom prst="rect">
             <a:avLst/>
@@ -7687,17 +7694,17 @@
       </p:sp>
       <p:sp>
         <p:nvSpPr>
-          <p:cNvPr id="1888009964" name="Text">
-    </p:cNvPr>
-          <p:cNvSpPr>
-            <a:spLocks noGrp="1"/>
-          </p:cNvSpPr>
-          <p:nvPr/>
-        </p:nvSpPr>
-        <p:spPr>
-          <a:xfrm rot="0">
-            <a:off x="9893300" y="3365500"/>
-            <a:ext cx="469900" cy="2730500"/>
+          <p:cNvPr id="378961762" name="Text">
+    </p:cNvPr>
+          <p:cNvSpPr>
+            <a:spLocks noGrp="1"/>
+          </p:cNvSpPr>
+          <p:nvPr/>
+        </p:nvSpPr>
+        <p:spPr>
+          <a:xfrm rot="0">
+            <a:off x="9385300" y="3289300"/>
+            <a:ext cx="457200" cy="2730500"/>
           </a:xfrm>
           <a:prstGeom prst="rect">
             <a:avLst/>
@@ -7758,17 +7765,17 @@
       </p:sp>
       <p:sp>
         <p:nvSpPr>
-          <p:cNvPr id="1395645773" name="Text">
-    </p:cNvPr>
-          <p:cNvSpPr>
-            <a:spLocks noGrp="1"/>
-          </p:cNvSpPr>
-          <p:nvPr/>
-        </p:nvSpPr>
-        <p:spPr>
-          <a:xfrm rot="0">
-            <a:off x="9398000" y="3365500"/>
-            <a:ext cx="495300" cy="2730500"/>
+          <p:cNvPr id="1222552956" name="Text">
+    </p:cNvPr>
+          <p:cNvSpPr>
+            <a:spLocks noGrp="1"/>
+          </p:cNvSpPr>
+          <p:nvPr/>
+        </p:nvSpPr>
+        <p:spPr>
+          <a:xfrm rot="0">
+            <a:off x="8928100" y="3289300"/>
+            <a:ext cx="457200" cy="2730500"/>
           </a:xfrm>
           <a:prstGeom prst="rect">
             <a:avLst/>
@@ -7829,17 +7836,17 @@
       </p:sp>
       <p:sp>
         <p:nvSpPr>
-          <p:cNvPr id="903427763" name="Text">
-    </p:cNvPr>
-          <p:cNvSpPr>
-            <a:spLocks noGrp="1"/>
-          </p:cNvSpPr>
-          <p:nvPr/>
-        </p:nvSpPr>
-        <p:spPr>
-          <a:xfrm rot="0">
-            <a:off x="6273800" y="3365500"/>
-            <a:ext cx="3111500" cy="2730500"/>
+          <p:cNvPr id="47070250" name="Text">
+    </p:cNvPr>
+          <p:cNvSpPr>
+            <a:spLocks noGrp="1"/>
+          </p:cNvSpPr>
+          <p:nvPr/>
+        </p:nvSpPr>
+        <p:spPr>
+          <a:xfrm rot="0">
+            <a:off x="5930900" y="3289300"/>
+            <a:ext cx="2984500" cy="2730500"/>
           </a:xfrm>
           <a:prstGeom prst="rect">
             <a:avLst/>
@@ -7894,16 +7901,16 @@
       </p:sp>
       <p:sp>
         <p:nvSpPr>
-          <p:cNvPr id="1444323369" name="Text">
-    </p:cNvPr>
-          <p:cNvSpPr>
-            <a:spLocks noGrp="1"/>
-          </p:cNvSpPr>
-          <p:nvPr/>
-        </p:nvSpPr>
-        <p:spPr>
-          <a:xfrm rot="0">
-            <a:off x="5575300" y="3365500"/>
+          <p:cNvPr id="1939964560" name="Text">
+    </p:cNvPr>
+          <p:cNvSpPr>
+            <a:spLocks noGrp="1"/>
+          </p:cNvSpPr>
+          <p:nvPr/>
+        </p:nvSpPr>
+        <p:spPr>
+          <a:xfrm rot="0">
+            <a:off x="5207000" y="3289300"/>
             <a:ext cx="609600" cy="2730500"/>
           </a:xfrm>
           <a:prstGeom prst="rect">
@@ -7983,16 +7990,16 @@
       </p:sp>
       <p:sp>
         <p:nvSpPr>
-          <p:cNvPr id="1675365337" name="Text">
-    </p:cNvPr>
-          <p:cNvSpPr>
-            <a:spLocks noGrp="1"/>
-          </p:cNvSpPr>
-          <p:nvPr/>
-        </p:nvSpPr>
-        <p:spPr>
-          <a:xfrm rot="0">
-            <a:off x="38100" y="3365500"/>
+          <p:cNvPr id="1449758441" name="Text">
+    </p:cNvPr>
+          <p:cNvSpPr>
+            <a:spLocks noGrp="1"/>
+          </p:cNvSpPr>
+          <p:nvPr/>
+        </p:nvSpPr>
+        <p:spPr>
+          <a:xfrm rot="0">
+            <a:off x="38100" y="3289300"/>
             <a:ext cx="609600" cy="2730500"/>
           </a:xfrm>
           <a:prstGeom prst="rect">
@@ -8072,17 +8079,17 @@
       </p:sp>
       <p:sp>
         <p:nvSpPr>
-          <p:cNvPr id="1312057178" name="Text">
-    </p:cNvPr>
-          <p:cNvSpPr>
-            <a:spLocks noGrp="1"/>
-          </p:cNvSpPr>
-          <p:nvPr/>
-        </p:nvSpPr>
-        <p:spPr>
-          <a:xfrm rot="0">
-            <a:off x="723900" y="3365500"/>
-            <a:ext cx="3251200" cy="2730500"/>
+          <p:cNvPr id="1801546773" name="Text">
+    </p:cNvPr>
+          <p:cNvSpPr>
+            <a:spLocks noGrp="1"/>
+          </p:cNvSpPr>
+          <p:nvPr/>
+        </p:nvSpPr>
+        <p:spPr>
+          <a:xfrm rot="0">
+            <a:off x="762000" y="3289300"/>
+            <a:ext cx="2984500" cy="2730500"/>
           </a:xfrm>
           <a:prstGeom prst="rect">
             <a:avLst/>
@@ -8263,17 +8270,17 @@
       </p:sp>
       <p:sp>
         <p:nvSpPr>
-          <p:cNvPr id="841268353" name="Text">
-    </p:cNvPr>
-          <p:cNvSpPr>
-            <a:spLocks noGrp="1"/>
-          </p:cNvSpPr>
-          <p:nvPr/>
-        </p:nvSpPr>
-        <p:spPr>
-          <a:xfrm rot="0">
-            <a:off x="4508500" y="3365500"/>
-            <a:ext cx="495300" cy="2730500"/>
+          <p:cNvPr id="415048255" name="Text">
+    </p:cNvPr>
+          <p:cNvSpPr>
+            <a:spLocks noGrp="1"/>
+          </p:cNvSpPr>
+          <p:nvPr/>
+        </p:nvSpPr>
+        <p:spPr>
+          <a:xfrm rot="0">
+            <a:off x="4216400" y="3289300"/>
+            <a:ext cx="457200" cy="2730500"/>
           </a:xfrm>
           <a:prstGeom prst="rect">
             <a:avLst/>
@@ -8452,16 +8459,16 @@
       </p:sp>
       <p:sp>
         <p:nvSpPr>
-          <p:cNvPr id="1372607748" name="Text">
-    </p:cNvPr>
-          <p:cNvSpPr>
-            <a:spLocks noGrp="1"/>
-          </p:cNvSpPr>
-          <p:nvPr/>
-        </p:nvSpPr>
-        <p:spPr>
-          <a:xfrm rot="0">
-            <a:off x="5003800" y="3365500"/>
+          <p:cNvPr id="1735886522" name="Text">
+    </p:cNvPr>
+          <p:cNvSpPr>
+            <a:spLocks noGrp="1"/>
+          </p:cNvSpPr>
+          <p:nvPr/>
+        </p:nvSpPr>
+        <p:spPr>
+          <a:xfrm rot="0">
+            <a:off x="4673600" y="3289300"/>
             <a:ext cx="469900" cy="2730500"/>
           </a:xfrm>
           <a:prstGeom prst="rect">
@@ -8641,17 +8648,17 @@
       </p:sp>
       <p:sp>
         <p:nvSpPr>
-          <p:cNvPr id="1381047844" name="Text">
-    </p:cNvPr>
-          <p:cNvSpPr>
-            <a:spLocks noGrp="1"/>
-          </p:cNvSpPr>
-          <p:nvPr/>
-        </p:nvSpPr>
-        <p:spPr>
-          <a:xfrm rot="0">
-            <a:off x="3987800" y="3365500"/>
-            <a:ext cx="520700" cy="2730500"/>
+          <p:cNvPr id="2113094267" name="Text">
+    </p:cNvPr>
+          <p:cNvSpPr>
+            <a:spLocks noGrp="1"/>
+          </p:cNvSpPr>
+          <p:nvPr/>
+        </p:nvSpPr>
+        <p:spPr>
+          <a:xfrm rot="0">
+            <a:off x="3759200" y="3289300"/>
+            <a:ext cx="457200" cy="2730500"/>
           </a:xfrm>
           <a:prstGeom prst="rect">
             <a:avLst/>
@@ -8830,17 +8837,17 @@
       </p:sp>
       <p:sp>
         <p:nvSpPr>
-          <p:cNvPr id="1060285827" name="Text">
-    </p:cNvPr>
-          <p:cNvSpPr>
-            <a:spLocks noGrp="1"/>
-          </p:cNvSpPr>
-          <p:nvPr/>
-        </p:nvSpPr>
-        <p:spPr>
-          <a:xfrm rot="0">
-            <a:off x="647700" y="3365500"/>
-            <a:ext cx="3340100" cy="2730500"/>
+          <p:cNvPr id="496142356" name="Text">
+    </p:cNvPr>
+          <p:cNvSpPr>
+            <a:spLocks noGrp="1"/>
+          </p:cNvSpPr>
+          <p:nvPr/>
+        </p:nvSpPr>
+        <p:spPr>
+          <a:xfrm rot="0">
+            <a:off x="647700" y="3289300"/>
+            <a:ext cx="3111500" cy="2730500"/>
           </a:xfrm>
           <a:prstGeom prst="rect">
             <a:avLst/>
@@ -8882,17 +8889,17 @@
       </p:sp>
       <p:sp>
         <p:nvSpPr>
-          <p:cNvPr id="677764688" name="Text">
-    </p:cNvPr>
-          <p:cNvSpPr>
-            <a:spLocks noGrp="1"/>
-          </p:cNvSpPr>
-          <p:nvPr/>
-        </p:nvSpPr>
-        <p:spPr>
-          <a:xfrm rot="0">
-            <a:off x="6184900" y="3365500"/>
-            <a:ext cx="3213100" cy="2730500"/>
+          <p:cNvPr id="1817181507" name="Text">
+    </p:cNvPr>
+          <p:cNvSpPr>
+            <a:spLocks noGrp="1"/>
+          </p:cNvSpPr>
+          <p:nvPr/>
+        </p:nvSpPr>
+        <p:spPr>
+          <a:xfrm rot="0">
+            <a:off x="5816600" y="3289300"/>
+            <a:ext cx="3111500" cy="2730500"/>
           </a:xfrm>
           <a:prstGeom prst="rect">
             <a:avLst/>
@@ -8959,17 +8966,17 @@
       </p:grpSpPr>
       <p:sp>
         <p:nvSpPr>
-          <p:cNvPr id="2077148717" name="Text">
-    </p:cNvPr>
-          <p:cNvSpPr>
-            <a:spLocks noGrp="1"/>
-          </p:cNvSpPr>
-          <p:nvPr/>
-        </p:nvSpPr>
-        <p:spPr>
-          <a:xfrm rot="0">
-            <a:off x="5664200" y="838200"/>
-            <a:ext cx="4673600" cy="381000"/>
+          <p:cNvPr id="928441382" name="Text">
+    </p:cNvPr>
+          <p:cNvSpPr>
+            <a:spLocks noGrp="1"/>
+          </p:cNvSpPr>
+          <p:nvPr/>
+        </p:nvSpPr>
+        <p:spPr>
+          <a:xfrm rot="0">
+            <a:off x="5219700" y="825500"/>
+            <a:ext cx="4660900" cy="381000"/>
           </a:xfrm>
           <a:prstGeom prst="rect">
             <a:avLst/>
@@ -9008,17 +9015,17 @@
       </p:sp>
       <p:sp>
         <p:nvSpPr>
-          <p:cNvPr id="565466958" name="Text">
-    </p:cNvPr>
-          <p:cNvSpPr>
-            <a:spLocks noGrp="1"/>
-          </p:cNvSpPr>
-          <p:nvPr/>
-        </p:nvSpPr>
-        <p:spPr>
-          <a:xfrm rot="0">
-            <a:off x="114300" y="838200"/>
-            <a:ext cx="5245100" cy="381000"/>
+          <p:cNvPr id="1347524653" name="Text">
+    </p:cNvPr>
+          <p:cNvSpPr>
+            <a:spLocks noGrp="1"/>
+          </p:cNvSpPr>
+          <p:nvPr/>
+        </p:nvSpPr>
+        <p:spPr>
+          <a:xfrm rot="0">
+            <a:off x="88900" y="825500"/>
+            <a:ext cx="5067300" cy="381000"/>
           </a:xfrm>
           <a:prstGeom prst="rect">
             <a:avLst/>
@@ -9057,17 +9064,17 @@
       </p:sp>
       <p:sp>
         <p:nvSpPr>
-          <p:cNvPr id="188786766" name="Text">
-    </p:cNvPr>
-          <p:cNvSpPr>
-            <a:spLocks noGrp="1"/>
-          </p:cNvSpPr>
-          <p:nvPr/>
-        </p:nvSpPr>
-        <p:spPr>
-          <a:xfrm rot="0">
-            <a:off x="139700" y="800100"/>
-            <a:ext cx="5168900" cy="381000"/>
+          <p:cNvPr id="1493858331" name="Text">
+    </p:cNvPr>
+          <p:cNvSpPr>
+            <a:spLocks noGrp="1"/>
+          </p:cNvSpPr>
+          <p:nvPr/>
+        </p:nvSpPr>
+        <p:spPr>
+          <a:xfrm rot="0">
+            <a:off x="63500" y="800100"/>
+            <a:ext cx="5054600" cy="381000"/>
           </a:xfrm>
           <a:prstGeom prst="rect">
             <a:avLst/>
@@ -9106,17 +9113,17 @@
       </p:sp>
       <p:sp>
         <p:nvSpPr>
-          <p:cNvPr id="223436840" name="Text">
-    </p:cNvPr>
-          <p:cNvSpPr>
-            <a:spLocks noGrp="1"/>
-          </p:cNvSpPr>
-          <p:nvPr/>
-        </p:nvSpPr>
-        <p:spPr>
-          <a:xfrm rot="0">
-            <a:off x="5664200" y="800100"/>
-            <a:ext cx="4622800" cy="381000"/>
+          <p:cNvPr id="1253847964" name="Text">
+    </p:cNvPr>
+          <p:cNvSpPr>
+            <a:spLocks noGrp="1"/>
+          </p:cNvSpPr>
+          <p:nvPr/>
+        </p:nvSpPr>
+        <p:spPr>
+          <a:xfrm rot="0">
+            <a:off x="5232400" y="800100"/>
+            <a:ext cx="4610100" cy="381000"/>
           </a:xfrm>
           <a:prstGeom prst="rect">
             <a:avLst/>
@@ -9155,7 +9162,7 @@
       </p:sp>
       <p:sp>
         <p:nvSpPr>
-          <p:cNvPr id="10690561" name="Text">
+          <p:cNvPr id="1246468409" name="Text">
     </p:cNvPr>
           <p:cNvSpPr>
             <a:spLocks noGrp="1"/>
@@ -9201,7 +9208,7 @@
       </p:sp>
       <p:sp>
         <p:nvSpPr>
-          <p:cNvPr id="61741436" name="Text">
+          <p:cNvPr id="378003629" name="Text">
     </p:cNvPr>
           <p:cNvSpPr>
             <a:spLocks noGrp="1"/>
@@ -9265,7 +9272,7 @@
       </p:sp>
       <p:sp>
         <p:nvSpPr>
-          <p:cNvPr id="228774815" name="Text">
+          <p:cNvPr id="474454214" name="Text">
     </p:cNvPr>
           <p:cNvSpPr>
             <a:spLocks noGrp="1"/>
@@ -9275,7 +9282,7 @@
         <p:spPr>
           <a:xfrm rot="0">
             <a:off x="647700" y="1295400"/>
-            <a:ext cx="3340100" cy="469900"/>
+            <a:ext cx="3111500" cy="469900"/>
           </a:xfrm>
           <a:prstGeom prst="rect">
             <a:avLst/>
@@ -9320,17 +9327,17 @@
       </p:sp>
       <p:sp>
         <p:nvSpPr>
-          <p:cNvPr id="200585763" name="Text">
-    </p:cNvPr>
-          <p:cNvSpPr>
-            <a:spLocks noGrp="1"/>
-          </p:cNvSpPr>
-          <p:nvPr/>
-        </p:nvSpPr>
-        <p:spPr>
-          <a:xfrm rot="0">
-            <a:off x="3987800" y="1295400"/>
-            <a:ext cx="520700" cy="469900"/>
+          <p:cNvPr id="936146945" name="Text">
+    </p:cNvPr>
+          <p:cNvSpPr>
+            <a:spLocks noGrp="1"/>
+          </p:cNvSpPr>
+          <p:nvPr/>
+        </p:nvSpPr>
+        <p:spPr>
+          <a:xfrm rot="0">
+            <a:off x="3759200" y="1295400"/>
+            <a:ext cx="457200" cy="469900"/>
           </a:xfrm>
           <a:prstGeom prst="rect">
             <a:avLst/>
@@ -9375,17 +9382,17 @@
       </p:sp>
       <p:sp>
         <p:nvSpPr>
-          <p:cNvPr id="315500660" name="Text">
-    </p:cNvPr>
-          <p:cNvSpPr>
-            <a:spLocks noGrp="1"/>
-          </p:cNvSpPr>
-          <p:nvPr/>
-        </p:nvSpPr>
-        <p:spPr>
-          <a:xfrm rot="0">
-            <a:off x="4508500" y="1295400"/>
-            <a:ext cx="495300" cy="469900"/>
+          <p:cNvPr id="567848336" name="Text">
+    </p:cNvPr>
+          <p:cNvSpPr>
+            <a:spLocks noGrp="1"/>
+          </p:cNvSpPr>
+          <p:nvPr/>
+        </p:nvSpPr>
+        <p:spPr>
+          <a:xfrm rot="0">
+            <a:off x="4216400" y="1295400"/>
+            <a:ext cx="457200" cy="469900"/>
           </a:xfrm>
           <a:prstGeom prst="rect">
             <a:avLst/>
@@ -9439,16 +9446,16 @@
       </p:sp>
       <p:sp>
         <p:nvSpPr>
-          <p:cNvPr id="1633203880" name="Text">
-    </p:cNvPr>
-          <p:cNvSpPr>
-            <a:spLocks noGrp="1"/>
-          </p:cNvSpPr>
-          <p:nvPr/>
-        </p:nvSpPr>
-        <p:spPr>
-          <a:xfrm rot="0">
-            <a:off x="5575300" y="1295400"/>
+          <p:cNvPr id="150188942" name="Text">
+    </p:cNvPr>
+          <p:cNvSpPr>
+            <a:spLocks noGrp="1"/>
+          </p:cNvSpPr>
+          <p:nvPr/>
+        </p:nvSpPr>
+        <p:spPr>
+          <a:xfrm rot="0">
+            <a:off x="5207000" y="1295400"/>
             <a:ext cx="609600" cy="469900"/>
           </a:xfrm>
           <a:prstGeom prst="rect">
@@ -9503,17 +9510,17 @@
       </p:sp>
       <p:sp>
         <p:nvSpPr>
-          <p:cNvPr id="2063449911" name="Text">
-    </p:cNvPr>
-          <p:cNvSpPr>
-            <a:spLocks noGrp="1"/>
-          </p:cNvSpPr>
-          <p:nvPr/>
-        </p:nvSpPr>
-        <p:spPr>
-          <a:xfrm rot="0">
-            <a:off x="6184900" y="1295400"/>
-            <a:ext cx="3213100" cy="469900"/>
+          <p:cNvPr id="684891134" name="Text">
+    </p:cNvPr>
+          <p:cNvSpPr>
+            <a:spLocks noGrp="1"/>
+          </p:cNvSpPr>
+          <p:nvPr/>
+        </p:nvSpPr>
+        <p:spPr>
+          <a:xfrm rot="0">
+            <a:off x="5816600" y="1295400"/>
+            <a:ext cx="3111500" cy="469900"/>
           </a:xfrm>
           <a:prstGeom prst="rect">
             <a:avLst/>
@@ -9558,17 +9565,17 @@
       </p:sp>
       <p:sp>
         <p:nvSpPr>
-          <p:cNvPr id="1421246433" name="Text">
-    </p:cNvPr>
-          <p:cNvSpPr>
-            <a:spLocks noGrp="1"/>
-          </p:cNvSpPr>
-          <p:nvPr/>
-        </p:nvSpPr>
-        <p:spPr>
-          <a:xfrm rot="0">
-            <a:off x="9398000" y="1295400"/>
-            <a:ext cx="495300" cy="469900"/>
+          <p:cNvPr id="2089480853" name="Text">
+    </p:cNvPr>
+          <p:cNvSpPr>
+            <a:spLocks noGrp="1"/>
+          </p:cNvSpPr>
+          <p:nvPr/>
+        </p:nvSpPr>
+        <p:spPr>
+          <a:xfrm rot="0">
+            <a:off x="8928100" y="1295400"/>
+            <a:ext cx="457200" cy="469900"/>
           </a:xfrm>
           <a:prstGeom prst="rect">
             <a:avLst/>
@@ -9613,16 +9620,16 @@
       </p:sp>
       <p:sp>
         <p:nvSpPr>
-          <p:cNvPr id="928542859" name="Text">
-    </p:cNvPr>
-          <p:cNvSpPr>
-            <a:spLocks noGrp="1"/>
-          </p:cNvSpPr>
-          <p:nvPr/>
-        </p:nvSpPr>
-        <p:spPr>
-          <a:xfrm rot="0">
-            <a:off x="5003800" y="1295400"/>
+          <p:cNvPr id="408581305" name="Text">
+    </p:cNvPr>
+          <p:cNvSpPr>
+            <a:spLocks noGrp="1"/>
+          </p:cNvSpPr>
+          <p:nvPr/>
+        </p:nvSpPr>
+        <p:spPr>
+          <a:xfrm rot="0">
+            <a:off x="4673600" y="1295400"/>
             <a:ext cx="469900" cy="469900"/>
           </a:xfrm>
           <a:prstGeom prst="rect">
@@ -9677,17 +9684,17 @@
       </p:sp>
       <p:sp>
         <p:nvSpPr>
-          <p:cNvPr id="328297790" name="Text">
-    </p:cNvPr>
-          <p:cNvSpPr>
-            <a:spLocks noGrp="1"/>
-          </p:cNvSpPr>
-          <p:nvPr/>
-        </p:nvSpPr>
-        <p:spPr>
-          <a:xfrm rot="0">
-            <a:off x="9893300" y="1295400"/>
-            <a:ext cx="469900" cy="469900"/>
+          <p:cNvPr id="228641791" name="Text">
+    </p:cNvPr>
+          <p:cNvSpPr>
+            <a:spLocks noGrp="1"/>
+          </p:cNvSpPr>
+          <p:nvPr/>
+        </p:nvSpPr>
+        <p:spPr>
+          <a:xfrm rot="0">
+            <a:off x="9385300" y="1295400"/>
+            <a:ext cx="457200" cy="469900"/>
           </a:xfrm>
           <a:prstGeom prst="rect">
             <a:avLst/>
@@ -9741,17 +9748,17 @@
       </p:sp>
       <p:sp>
         <p:nvSpPr>
-          <p:cNvPr id="67267708" name="Text">
-    </p:cNvPr>
-          <p:cNvSpPr>
-            <a:spLocks noGrp="1"/>
-          </p:cNvSpPr>
-          <p:nvPr/>
-        </p:nvSpPr>
-        <p:spPr>
-          <a:xfrm rot="0">
-            <a:off x="9893300" y="1765300"/>
-            <a:ext cx="469900" cy="5321300"/>
+          <p:cNvPr id="831630558" name="Text">
+    </p:cNvPr>
+          <p:cNvSpPr>
+            <a:spLocks noGrp="1"/>
+          </p:cNvSpPr>
+          <p:nvPr/>
+        </p:nvSpPr>
+        <p:spPr>
+          <a:xfrm rot="0">
+            <a:off x="9385300" y="1765300"/>
+            <a:ext cx="457200" cy="5321300"/>
           </a:xfrm>
           <a:prstGeom prst="rect">
             <a:avLst/>
@@ -9812,17 +9819,17 @@
       </p:sp>
       <p:sp>
         <p:nvSpPr>
-          <p:cNvPr id="1672233578" name="Text">
-    </p:cNvPr>
-          <p:cNvSpPr>
-            <a:spLocks noGrp="1"/>
-          </p:cNvSpPr>
-          <p:nvPr/>
-        </p:nvSpPr>
-        <p:spPr>
-          <a:xfrm rot="0">
-            <a:off x="9398000" y="1765300"/>
-            <a:ext cx="495300" cy="5321300"/>
+          <p:cNvPr id="438627875" name="Text">
+    </p:cNvPr>
+          <p:cNvSpPr>
+            <a:spLocks noGrp="1"/>
+          </p:cNvSpPr>
+          <p:nvPr/>
+        </p:nvSpPr>
+        <p:spPr>
+          <a:xfrm rot="0">
+            <a:off x="8928100" y="1765300"/>
+            <a:ext cx="457200" cy="5321300"/>
           </a:xfrm>
           <a:prstGeom prst="rect">
             <a:avLst/>
@@ -9883,17 +9890,17 @@
       </p:sp>
       <p:sp>
         <p:nvSpPr>
-          <p:cNvPr id="394574524" name="Text">
-    </p:cNvPr>
-          <p:cNvSpPr>
-            <a:spLocks noGrp="1"/>
-          </p:cNvSpPr>
-          <p:nvPr/>
-        </p:nvSpPr>
-        <p:spPr>
-          <a:xfrm rot="0">
-            <a:off x="6273800" y="1765300"/>
-            <a:ext cx="3111500" cy="5321300"/>
+          <p:cNvPr id="1368440418" name="Text">
+    </p:cNvPr>
+          <p:cNvSpPr>
+            <a:spLocks noGrp="1"/>
+          </p:cNvSpPr>
+          <p:nvPr/>
+        </p:nvSpPr>
+        <p:spPr>
+          <a:xfrm rot="0">
+            <a:off x="5930900" y="1765300"/>
+            <a:ext cx="2984500" cy="5321300"/>
           </a:xfrm>
           <a:prstGeom prst="rect">
             <a:avLst/>
@@ -9948,16 +9955,16 @@
       </p:sp>
       <p:sp>
         <p:nvSpPr>
-          <p:cNvPr id="266653167" name="Text">
-    </p:cNvPr>
-          <p:cNvSpPr>
-            <a:spLocks noGrp="1"/>
-          </p:cNvSpPr>
-          <p:nvPr/>
-        </p:nvSpPr>
-        <p:spPr>
-          <a:xfrm rot="0">
-            <a:off x="5575300" y="1765300"/>
+          <p:cNvPr id="1516529820" name="Text">
+    </p:cNvPr>
+          <p:cNvSpPr>
+            <a:spLocks noGrp="1"/>
+          </p:cNvSpPr>
+          <p:nvPr/>
+        </p:nvSpPr>
+        <p:spPr>
+          <a:xfrm rot="0">
+            <a:off x="5207000" y="1765300"/>
             <a:ext cx="609600" cy="5321300"/>
           </a:xfrm>
           <a:prstGeom prst="rect">
@@ -10028,7 +10035,7 @@
       </p:sp>
       <p:sp>
         <p:nvSpPr>
-          <p:cNvPr id="403841507" name="Text">
+          <p:cNvPr id="1714411602" name="Text">
     </p:cNvPr>
           <p:cNvSpPr>
             <a:spLocks noGrp="1"/>
@@ -10108,17 +10115,17 @@
       </p:sp>
       <p:sp>
         <p:nvSpPr>
-          <p:cNvPr id="430743449" name="Text">
-    </p:cNvPr>
-          <p:cNvSpPr>
-            <a:spLocks noGrp="1"/>
-          </p:cNvSpPr>
-          <p:nvPr/>
-        </p:nvSpPr>
-        <p:spPr>
-          <a:xfrm rot="0">
-            <a:off x="723900" y="1765300"/>
-            <a:ext cx="3251200" cy="5321300"/>
+          <p:cNvPr id="1539798850" name="Text">
+    </p:cNvPr>
+          <p:cNvSpPr>
+            <a:spLocks noGrp="1"/>
+          </p:cNvSpPr>
+          <p:nvPr/>
+        </p:nvSpPr>
+        <p:spPr>
+          <a:xfrm rot="0">
+            <a:off x="762000" y="1765300"/>
+            <a:ext cx="2984500" cy="5321300"/>
           </a:xfrm>
           <a:prstGeom prst="rect">
             <a:avLst/>
@@ -10443,17 +10450,17 @@
       </p:sp>
       <p:sp>
         <p:nvSpPr>
-          <p:cNvPr id="726632266" name="Text">
-    </p:cNvPr>
-          <p:cNvSpPr>
-            <a:spLocks noGrp="1"/>
-          </p:cNvSpPr>
-          <p:nvPr/>
-        </p:nvSpPr>
-        <p:spPr>
-          <a:xfrm rot="0">
-            <a:off x="4508500" y="1765300"/>
-            <a:ext cx="495300" cy="5321300"/>
+          <p:cNvPr id="267428342" name="Text">
+    </p:cNvPr>
+          <p:cNvSpPr>
+            <a:spLocks noGrp="1"/>
+          </p:cNvSpPr>
+          <p:nvPr/>
+        </p:nvSpPr>
+        <p:spPr>
+          <a:xfrm rot="0">
+            <a:off x="4216400" y="1765300"/>
+            <a:ext cx="457200" cy="5321300"/>
           </a:xfrm>
           <a:prstGeom prst="rect">
             <a:avLst/>
@@ -10712,16 +10719,16 @@
       </p:sp>
       <p:sp>
         <p:nvSpPr>
-          <p:cNvPr id="49134713" name="Text">
-    </p:cNvPr>
-          <p:cNvSpPr>
-            <a:spLocks noGrp="1"/>
-          </p:cNvSpPr>
-          <p:nvPr/>
-        </p:nvSpPr>
-        <p:spPr>
-          <a:xfrm rot="0">
-            <a:off x="5003800" y="1765300"/>
+          <p:cNvPr id="1982404636" name="Text">
+    </p:cNvPr>
+          <p:cNvSpPr>
+            <a:spLocks noGrp="1"/>
+          </p:cNvSpPr>
+          <p:nvPr/>
+        </p:nvSpPr>
+        <p:spPr>
+          <a:xfrm rot="0">
+            <a:off x="4673600" y="1765300"/>
             <a:ext cx="469900" cy="5321300"/>
           </a:xfrm>
           <a:prstGeom prst="rect">
@@ -10889,17 +10896,17 @@
       </p:sp>
       <p:sp>
         <p:nvSpPr>
-          <p:cNvPr id="200907006" name="Text">
-    </p:cNvPr>
-          <p:cNvSpPr>
-            <a:spLocks noGrp="1"/>
-          </p:cNvSpPr>
-          <p:nvPr/>
-        </p:nvSpPr>
-        <p:spPr>
-          <a:xfrm rot="0">
-            <a:off x="3987800" y="1765300"/>
-            <a:ext cx="520700" cy="5321300"/>
+          <p:cNvPr id="1859957699" name="Text">
+    </p:cNvPr>
+          <p:cNvSpPr>
+            <a:spLocks noGrp="1"/>
+          </p:cNvSpPr>
+          <p:nvPr/>
+        </p:nvSpPr>
+        <p:spPr>
+          <a:xfrm rot="0">
+            <a:off x="3759200" y="1765300"/>
+            <a:ext cx="457200" cy="5321300"/>
           </a:xfrm>
           <a:prstGeom prst="rect">
             <a:avLst/>
@@ -11158,7 +11165,7 @@
       </p:sp>
       <p:sp>
         <p:nvSpPr>
-          <p:cNvPr id="1985257039" name="Text">
+          <p:cNvPr id="239182909" name="Text">
     </p:cNvPr>
           <p:cNvSpPr>
             <a:spLocks noGrp="1"/>
@@ -11168,7 +11175,7 @@
         <p:spPr>
           <a:xfrm rot="0">
             <a:off x="647700" y="1765300"/>
-            <a:ext cx="3340100" cy="5321300"/>
+            <a:ext cx="3111500" cy="5321300"/>
           </a:xfrm>
           <a:prstGeom prst="rect">
             <a:avLst/>
@@ -11210,17 +11217,17 @@
       </p:sp>
       <p:sp>
         <p:nvSpPr>
-          <p:cNvPr id="561390104" name="Text">
-    </p:cNvPr>
-          <p:cNvSpPr>
-            <a:spLocks noGrp="1"/>
-          </p:cNvSpPr>
-          <p:nvPr/>
-        </p:nvSpPr>
-        <p:spPr>
-          <a:xfrm rot="0">
-            <a:off x="6184900" y="1765300"/>
-            <a:ext cx="3213100" cy="5321300"/>
+          <p:cNvPr id="78928658" name="Text">
+    </p:cNvPr>
+          <p:cNvSpPr>
+            <a:spLocks noGrp="1"/>
+          </p:cNvSpPr>
+          <p:nvPr/>
+        </p:nvSpPr>
+        <p:spPr>
+          <a:xfrm rot="0">
+            <a:off x="5816600" y="1765300"/>
+            <a:ext cx="3111500" cy="5321300"/>
           </a:xfrm>
           <a:prstGeom prst="rect">
             <a:avLst/>
@@ -11287,17 +11294,17 @@
       </p:grpSpPr>
       <p:sp>
         <p:nvSpPr>
-          <p:cNvPr id="1310149691" name="Text">
-    </p:cNvPr>
-          <p:cNvSpPr>
-            <a:spLocks noGrp="1"/>
-          </p:cNvSpPr>
-          <p:nvPr/>
-        </p:nvSpPr>
-        <p:spPr>
-          <a:xfrm rot="0">
-            <a:off x="5664200" y="838200"/>
-            <a:ext cx="4673600" cy="381000"/>
+          <p:cNvPr id="979589728" name="Text">
+    </p:cNvPr>
+          <p:cNvSpPr>
+            <a:spLocks noGrp="1"/>
+          </p:cNvSpPr>
+          <p:nvPr/>
+        </p:nvSpPr>
+        <p:spPr>
+          <a:xfrm rot="0">
+            <a:off x="5219700" y="825500"/>
+            <a:ext cx="4660900" cy="381000"/>
           </a:xfrm>
           <a:prstGeom prst="rect">
             <a:avLst/>
@@ -11336,17 +11343,17 @@
       </p:sp>
       <p:sp>
         <p:nvSpPr>
-          <p:cNvPr id="166593391" name="Text">
-    </p:cNvPr>
-          <p:cNvSpPr>
-            <a:spLocks noGrp="1"/>
-          </p:cNvSpPr>
-          <p:nvPr/>
-        </p:nvSpPr>
-        <p:spPr>
-          <a:xfrm rot="0">
-            <a:off x="114300" y="838200"/>
-            <a:ext cx="5245100" cy="381000"/>
+          <p:cNvPr id="833266756" name="Text">
+    </p:cNvPr>
+          <p:cNvSpPr>
+            <a:spLocks noGrp="1"/>
+          </p:cNvSpPr>
+          <p:nvPr/>
+        </p:nvSpPr>
+        <p:spPr>
+          <a:xfrm rot="0">
+            <a:off x="88900" y="825500"/>
+            <a:ext cx="5067300" cy="381000"/>
           </a:xfrm>
           <a:prstGeom prst="rect">
             <a:avLst/>
@@ -11385,17 +11392,17 @@
       </p:sp>
       <p:sp>
         <p:nvSpPr>
-          <p:cNvPr id="1528447739" name="Text">
-    </p:cNvPr>
-          <p:cNvSpPr>
-            <a:spLocks noGrp="1"/>
-          </p:cNvSpPr>
-          <p:nvPr/>
-        </p:nvSpPr>
-        <p:spPr>
-          <a:xfrm rot="0">
-            <a:off x="139700" y="800100"/>
-            <a:ext cx="5168900" cy="381000"/>
+          <p:cNvPr id="843681280" name="Text">
+    </p:cNvPr>
+          <p:cNvSpPr>
+            <a:spLocks noGrp="1"/>
+          </p:cNvSpPr>
+          <p:nvPr/>
+        </p:nvSpPr>
+        <p:spPr>
+          <a:xfrm rot="0">
+            <a:off x="63500" y="800100"/>
+            <a:ext cx="5054600" cy="381000"/>
           </a:xfrm>
           <a:prstGeom prst="rect">
             <a:avLst/>
@@ -11434,17 +11441,17 @@
       </p:sp>
       <p:sp>
         <p:nvSpPr>
-          <p:cNvPr id="1265421666" name="Text">
-    </p:cNvPr>
-          <p:cNvSpPr>
-            <a:spLocks noGrp="1"/>
-          </p:cNvSpPr>
-          <p:nvPr/>
-        </p:nvSpPr>
-        <p:spPr>
-          <a:xfrm rot="0">
-            <a:off x="5664200" y="800100"/>
-            <a:ext cx="4622800" cy="381000"/>
+          <p:cNvPr id="335757200" name="Text">
+    </p:cNvPr>
+          <p:cNvSpPr>
+            <a:spLocks noGrp="1"/>
+          </p:cNvSpPr>
+          <p:nvPr/>
+        </p:nvSpPr>
+        <p:spPr>
+          <a:xfrm rot="0">
+            <a:off x="5232400" y="800100"/>
+            <a:ext cx="4610100" cy="381000"/>
           </a:xfrm>
           <a:prstGeom prst="rect">
             <a:avLst/>
@@ -11483,7 +11490,7 @@
       </p:sp>
       <p:sp>
         <p:nvSpPr>
-          <p:cNvPr id="1064183456" name="Text">
+          <p:cNvPr id="873711402" name="Text">
     </p:cNvPr>
           <p:cNvSpPr>
             <a:spLocks noGrp="1"/>
@@ -11529,7 +11536,7 @@
       </p:sp>
       <p:sp>
         <p:nvSpPr>
-          <p:cNvPr id="1189261145" name="Text">
+          <p:cNvPr id="1358941544" name="Text">
     </p:cNvPr>
           <p:cNvSpPr>
             <a:spLocks noGrp="1"/>
@@ -11593,7 +11600,7 @@
       </p:sp>
       <p:sp>
         <p:nvSpPr>
-          <p:cNvPr id="1332097252" name="Text">
+          <p:cNvPr id="775450873" name="Text">
     </p:cNvPr>
           <p:cNvSpPr>
             <a:spLocks noGrp="1"/>
@@ -11603,7 +11610,7 @@
         <p:spPr>
           <a:xfrm rot="0">
             <a:off x="647700" y="1295400"/>
-            <a:ext cx="3340100" cy="469900"/>
+            <a:ext cx="3111500" cy="469900"/>
           </a:xfrm>
           <a:prstGeom prst="rect">
             <a:avLst/>
@@ -11648,17 +11655,17 @@
       </p:sp>
       <p:sp>
         <p:nvSpPr>
-          <p:cNvPr id="1649210295" name="Text">
-    </p:cNvPr>
-          <p:cNvSpPr>
-            <a:spLocks noGrp="1"/>
-          </p:cNvSpPr>
-          <p:nvPr/>
-        </p:nvSpPr>
-        <p:spPr>
-          <a:xfrm rot="0">
-            <a:off x="3987800" y="1295400"/>
-            <a:ext cx="520700" cy="469900"/>
+          <p:cNvPr id="592061713" name="Text">
+    </p:cNvPr>
+          <p:cNvSpPr>
+            <a:spLocks noGrp="1"/>
+          </p:cNvSpPr>
+          <p:nvPr/>
+        </p:nvSpPr>
+        <p:spPr>
+          <a:xfrm rot="0">
+            <a:off x="3759200" y="1295400"/>
+            <a:ext cx="457200" cy="469900"/>
           </a:xfrm>
           <a:prstGeom prst="rect">
             <a:avLst/>
@@ -11703,17 +11710,17 @@
       </p:sp>
       <p:sp>
         <p:nvSpPr>
-          <p:cNvPr id="744067704" name="Text">
-    </p:cNvPr>
-          <p:cNvSpPr>
-            <a:spLocks noGrp="1"/>
-          </p:cNvSpPr>
-          <p:nvPr/>
-        </p:nvSpPr>
-        <p:spPr>
-          <a:xfrm rot="0">
-            <a:off x="4508500" y="1295400"/>
-            <a:ext cx="495300" cy="469900"/>
+          <p:cNvPr id="164273349" name="Text">
+    </p:cNvPr>
+          <p:cNvSpPr>
+            <a:spLocks noGrp="1"/>
+          </p:cNvSpPr>
+          <p:nvPr/>
+        </p:nvSpPr>
+        <p:spPr>
+          <a:xfrm rot="0">
+            <a:off x="4216400" y="1295400"/>
+            <a:ext cx="457200" cy="469900"/>
           </a:xfrm>
           <a:prstGeom prst="rect">
             <a:avLst/>
@@ -11767,16 +11774,16 @@
       </p:sp>
       <p:sp>
         <p:nvSpPr>
-          <p:cNvPr id="2140305613" name="Text">
-    </p:cNvPr>
-          <p:cNvSpPr>
-            <a:spLocks noGrp="1"/>
-          </p:cNvSpPr>
-          <p:nvPr/>
-        </p:nvSpPr>
-        <p:spPr>
-          <a:xfrm rot="0">
-            <a:off x="5575300" y="1295400"/>
+          <p:cNvPr id="670077977" name="Text">
+    </p:cNvPr>
+          <p:cNvSpPr>
+            <a:spLocks noGrp="1"/>
+          </p:cNvSpPr>
+          <p:nvPr/>
+        </p:nvSpPr>
+        <p:spPr>
+          <a:xfrm rot="0">
+            <a:off x="5207000" y="1295400"/>
             <a:ext cx="609600" cy="469900"/>
           </a:xfrm>
           <a:prstGeom prst="rect">
@@ -11831,17 +11838,17 @@
       </p:sp>
       <p:sp>
         <p:nvSpPr>
-          <p:cNvPr id="26056395" name="Text">
-    </p:cNvPr>
-          <p:cNvSpPr>
-            <a:spLocks noGrp="1"/>
-          </p:cNvSpPr>
-          <p:nvPr/>
-        </p:nvSpPr>
-        <p:spPr>
-          <a:xfrm rot="0">
-            <a:off x="6184900" y="1295400"/>
-            <a:ext cx="3213100" cy="469900"/>
+          <p:cNvPr id="1243781030" name="Text">
+    </p:cNvPr>
+          <p:cNvSpPr>
+            <a:spLocks noGrp="1"/>
+          </p:cNvSpPr>
+          <p:nvPr/>
+        </p:nvSpPr>
+        <p:spPr>
+          <a:xfrm rot="0">
+            <a:off x="5816600" y="1295400"/>
+            <a:ext cx="3111500" cy="469900"/>
           </a:xfrm>
           <a:prstGeom prst="rect">
             <a:avLst/>
@@ -11886,17 +11893,17 @@
       </p:sp>
       <p:sp>
         <p:nvSpPr>
-          <p:cNvPr id="81333254" name="Text">
-    </p:cNvPr>
-          <p:cNvSpPr>
-            <a:spLocks noGrp="1"/>
-          </p:cNvSpPr>
-          <p:nvPr/>
-        </p:nvSpPr>
-        <p:spPr>
-          <a:xfrm rot="0">
-            <a:off x="9398000" y="1295400"/>
-            <a:ext cx="495300" cy="469900"/>
+          <p:cNvPr id="942821726" name="Text">
+    </p:cNvPr>
+          <p:cNvSpPr>
+            <a:spLocks noGrp="1"/>
+          </p:cNvSpPr>
+          <p:nvPr/>
+        </p:nvSpPr>
+        <p:spPr>
+          <a:xfrm rot="0">
+            <a:off x="8928100" y="1295400"/>
+            <a:ext cx="457200" cy="469900"/>
           </a:xfrm>
           <a:prstGeom prst="rect">
             <a:avLst/>
@@ -11941,16 +11948,16 @@
       </p:sp>
       <p:sp>
         <p:nvSpPr>
-          <p:cNvPr id="1685292215" name="Text">
-    </p:cNvPr>
-          <p:cNvSpPr>
-            <a:spLocks noGrp="1"/>
-          </p:cNvSpPr>
-          <p:nvPr/>
-        </p:nvSpPr>
-        <p:spPr>
-          <a:xfrm rot="0">
-            <a:off x="5003800" y="1295400"/>
+          <p:cNvPr id="1707331113" name="Text">
+    </p:cNvPr>
+          <p:cNvSpPr>
+            <a:spLocks noGrp="1"/>
+          </p:cNvSpPr>
+          <p:nvPr/>
+        </p:nvSpPr>
+        <p:spPr>
+          <a:xfrm rot="0">
+            <a:off x="4673600" y="1295400"/>
             <a:ext cx="469900" cy="469900"/>
           </a:xfrm>
           <a:prstGeom prst="rect">
@@ -12005,17 +12012,17 @@
       </p:sp>
       <p:sp>
         <p:nvSpPr>
-          <p:cNvPr id="139189476" name="Text">
-    </p:cNvPr>
-          <p:cNvSpPr>
-            <a:spLocks noGrp="1"/>
-          </p:cNvSpPr>
-          <p:nvPr/>
-        </p:nvSpPr>
-        <p:spPr>
-          <a:xfrm rot="0">
-            <a:off x="9893300" y="1295400"/>
-            <a:ext cx="469900" cy="469900"/>
+          <p:cNvPr id="1177607892" name="Text">
+    </p:cNvPr>
+          <p:cNvSpPr>
+            <a:spLocks noGrp="1"/>
+          </p:cNvSpPr>
+          <p:nvPr/>
+        </p:nvSpPr>
+        <p:spPr>
+          <a:xfrm rot="0">
+            <a:off x="9385300" y="1295400"/>
+            <a:ext cx="457200" cy="469900"/>
           </a:xfrm>
           <a:prstGeom prst="rect">
             <a:avLst/>
@@ -12069,16 +12076,16 @@
       </p:sp>
       <p:sp>
         <p:nvSpPr>
-          <p:cNvPr id="1696413928" name="Text">
-    </p:cNvPr>
-          <p:cNvSpPr>
-            <a:spLocks noGrp="1"/>
-          </p:cNvSpPr>
-          <p:nvPr/>
-        </p:nvSpPr>
-        <p:spPr>
-          <a:xfrm rot="0">
-            <a:off x="5003800" y="1765300"/>
+          <p:cNvPr id="418508307" name="Text">
+    </p:cNvPr>
+          <p:cNvSpPr>
+            <a:spLocks noGrp="1"/>
+          </p:cNvSpPr>
+          <p:nvPr/>
+        </p:nvSpPr>
+        <p:spPr>
+          <a:xfrm rot="0">
+            <a:off x="4673600" y="1765300"/>
             <a:ext cx="469900" cy="3492500"/>
           </a:xfrm>
           <a:prstGeom prst="rect">
@@ -12230,17 +12237,17 @@
       </p:grpSpPr>
       <p:sp>
         <p:nvSpPr>
-          <p:cNvPr id="703111537" name="Text">
-    </p:cNvPr>
-          <p:cNvSpPr>
-            <a:spLocks noGrp="1"/>
-          </p:cNvSpPr>
-          <p:nvPr/>
-        </p:nvSpPr>
-        <p:spPr>
-          <a:xfrm rot="0">
-            <a:off x="5664200" y="838200"/>
-            <a:ext cx="4673600" cy="381000"/>
+          <p:cNvPr id="853800178" name="Text">
+    </p:cNvPr>
+          <p:cNvSpPr>
+            <a:spLocks noGrp="1"/>
+          </p:cNvSpPr>
+          <p:nvPr/>
+        </p:nvSpPr>
+        <p:spPr>
+          <a:xfrm rot="0">
+            <a:off x="5219700" y="825500"/>
+            <a:ext cx="4660900" cy="381000"/>
           </a:xfrm>
           <a:prstGeom prst="rect">
             <a:avLst/>
@@ -12279,17 +12286,17 @@
       </p:sp>
       <p:sp>
         <p:nvSpPr>
-          <p:cNvPr id="1371987655" name="Text">
-    </p:cNvPr>
-          <p:cNvSpPr>
-            <a:spLocks noGrp="1"/>
-          </p:cNvSpPr>
-          <p:nvPr/>
-        </p:nvSpPr>
-        <p:spPr>
-          <a:xfrm rot="0">
-            <a:off x="114300" y="838200"/>
-            <a:ext cx="5245100" cy="381000"/>
+          <p:cNvPr id="1235932673" name="Text">
+    </p:cNvPr>
+          <p:cNvSpPr>
+            <a:spLocks noGrp="1"/>
+          </p:cNvSpPr>
+          <p:nvPr/>
+        </p:nvSpPr>
+        <p:spPr>
+          <a:xfrm rot="0">
+            <a:off x="88900" y="825500"/>
+            <a:ext cx="5067300" cy="381000"/>
           </a:xfrm>
           <a:prstGeom prst="rect">
             <a:avLst/>
@@ -12328,17 +12335,17 @@
       </p:sp>
       <p:sp>
         <p:nvSpPr>
-          <p:cNvPr id="129799399" name="Text">
-    </p:cNvPr>
-          <p:cNvSpPr>
-            <a:spLocks noGrp="1"/>
-          </p:cNvSpPr>
-          <p:nvPr/>
-        </p:nvSpPr>
-        <p:spPr>
-          <a:xfrm rot="0">
-            <a:off x="139700" y="800100"/>
-            <a:ext cx="5168900" cy="381000"/>
+          <p:cNvPr id="162293662" name="Text">
+    </p:cNvPr>
+          <p:cNvSpPr>
+            <a:spLocks noGrp="1"/>
+          </p:cNvSpPr>
+          <p:nvPr/>
+        </p:nvSpPr>
+        <p:spPr>
+          <a:xfrm rot="0">
+            <a:off x="63500" y="800100"/>
+            <a:ext cx="5054600" cy="381000"/>
           </a:xfrm>
           <a:prstGeom prst="rect">
             <a:avLst/>
@@ -12377,17 +12384,17 @@
       </p:sp>
       <p:sp>
         <p:nvSpPr>
-          <p:cNvPr id="191510144" name="Text">
-    </p:cNvPr>
-          <p:cNvSpPr>
-            <a:spLocks noGrp="1"/>
-          </p:cNvSpPr>
-          <p:nvPr/>
-        </p:nvSpPr>
-        <p:spPr>
-          <a:xfrm rot="0">
-            <a:off x="5664200" y="800100"/>
-            <a:ext cx="4622800" cy="381000"/>
+          <p:cNvPr id="515539406" name="Text">
+    </p:cNvPr>
+          <p:cNvSpPr>
+            <a:spLocks noGrp="1"/>
+          </p:cNvSpPr>
+          <p:nvPr/>
+        </p:nvSpPr>
+        <p:spPr>
+          <a:xfrm rot="0">
+            <a:off x="5232400" y="800100"/>
+            <a:ext cx="4610100" cy="381000"/>
           </a:xfrm>
           <a:prstGeom prst="rect">
             <a:avLst/>
@@ -12426,7 +12433,7 @@
       </p:sp>
       <p:sp>
         <p:nvSpPr>
-          <p:cNvPr id="1734737333" name="Text">
+          <p:cNvPr id="861119119" name="Text">
     </p:cNvPr>
           <p:cNvSpPr>
             <a:spLocks noGrp="1"/>
@@ -12472,7 +12479,7 @@
       </p:sp>
       <p:sp>
         <p:nvSpPr>
-          <p:cNvPr id="11679608" name="Text">
+          <p:cNvPr id="743862330" name="Text">
     </p:cNvPr>
           <p:cNvSpPr>
             <a:spLocks noGrp="1"/>
@@ -12536,7 +12543,7 @@
       </p:sp>
       <p:sp>
         <p:nvSpPr>
-          <p:cNvPr id="1665826853" name="Text">
+          <p:cNvPr id="1177313977" name="Text">
     </p:cNvPr>
           <p:cNvSpPr>
             <a:spLocks noGrp="1"/>
@@ -12546,7 +12553,7 @@
         <p:spPr>
           <a:xfrm rot="0">
             <a:off x="647700" y="1295400"/>
-            <a:ext cx="3340100" cy="469900"/>
+            <a:ext cx="3111500" cy="469900"/>
           </a:xfrm>
           <a:prstGeom prst="rect">
             <a:avLst/>
@@ -12591,17 +12598,17 @@
       </p:sp>
       <p:sp>
         <p:nvSpPr>
-          <p:cNvPr id="969831674" name="Text">
-    </p:cNvPr>
-          <p:cNvSpPr>
-            <a:spLocks noGrp="1"/>
-          </p:cNvSpPr>
-          <p:nvPr/>
-        </p:nvSpPr>
-        <p:spPr>
-          <a:xfrm rot="0">
-            <a:off x="3987800" y="1295400"/>
-            <a:ext cx="520700" cy="469900"/>
+          <p:cNvPr id="206712643" name="Text">
+    </p:cNvPr>
+          <p:cNvSpPr>
+            <a:spLocks noGrp="1"/>
+          </p:cNvSpPr>
+          <p:nvPr/>
+        </p:nvSpPr>
+        <p:spPr>
+          <a:xfrm rot="0">
+            <a:off x="3759200" y="1295400"/>
+            <a:ext cx="457200" cy="469900"/>
           </a:xfrm>
           <a:prstGeom prst="rect">
             <a:avLst/>
@@ -12646,17 +12653,17 @@
       </p:sp>
       <p:sp>
         <p:nvSpPr>
-          <p:cNvPr id="1905180195" name="Text">
-    </p:cNvPr>
-          <p:cNvSpPr>
-            <a:spLocks noGrp="1"/>
-          </p:cNvSpPr>
-          <p:nvPr/>
-        </p:nvSpPr>
-        <p:spPr>
-          <a:xfrm rot="0">
-            <a:off x="4508500" y="1295400"/>
-            <a:ext cx="495300" cy="469900"/>
+          <p:cNvPr id="574333852" name="Text">
+    </p:cNvPr>
+          <p:cNvSpPr>
+            <a:spLocks noGrp="1"/>
+          </p:cNvSpPr>
+          <p:nvPr/>
+        </p:nvSpPr>
+        <p:spPr>
+          <a:xfrm rot="0">
+            <a:off x="4216400" y="1295400"/>
+            <a:ext cx="457200" cy="469900"/>
           </a:xfrm>
           <a:prstGeom prst="rect">
             <a:avLst/>
@@ -12710,16 +12717,16 @@
       </p:sp>
       <p:sp>
         <p:nvSpPr>
-          <p:cNvPr id="1612074653" name="Text">
-    </p:cNvPr>
-          <p:cNvSpPr>
-            <a:spLocks noGrp="1"/>
-          </p:cNvSpPr>
-          <p:nvPr/>
-        </p:nvSpPr>
-        <p:spPr>
-          <a:xfrm rot="0">
-            <a:off x="5575300" y="1295400"/>
+          <p:cNvPr id="1039384641" name="Text">
+    </p:cNvPr>
+          <p:cNvSpPr>
+            <a:spLocks noGrp="1"/>
+          </p:cNvSpPr>
+          <p:nvPr/>
+        </p:nvSpPr>
+        <p:spPr>
+          <a:xfrm rot="0">
+            <a:off x="5207000" y="1295400"/>
             <a:ext cx="609600" cy="469900"/>
           </a:xfrm>
           <a:prstGeom prst="rect">
@@ -12774,17 +12781,17 @@
       </p:sp>
       <p:sp>
         <p:nvSpPr>
-          <p:cNvPr id="1474998546" name="Text">
-    </p:cNvPr>
-          <p:cNvSpPr>
-            <a:spLocks noGrp="1"/>
-          </p:cNvSpPr>
-          <p:nvPr/>
-        </p:nvSpPr>
-        <p:spPr>
-          <a:xfrm rot="0">
-            <a:off x="6184900" y="1295400"/>
-            <a:ext cx="3213100" cy="469900"/>
+          <p:cNvPr id="418333932" name="Text">
+    </p:cNvPr>
+          <p:cNvSpPr>
+            <a:spLocks noGrp="1"/>
+          </p:cNvSpPr>
+          <p:nvPr/>
+        </p:nvSpPr>
+        <p:spPr>
+          <a:xfrm rot="0">
+            <a:off x="5816600" y="1295400"/>
+            <a:ext cx="3111500" cy="469900"/>
           </a:xfrm>
           <a:prstGeom prst="rect">
             <a:avLst/>
@@ -12829,17 +12836,17 @@
       </p:sp>
       <p:sp>
         <p:nvSpPr>
-          <p:cNvPr id="491353777" name="Text">
-    </p:cNvPr>
-          <p:cNvSpPr>
-            <a:spLocks noGrp="1"/>
-          </p:cNvSpPr>
-          <p:nvPr/>
-        </p:nvSpPr>
-        <p:spPr>
-          <a:xfrm rot="0">
-            <a:off x="9398000" y="1295400"/>
-            <a:ext cx="495300" cy="469900"/>
+          <p:cNvPr id="98191493" name="Text">
+    </p:cNvPr>
+          <p:cNvSpPr>
+            <a:spLocks noGrp="1"/>
+          </p:cNvSpPr>
+          <p:nvPr/>
+        </p:nvSpPr>
+        <p:spPr>
+          <a:xfrm rot="0">
+            <a:off x="8928100" y="1295400"/>
+            <a:ext cx="457200" cy="469900"/>
           </a:xfrm>
           <a:prstGeom prst="rect">
             <a:avLst/>
@@ -12884,16 +12891,16 @@
       </p:sp>
       <p:sp>
         <p:nvSpPr>
-          <p:cNvPr id="422755485" name="Text">
-    </p:cNvPr>
-          <p:cNvSpPr>
-            <a:spLocks noGrp="1"/>
-          </p:cNvSpPr>
-          <p:nvPr/>
-        </p:nvSpPr>
-        <p:spPr>
-          <a:xfrm rot="0">
-            <a:off x="5003800" y="1295400"/>
+          <p:cNvPr id="2055355617" name="Text">
+    </p:cNvPr>
+          <p:cNvSpPr>
+            <a:spLocks noGrp="1"/>
+          </p:cNvSpPr>
+          <p:nvPr/>
+        </p:nvSpPr>
+        <p:spPr>
+          <a:xfrm rot="0">
+            <a:off x="4673600" y="1295400"/>
             <a:ext cx="469900" cy="469900"/>
           </a:xfrm>
           <a:prstGeom prst="rect">
@@ -12948,17 +12955,17 @@
       </p:sp>
       <p:sp>
         <p:nvSpPr>
-          <p:cNvPr id="1258449792" name="Text">
-    </p:cNvPr>
-          <p:cNvSpPr>
-            <a:spLocks noGrp="1"/>
-          </p:cNvSpPr>
-          <p:nvPr/>
-        </p:nvSpPr>
-        <p:spPr>
-          <a:xfrm rot="0">
-            <a:off x="9893300" y="1295400"/>
-            <a:ext cx="469900" cy="469900"/>
+          <p:cNvPr id="1498421816" name="Text">
+    </p:cNvPr>
+          <p:cNvSpPr>
+            <a:spLocks noGrp="1"/>
+          </p:cNvSpPr>
+          <p:nvPr/>
+        </p:nvSpPr>
+        <p:spPr>
+          <a:xfrm rot="0">
+            <a:off x="9385300" y="1295400"/>
+            <a:ext cx="457200" cy="469900"/>
           </a:xfrm>
           <a:prstGeom prst="rect">
             <a:avLst/>
@@ -13012,17 +13019,17 @@
       </p:sp>
       <p:sp>
         <p:nvSpPr>
-          <p:cNvPr id="1231172051" name="Text">
-    </p:cNvPr>
-          <p:cNvSpPr>
-            <a:spLocks noGrp="1"/>
-          </p:cNvSpPr>
-          <p:nvPr/>
-        </p:nvSpPr>
-        <p:spPr>
-          <a:xfrm rot="0">
-            <a:off x="9893300" y="1765300"/>
-            <a:ext cx="469900" cy="2578100"/>
+          <p:cNvPr id="997912026" name="Text">
+    </p:cNvPr>
+          <p:cNvSpPr>
+            <a:spLocks noGrp="1"/>
+          </p:cNvSpPr>
+          <p:nvPr/>
+        </p:nvSpPr>
+        <p:spPr>
+          <a:xfrm rot="0">
+            <a:off x="9385300" y="1765300"/>
+            <a:ext cx="457200" cy="2578100"/>
           </a:xfrm>
           <a:prstGeom prst="rect">
             <a:avLst/>
@@ -13087,17 +13094,17 @@
       </p:sp>
       <p:sp>
         <p:nvSpPr>
-          <p:cNvPr id="524823216" name="Text">
-    </p:cNvPr>
-          <p:cNvSpPr>
-            <a:spLocks noGrp="1"/>
-          </p:cNvSpPr>
-          <p:nvPr/>
-        </p:nvSpPr>
-        <p:spPr>
-          <a:xfrm rot="0">
-            <a:off x="9398000" y="1765300"/>
-            <a:ext cx="495300" cy="2578100"/>
+          <p:cNvPr id="1823675472" name="Text">
+    </p:cNvPr>
+          <p:cNvSpPr>
+            <a:spLocks noGrp="1"/>
+          </p:cNvSpPr>
+          <p:nvPr/>
+        </p:nvSpPr>
+        <p:spPr>
+          <a:xfrm rot="0">
+            <a:off x="8928100" y="1765300"/>
+            <a:ext cx="457200" cy="2578100"/>
           </a:xfrm>
           <a:prstGeom prst="rect">
             <a:avLst/>
@@ -13162,17 +13169,17 @@
       </p:sp>
       <p:sp>
         <p:nvSpPr>
-          <p:cNvPr id="328379280" name="Text">
-    </p:cNvPr>
-          <p:cNvSpPr>
-            <a:spLocks noGrp="1"/>
-          </p:cNvSpPr>
-          <p:nvPr/>
-        </p:nvSpPr>
-        <p:spPr>
-          <a:xfrm rot="0">
-            <a:off x="6273800" y="1765300"/>
-            <a:ext cx="3111500" cy="2578100"/>
+          <p:cNvPr id="121456659" name="Text">
+    </p:cNvPr>
+          <p:cNvSpPr>
+            <a:spLocks noGrp="1"/>
+          </p:cNvSpPr>
+          <p:nvPr/>
+        </p:nvSpPr>
+        <p:spPr>
+          <a:xfrm rot="0">
+            <a:off x="5930900" y="1765300"/>
+            <a:ext cx="2984500" cy="2578100"/>
           </a:xfrm>
           <a:prstGeom prst="rect">
             <a:avLst/>
@@ -13263,16 +13270,16 @@
       </p:sp>
       <p:sp>
         <p:nvSpPr>
-          <p:cNvPr id="1259641865" name="Text">
-    </p:cNvPr>
-          <p:cNvSpPr>
-            <a:spLocks noGrp="1"/>
-          </p:cNvSpPr>
-          <p:nvPr/>
-        </p:nvSpPr>
-        <p:spPr>
-          <a:xfrm rot="0">
-            <a:off x="5575300" y="1765300"/>
+          <p:cNvPr id="1592066838" name="Text">
+    </p:cNvPr>
+          <p:cNvSpPr>
+            <a:spLocks noGrp="1"/>
+          </p:cNvSpPr>
+          <p:nvPr/>
+        </p:nvSpPr>
+        <p:spPr>
+          <a:xfrm rot="0">
+            <a:off x="5207000" y="1765300"/>
             <a:ext cx="609600" cy="2578100"/>
           </a:xfrm>
           <a:prstGeom prst="rect">
@@ -13334,7 +13341,7 @@
       </p:sp>
       <p:sp>
         <p:nvSpPr>
-          <p:cNvPr id="320913425" name="Text">
+          <p:cNvPr id="840773933" name="Text">
     </p:cNvPr>
           <p:cNvSpPr>
             <a:spLocks noGrp="1"/>
@@ -13405,17 +13412,17 @@
       </p:sp>
       <p:sp>
         <p:nvSpPr>
-          <p:cNvPr id="1298363759" name="Text">
-    </p:cNvPr>
-          <p:cNvSpPr>
-            <a:spLocks noGrp="1"/>
-          </p:cNvSpPr>
-          <p:nvPr/>
-        </p:nvSpPr>
-        <p:spPr>
-          <a:xfrm rot="0">
-            <a:off x="723900" y="1765300"/>
-            <a:ext cx="3251200" cy="2578100"/>
+          <p:cNvPr id="1190703786" name="Text">
+    </p:cNvPr>
+          <p:cNvSpPr>
+            <a:spLocks noGrp="1"/>
+          </p:cNvSpPr>
+          <p:nvPr/>
+        </p:nvSpPr>
+        <p:spPr>
+          <a:xfrm rot="0">
+            <a:off x="762000" y="1765300"/>
+            <a:ext cx="2984500" cy="2578100"/>
           </a:xfrm>
           <a:prstGeom prst="rect">
             <a:avLst/>
@@ -13560,17 +13567,17 @@
       </p:sp>
       <p:sp>
         <p:nvSpPr>
-          <p:cNvPr id="1261148536" name="Text">
-    </p:cNvPr>
-          <p:cNvSpPr>
-            <a:spLocks noGrp="1"/>
-          </p:cNvSpPr>
-          <p:nvPr/>
-        </p:nvSpPr>
-        <p:spPr>
-          <a:xfrm rot="0">
-            <a:off x="4508500" y="1765300"/>
-            <a:ext cx="495300" cy="2578100"/>
+          <p:cNvPr id="736626614" name="Text">
+    </p:cNvPr>
+          <p:cNvSpPr>
+            <a:spLocks noGrp="1"/>
+          </p:cNvSpPr>
+          <p:nvPr/>
+        </p:nvSpPr>
+        <p:spPr>
+          <a:xfrm rot="0">
+            <a:off x="4216400" y="1765300"/>
+            <a:ext cx="457200" cy="2578100"/>
           </a:xfrm>
           <a:prstGeom prst="rect">
             <a:avLst/>
@@ -13665,16 +13672,16 @@
       </p:sp>
       <p:sp>
         <p:nvSpPr>
-          <p:cNvPr id="615555264" name="Text">
-    </p:cNvPr>
-          <p:cNvSpPr>
-            <a:spLocks noGrp="1"/>
-          </p:cNvSpPr>
-          <p:nvPr/>
-        </p:nvSpPr>
-        <p:spPr>
-          <a:xfrm rot="0">
-            <a:off x="5003800" y="1765300"/>
+          <p:cNvPr id="1575181422" name="Text">
+    </p:cNvPr>
+          <p:cNvSpPr>
+            <a:spLocks noGrp="1"/>
+          </p:cNvSpPr>
+          <p:nvPr/>
+        </p:nvSpPr>
+        <p:spPr>
+          <a:xfrm rot="0">
+            <a:off x="4673600" y="1765300"/>
             <a:ext cx="469900" cy="2578100"/>
           </a:xfrm>
           <a:prstGeom prst="rect">
@@ -13770,17 +13777,17 @@
       </p:sp>
       <p:sp>
         <p:nvSpPr>
-          <p:cNvPr id="830856207" name="Text">
-    </p:cNvPr>
-          <p:cNvSpPr>
-            <a:spLocks noGrp="1"/>
-          </p:cNvSpPr>
-          <p:nvPr/>
-        </p:nvSpPr>
-        <p:spPr>
-          <a:xfrm rot="0">
-            <a:off x="3987800" y="1765300"/>
-            <a:ext cx="520700" cy="2578100"/>
+          <p:cNvPr id="111975078" name="Text">
+    </p:cNvPr>
+          <p:cNvSpPr>
+            <a:spLocks noGrp="1"/>
+          </p:cNvSpPr>
+          <p:nvPr/>
+        </p:nvSpPr>
+        <p:spPr>
+          <a:xfrm rot="0">
+            <a:off x="3759200" y="1765300"/>
+            <a:ext cx="457200" cy="2578100"/>
           </a:xfrm>
           <a:prstGeom prst="rect">
             <a:avLst/>
@@ -13875,7 +13882,7 @@
       </p:sp>
       <p:sp>
         <p:nvSpPr>
-          <p:cNvPr id="1729826653" name="Text">
+          <p:cNvPr id="96601403" name="Text">
     </p:cNvPr>
           <p:cNvSpPr>
             <a:spLocks noGrp="1"/>
@@ -13885,7 +13892,7 @@
         <p:spPr>
           <a:xfrm rot="0">
             <a:off x="647700" y="1765300"/>
-            <a:ext cx="3340100" cy="2578100"/>
+            <a:ext cx="3111500" cy="2578100"/>
           </a:xfrm>
           <a:prstGeom prst="rect">
             <a:avLst/>
@@ -13927,17 +13934,17 @@
       </p:sp>
       <p:sp>
         <p:nvSpPr>
-          <p:cNvPr id="1886169759" name="Text">
-    </p:cNvPr>
-          <p:cNvSpPr>
-            <a:spLocks noGrp="1"/>
-          </p:cNvSpPr>
-          <p:nvPr/>
-        </p:nvSpPr>
-        <p:spPr>
-          <a:xfrm rot="0">
-            <a:off x="6184900" y="1765300"/>
-            <a:ext cx="3213100" cy="2578100"/>
+          <p:cNvPr id="1862039426" name="Text">
+    </p:cNvPr>
+          <p:cNvSpPr>
+            <a:spLocks noGrp="1"/>
+          </p:cNvSpPr>
+          <p:nvPr/>
+        </p:nvSpPr>
+        <p:spPr>
+          <a:xfrm rot="0">
+            <a:off x="5816600" y="1765300"/>
+            <a:ext cx="3111500" cy="2578100"/>
           </a:xfrm>
           <a:prstGeom prst="rect">
             <a:avLst/>
@@ -14004,17 +14011,17 @@
       </p:grpSpPr>
       <p:sp>
         <p:nvSpPr>
-          <p:cNvPr id="1902110236" name="Text">
-    </p:cNvPr>
-          <p:cNvSpPr>
-            <a:spLocks noGrp="1"/>
-          </p:cNvSpPr>
-          <p:nvPr/>
-        </p:nvSpPr>
-        <p:spPr>
-          <a:xfrm rot="0">
-            <a:off x="5664200" y="838200"/>
-            <a:ext cx="4673600" cy="381000"/>
+          <p:cNvPr id="700143135" name="Text">
+    </p:cNvPr>
+          <p:cNvSpPr>
+            <a:spLocks noGrp="1"/>
+          </p:cNvSpPr>
+          <p:nvPr/>
+        </p:nvSpPr>
+        <p:spPr>
+          <a:xfrm rot="0">
+            <a:off x="5219700" y="825500"/>
+            <a:ext cx="4660900" cy="381000"/>
           </a:xfrm>
           <a:prstGeom prst="rect">
             <a:avLst/>
@@ -14053,17 +14060,17 @@
       </p:sp>
       <p:sp>
         <p:nvSpPr>
-          <p:cNvPr id="1685230330" name="Text">
-    </p:cNvPr>
-          <p:cNvSpPr>
-            <a:spLocks noGrp="1"/>
-          </p:cNvSpPr>
-          <p:nvPr/>
-        </p:nvSpPr>
-        <p:spPr>
-          <a:xfrm rot="0">
-            <a:off x="114300" y="838200"/>
-            <a:ext cx="5245100" cy="381000"/>
+          <p:cNvPr id="1260421156" name="Text">
+    </p:cNvPr>
+          <p:cNvSpPr>
+            <a:spLocks noGrp="1"/>
+          </p:cNvSpPr>
+          <p:nvPr/>
+        </p:nvSpPr>
+        <p:spPr>
+          <a:xfrm rot="0">
+            <a:off x="88900" y="825500"/>
+            <a:ext cx="5067300" cy="381000"/>
           </a:xfrm>
           <a:prstGeom prst="rect">
             <a:avLst/>
@@ -14102,17 +14109,17 @@
       </p:sp>
       <p:sp>
         <p:nvSpPr>
-          <p:cNvPr id="1754448036" name="Text">
-    </p:cNvPr>
-          <p:cNvSpPr>
-            <a:spLocks noGrp="1"/>
-          </p:cNvSpPr>
-          <p:nvPr/>
-        </p:nvSpPr>
-        <p:spPr>
-          <a:xfrm rot="0">
-            <a:off x="139700" y="800100"/>
-            <a:ext cx="5168900" cy="381000"/>
+          <p:cNvPr id="1583263654" name="Text">
+    </p:cNvPr>
+          <p:cNvSpPr>
+            <a:spLocks noGrp="1"/>
+          </p:cNvSpPr>
+          <p:nvPr/>
+        </p:nvSpPr>
+        <p:spPr>
+          <a:xfrm rot="0">
+            <a:off x="63500" y="800100"/>
+            <a:ext cx="5054600" cy="381000"/>
           </a:xfrm>
           <a:prstGeom prst="rect">
             <a:avLst/>
@@ -14151,17 +14158,17 @@
       </p:sp>
       <p:sp>
         <p:nvSpPr>
-          <p:cNvPr id="765283993" name="Text">
-    </p:cNvPr>
-          <p:cNvSpPr>
-            <a:spLocks noGrp="1"/>
-          </p:cNvSpPr>
-          <p:nvPr/>
-        </p:nvSpPr>
-        <p:spPr>
-          <a:xfrm rot="0">
-            <a:off x="5664200" y="800100"/>
-            <a:ext cx="4622800" cy="381000"/>
+          <p:cNvPr id="1402176392" name="Text">
+    </p:cNvPr>
+          <p:cNvSpPr>
+            <a:spLocks noGrp="1"/>
+          </p:cNvSpPr>
+          <p:nvPr/>
+        </p:nvSpPr>
+        <p:spPr>
+          <a:xfrm rot="0">
+            <a:off x="5232400" y="800100"/>
+            <a:ext cx="4610100" cy="381000"/>
           </a:xfrm>
           <a:prstGeom prst="rect">
             <a:avLst/>
@@ -14200,7 +14207,7 @@
       </p:sp>
       <p:sp>
         <p:nvSpPr>
-          <p:cNvPr id="603730480" name="Text">
+          <p:cNvPr id="543898699" name="Text">
     </p:cNvPr>
           <p:cNvSpPr>
             <a:spLocks noGrp="1"/>
@@ -14246,7 +14253,7 @@
       </p:sp>
       <p:sp>
         <p:nvSpPr>
-          <p:cNvPr id="1399423479" name="Text">
+          <p:cNvPr id="1871034818" name="Text">
     </p:cNvPr>
           <p:cNvSpPr>
             <a:spLocks noGrp="1"/>
@@ -14310,7 +14317,7 @@
       </p:sp>
       <p:sp>
         <p:nvSpPr>
-          <p:cNvPr id="755035358" name="Text">
+          <p:cNvPr id="1141708811" name="Text">
     </p:cNvPr>
           <p:cNvSpPr>
             <a:spLocks noGrp="1"/>
@@ -14320,7 +14327,7 @@
         <p:spPr>
           <a:xfrm rot="0">
             <a:off x="647700" y="1295400"/>
-            <a:ext cx="3340100" cy="469900"/>
+            <a:ext cx="3111500" cy="469900"/>
           </a:xfrm>
           <a:prstGeom prst="rect">
             <a:avLst/>
@@ -14365,17 +14372,17 @@
       </p:sp>
       <p:sp>
         <p:nvSpPr>
-          <p:cNvPr id="1789822561" name="Text">
-    </p:cNvPr>
-          <p:cNvSpPr>
-            <a:spLocks noGrp="1"/>
-          </p:cNvSpPr>
-          <p:nvPr/>
-        </p:nvSpPr>
-        <p:spPr>
-          <a:xfrm rot="0">
-            <a:off x="3987800" y="1295400"/>
-            <a:ext cx="520700" cy="469900"/>
+          <p:cNvPr id="198008001" name="Text">
+    </p:cNvPr>
+          <p:cNvSpPr>
+            <a:spLocks noGrp="1"/>
+          </p:cNvSpPr>
+          <p:nvPr/>
+        </p:nvSpPr>
+        <p:spPr>
+          <a:xfrm rot="0">
+            <a:off x="3759200" y="1295400"/>
+            <a:ext cx="457200" cy="469900"/>
           </a:xfrm>
           <a:prstGeom prst="rect">
             <a:avLst/>
@@ -14420,17 +14427,17 @@
       </p:sp>
       <p:sp>
         <p:nvSpPr>
-          <p:cNvPr id="679564470" name="Text">
-    </p:cNvPr>
-          <p:cNvSpPr>
-            <a:spLocks noGrp="1"/>
-          </p:cNvSpPr>
-          <p:nvPr/>
-        </p:nvSpPr>
-        <p:spPr>
-          <a:xfrm rot="0">
-            <a:off x="4508500" y="1295400"/>
-            <a:ext cx="495300" cy="469900"/>
+          <p:cNvPr id="1916645527" name="Text">
+    </p:cNvPr>
+          <p:cNvSpPr>
+            <a:spLocks noGrp="1"/>
+          </p:cNvSpPr>
+          <p:nvPr/>
+        </p:nvSpPr>
+        <p:spPr>
+          <a:xfrm rot="0">
+            <a:off x="4216400" y="1295400"/>
+            <a:ext cx="457200" cy="469900"/>
           </a:xfrm>
           <a:prstGeom prst="rect">
             <a:avLst/>
@@ -14484,16 +14491,16 @@
       </p:sp>
       <p:sp>
         <p:nvSpPr>
-          <p:cNvPr id="930614888" name="Text">
-    </p:cNvPr>
-          <p:cNvSpPr>
-            <a:spLocks noGrp="1"/>
-          </p:cNvSpPr>
-          <p:nvPr/>
-        </p:nvSpPr>
-        <p:spPr>
-          <a:xfrm rot="0">
-            <a:off x="5575300" y="1295400"/>
+          <p:cNvPr id="817126587" name="Text">
+    </p:cNvPr>
+          <p:cNvSpPr>
+            <a:spLocks noGrp="1"/>
+          </p:cNvSpPr>
+          <p:nvPr/>
+        </p:nvSpPr>
+        <p:spPr>
+          <a:xfrm rot="0">
+            <a:off x="5207000" y="1295400"/>
             <a:ext cx="609600" cy="469900"/>
           </a:xfrm>
           <a:prstGeom prst="rect">
@@ -14548,17 +14555,17 @@
       </p:sp>
       <p:sp>
         <p:nvSpPr>
-          <p:cNvPr id="489972293" name="Text">
-    </p:cNvPr>
-          <p:cNvSpPr>
-            <a:spLocks noGrp="1"/>
-          </p:cNvSpPr>
-          <p:nvPr/>
-        </p:nvSpPr>
-        <p:spPr>
-          <a:xfrm rot="0">
-            <a:off x="6184900" y="1295400"/>
-            <a:ext cx="3213100" cy="469900"/>
+          <p:cNvPr id="475383782" name="Text">
+    </p:cNvPr>
+          <p:cNvSpPr>
+            <a:spLocks noGrp="1"/>
+          </p:cNvSpPr>
+          <p:nvPr/>
+        </p:nvSpPr>
+        <p:spPr>
+          <a:xfrm rot="0">
+            <a:off x="5816600" y="1295400"/>
+            <a:ext cx="3111500" cy="469900"/>
           </a:xfrm>
           <a:prstGeom prst="rect">
             <a:avLst/>
@@ -14603,17 +14610,17 @@
       </p:sp>
       <p:sp>
         <p:nvSpPr>
-          <p:cNvPr id="62349836" name="Text">
-    </p:cNvPr>
-          <p:cNvSpPr>
-            <a:spLocks noGrp="1"/>
-          </p:cNvSpPr>
-          <p:nvPr/>
-        </p:nvSpPr>
-        <p:spPr>
-          <a:xfrm rot="0">
-            <a:off x="9398000" y="1295400"/>
-            <a:ext cx="495300" cy="469900"/>
+          <p:cNvPr id="2099227641" name="Text">
+    </p:cNvPr>
+          <p:cNvSpPr>
+            <a:spLocks noGrp="1"/>
+          </p:cNvSpPr>
+          <p:nvPr/>
+        </p:nvSpPr>
+        <p:spPr>
+          <a:xfrm rot="0">
+            <a:off x="8928100" y="1295400"/>
+            <a:ext cx="457200" cy="469900"/>
           </a:xfrm>
           <a:prstGeom prst="rect">
             <a:avLst/>
@@ -14658,16 +14665,16 @@
       </p:sp>
       <p:sp>
         <p:nvSpPr>
-          <p:cNvPr id="565293608" name="Text">
-    </p:cNvPr>
-          <p:cNvSpPr>
-            <a:spLocks noGrp="1"/>
-          </p:cNvSpPr>
-          <p:nvPr/>
-        </p:nvSpPr>
-        <p:spPr>
-          <a:xfrm rot="0">
-            <a:off x="5003800" y="1295400"/>
+          <p:cNvPr id="1647904197" name="Text">
+    </p:cNvPr>
+          <p:cNvSpPr>
+            <a:spLocks noGrp="1"/>
+          </p:cNvSpPr>
+          <p:nvPr/>
+        </p:nvSpPr>
+        <p:spPr>
+          <a:xfrm rot="0">
+            <a:off x="4673600" y="1295400"/>
             <a:ext cx="469900" cy="469900"/>
           </a:xfrm>
           <a:prstGeom prst="rect">
@@ -14722,17 +14729,17 @@
       </p:sp>
       <p:sp>
         <p:nvSpPr>
-          <p:cNvPr id="1456333624" name="Text">
-    </p:cNvPr>
-          <p:cNvSpPr>
-            <a:spLocks noGrp="1"/>
-          </p:cNvSpPr>
-          <p:nvPr/>
-        </p:nvSpPr>
-        <p:spPr>
-          <a:xfrm rot="0">
-            <a:off x="9893300" y="1295400"/>
-            <a:ext cx="469900" cy="469900"/>
+          <p:cNvPr id="1887100093" name="Text">
+    </p:cNvPr>
+          <p:cNvSpPr>
+            <a:spLocks noGrp="1"/>
+          </p:cNvSpPr>
+          <p:nvPr/>
+        </p:nvSpPr>
+        <p:spPr>
+          <a:xfrm rot="0">
+            <a:off x="9385300" y="1295400"/>
+            <a:ext cx="457200" cy="469900"/>
           </a:xfrm>
           <a:prstGeom prst="rect">
             <a:avLst/>
@@ -14786,17 +14793,17 @@
       </p:sp>
       <p:sp>
         <p:nvSpPr>
-          <p:cNvPr id="1758828014" name="Text">
-    </p:cNvPr>
-          <p:cNvSpPr>
-            <a:spLocks noGrp="1"/>
-          </p:cNvSpPr>
-          <p:nvPr/>
-        </p:nvSpPr>
-        <p:spPr>
-          <a:xfrm rot="0">
-            <a:off x="9893300" y="1765300"/>
-            <a:ext cx="469900" cy="4254500"/>
+          <p:cNvPr id="1109544867" name="Text">
+    </p:cNvPr>
+          <p:cNvSpPr>
+            <a:spLocks noGrp="1"/>
+          </p:cNvSpPr>
+          <p:nvPr/>
+        </p:nvSpPr>
+        <p:spPr>
+          <a:xfrm rot="0">
+            <a:off x="9385300" y="1765300"/>
+            <a:ext cx="457200" cy="4254500"/>
           </a:xfrm>
           <a:prstGeom prst="rect">
             <a:avLst/>
@@ -14860,17 +14867,17 @@
       </p:sp>
       <p:sp>
         <p:nvSpPr>
-          <p:cNvPr id="1347038714" name="Text">
-    </p:cNvPr>
-          <p:cNvSpPr>
-            <a:spLocks noGrp="1"/>
-          </p:cNvSpPr>
-          <p:nvPr/>
-        </p:nvSpPr>
-        <p:spPr>
-          <a:xfrm rot="0">
-            <a:off x="9398000" y="1765300"/>
-            <a:ext cx="495300" cy="4254500"/>
+          <p:cNvPr id="1113744509" name="Text">
+    </p:cNvPr>
+          <p:cNvSpPr>
+            <a:spLocks noGrp="1"/>
+          </p:cNvSpPr>
+          <p:nvPr/>
+        </p:nvSpPr>
+        <p:spPr>
+          <a:xfrm rot="0">
+            <a:off x="8928100" y="1765300"/>
+            <a:ext cx="457200" cy="4254500"/>
           </a:xfrm>
           <a:prstGeom prst="rect">
             <a:avLst/>
@@ -14934,17 +14941,17 @@
       </p:sp>
       <p:sp>
         <p:nvSpPr>
-          <p:cNvPr id="2085020969" name="Text">
-    </p:cNvPr>
-          <p:cNvSpPr>
-            <a:spLocks noGrp="1"/>
-          </p:cNvSpPr>
-          <p:nvPr/>
-        </p:nvSpPr>
-        <p:spPr>
-          <a:xfrm rot="0">
-            <a:off x="6273800" y="1765300"/>
-            <a:ext cx="3111500" cy="4254500"/>
+          <p:cNvPr id="518644067" name="Text">
+    </p:cNvPr>
+          <p:cNvSpPr>
+            <a:spLocks noGrp="1"/>
+          </p:cNvSpPr>
+          <p:nvPr/>
+        </p:nvSpPr>
+        <p:spPr>
+          <a:xfrm rot="0">
+            <a:off x="5930900" y="1765300"/>
+            <a:ext cx="2984500" cy="4254500"/>
           </a:xfrm>
           <a:prstGeom prst="rect">
             <a:avLst/>
@@ -15026,16 +15033,16 @@
       </p:sp>
       <p:sp>
         <p:nvSpPr>
-          <p:cNvPr id="1160449466" name="Text">
-    </p:cNvPr>
-          <p:cNvSpPr>
-            <a:spLocks noGrp="1"/>
-          </p:cNvSpPr>
-          <p:nvPr/>
-        </p:nvSpPr>
-        <p:spPr>
-          <a:xfrm rot="0">
-            <a:off x="5575300" y="1765300"/>
+          <p:cNvPr id="1341730639" name="Text">
+    </p:cNvPr>
+          <p:cNvSpPr>
+            <a:spLocks noGrp="1"/>
+          </p:cNvSpPr>
+          <p:nvPr/>
+        </p:nvSpPr>
+        <p:spPr>
+          <a:xfrm rot="0">
+            <a:off x="5207000" y="1765300"/>
             <a:ext cx="609600" cy="4254500"/>
           </a:xfrm>
           <a:prstGeom prst="rect">
@@ -15106,7 +15113,7 @@
       </p:sp>
       <p:sp>
         <p:nvSpPr>
-          <p:cNvPr id="18192916" name="Text">
+          <p:cNvPr id="1568854519" name="Text">
     </p:cNvPr>
           <p:cNvSpPr>
             <a:spLocks noGrp="1"/>
@@ -15186,17 +15193,17 @@
       </p:sp>
       <p:sp>
         <p:nvSpPr>
-          <p:cNvPr id="11616817" name="Text">
-    </p:cNvPr>
-          <p:cNvSpPr>
-            <a:spLocks noGrp="1"/>
-          </p:cNvSpPr>
-          <p:nvPr/>
-        </p:nvSpPr>
-        <p:spPr>
-          <a:xfrm rot="0">
-            <a:off x="723900" y="1765300"/>
-            <a:ext cx="3251200" cy="4254500"/>
+          <p:cNvPr id="606045876" name="Text">
+    </p:cNvPr>
+          <p:cNvSpPr>
+            <a:spLocks noGrp="1"/>
+          </p:cNvSpPr>
+          <p:nvPr/>
+        </p:nvSpPr>
+        <p:spPr>
+          <a:xfrm rot="0">
+            <a:off x="762000" y="1765300"/>
+            <a:ext cx="2984500" cy="4254500"/>
           </a:xfrm>
           <a:prstGeom prst="rect">
             <a:avLst/>
@@ -15413,17 +15420,17 @@
       </p:sp>
       <p:sp>
         <p:nvSpPr>
-          <p:cNvPr id="1259704483" name="Text">
-    </p:cNvPr>
-          <p:cNvSpPr>
-            <a:spLocks noGrp="1"/>
-          </p:cNvSpPr>
-          <p:nvPr/>
-        </p:nvSpPr>
-        <p:spPr>
-          <a:xfrm rot="0">
-            <a:off x="4508500" y="1765300"/>
-            <a:ext cx="495300" cy="4254500"/>
+          <p:cNvPr id="1974245805" name="Text">
+    </p:cNvPr>
+          <p:cNvSpPr>
+            <a:spLocks noGrp="1"/>
+          </p:cNvSpPr>
+          <p:nvPr/>
+        </p:nvSpPr>
+        <p:spPr>
+          <a:xfrm rot="0">
+            <a:off x="4216400" y="1765300"/>
+            <a:ext cx="457200" cy="4254500"/>
           </a:xfrm>
           <a:prstGeom prst="rect">
             <a:avLst/>
@@ -15550,16 +15557,16 @@
       </p:sp>
       <p:sp>
         <p:nvSpPr>
-          <p:cNvPr id="1447953062" name="Text">
-    </p:cNvPr>
-          <p:cNvSpPr>
-            <a:spLocks noGrp="1"/>
-          </p:cNvSpPr>
-          <p:nvPr/>
-        </p:nvSpPr>
-        <p:spPr>
-          <a:xfrm rot="0">
-            <a:off x="5003800" y="1765300"/>
+          <p:cNvPr id="1940472576" name="Text">
+    </p:cNvPr>
+          <p:cNvSpPr>
+            <a:spLocks noGrp="1"/>
+          </p:cNvSpPr>
+          <p:nvPr/>
+        </p:nvSpPr>
+        <p:spPr>
+          <a:xfrm rot="0">
+            <a:off x="4673600" y="1765300"/>
             <a:ext cx="469900" cy="4254500"/>
           </a:xfrm>
           <a:prstGeom prst="rect">
@@ -15687,17 +15694,17 @@
       </p:sp>
       <p:sp>
         <p:nvSpPr>
-          <p:cNvPr id="2066151233" name="Text">
-    </p:cNvPr>
-          <p:cNvSpPr>
-            <a:spLocks noGrp="1"/>
-          </p:cNvSpPr>
-          <p:nvPr/>
-        </p:nvSpPr>
-        <p:spPr>
-          <a:xfrm rot="0">
-            <a:off x="3987800" y="1765300"/>
-            <a:ext cx="520700" cy="4254500"/>
+          <p:cNvPr id="955202027" name="Text">
+    </p:cNvPr>
+          <p:cNvSpPr>
+            <a:spLocks noGrp="1"/>
+          </p:cNvSpPr>
+          <p:nvPr/>
+        </p:nvSpPr>
+        <p:spPr>
+          <a:xfrm rot="0">
+            <a:off x="3759200" y="1765300"/>
+            <a:ext cx="457200" cy="4254500"/>
           </a:xfrm>
           <a:prstGeom prst="rect">
             <a:avLst/>
@@ -15824,7 +15831,7 @@
       </p:sp>
       <p:sp>
         <p:nvSpPr>
-          <p:cNvPr id="1905033950" name="Text">
+          <p:cNvPr id="1612522084" name="Text">
     </p:cNvPr>
           <p:cNvSpPr>
             <a:spLocks noGrp="1"/>
@@ -15834,7 +15841,7 @@
         <p:spPr>
           <a:xfrm rot="0">
             <a:off x="647700" y="1765300"/>
-            <a:ext cx="3340100" cy="4254500"/>
+            <a:ext cx="3111500" cy="4254500"/>
           </a:xfrm>
           <a:prstGeom prst="rect">
             <a:avLst/>
@@ -15876,17 +15883,17 @@
       </p:sp>
       <p:sp>
         <p:nvSpPr>
-          <p:cNvPr id="385582276" name="Text">
-    </p:cNvPr>
-          <p:cNvSpPr>
-            <a:spLocks noGrp="1"/>
-          </p:cNvSpPr>
-          <p:nvPr/>
-        </p:nvSpPr>
-        <p:spPr>
-          <a:xfrm rot="0">
-            <a:off x="6184900" y="1765300"/>
-            <a:ext cx="3213100" cy="4254500"/>
+          <p:cNvPr id="1903017531" name="Text">
+    </p:cNvPr>
+          <p:cNvSpPr>
+            <a:spLocks noGrp="1"/>
+          </p:cNvSpPr>
+          <p:nvPr/>
+        </p:nvSpPr>
+        <p:spPr>
+          <a:xfrm rot="0">
+            <a:off x="5816600" y="1765300"/>
+            <a:ext cx="3111500" cy="4254500"/>
           </a:xfrm>
           <a:prstGeom prst="rect">
             <a:avLst/>
@@ -15953,17 +15960,17 @@
       </p:grpSpPr>
       <p:sp>
         <p:nvSpPr>
-          <p:cNvPr id="814149519" name="Text">
-    </p:cNvPr>
-          <p:cNvSpPr>
-            <a:spLocks noGrp="1"/>
-          </p:cNvSpPr>
-          <p:nvPr/>
-        </p:nvSpPr>
-        <p:spPr>
-          <a:xfrm rot="0">
-            <a:off x="5664200" y="838200"/>
-            <a:ext cx="4673600" cy="381000"/>
+          <p:cNvPr id="1214595669" name="Text">
+    </p:cNvPr>
+          <p:cNvSpPr>
+            <a:spLocks noGrp="1"/>
+          </p:cNvSpPr>
+          <p:nvPr/>
+        </p:nvSpPr>
+        <p:spPr>
+          <a:xfrm rot="0">
+            <a:off x="5219700" y="825500"/>
+            <a:ext cx="4660900" cy="381000"/>
           </a:xfrm>
           <a:prstGeom prst="rect">
             <a:avLst/>
@@ -16002,17 +16009,17 @@
       </p:sp>
       <p:sp>
         <p:nvSpPr>
-          <p:cNvPr id="2094434849" name="Text">
-    </p:cNvPr>
-          <p:cNvSpPr>
-            <a:spLocks noGrp="1"/>
-          </p:cNvSpPr>
-          <p:nvPr/>
-        </p:nvSpPr>
-        <p:spPr>
-          <a:xfrm rot="0">
-            <a:off x="114300" y="838200"/>
-            <a:ext cx="5245100" cy="381000"/>
+          <p:cNvPr id="159652563" name="Text">
+    </p:cNvPr>
+          <p:cNvSpPr>
+            <a:spLocks noGrp="1"/>
+          </p:cNvSpPr>
+          <p:nvPr/>
+        </p:nvSpPr>
+        <p:spPr>
+          <a:xfrm rot="0">
+            <a:off x="88900" y="825500"/>
+            <a:ext cx="5067300" cy="381000"/>
           </a:xfrm>
           <a:prstGeom prst="rect">
             <a:avLst/>
@@ -16051,17 +16058,17 @@
       </p:sp>
       <p:sp>
         <p:nvSpPr>
-          <p:cNvPr id="1775861015" name="Text">
-    </p:cNvPr>
-          <p:cNvSpPr>
-            <a:spLocks noGrp="1"/>
-          </p:cNvSpPr>
-          <p:nvPr/>
-        </p:nvSpPr>
-        <p:spPr>
-          <a:xfrm rot="0">
-            <a:off x="139700" y="800100"/>
-            <a:ext cx="5168900" cy="381000"/>
+          <p:cNvPr id="202629" name="Text">
+    </p:cNvPr>
+          <p:cNvSpPr>
+            <a:spLocks noGrp="1"/>
+          </p:cNvSpPr>
+          <p:nvPr/>
+        </p:nvSpPr>
+        <p:spPr>
+          <a:xfrm rot="0">
+            <a:off x="63500" y="800100"/>
+            <a:ext cx="5054600" cy="381000"/>
           </a:xfrm>
           <a:prstGeom prst="rect">
             <a:avLst/>
@@ -16100,17 +16107,17 @@
       </p:sp>
       <p:sp>
         <p:nvSpPr>
-          <p:cNvPr id="600705356" name="Text">
-    </p:cNvPr>
-          <p:cNvSpPr>
-            <a:spLocks noGrp="1"/>
-          </p:cNvSpPr>
-          <p:nvPr/>
-        </p:nvSpPr>
-        <p:spPr>
-          <a:xfrm rot="0">
-            <a:off x="5664200" y="800100"/>
-            <a:ext cx="4622800" cy="381000"/>
+          <p:cNvPr id="478412248" name="Text">
+    </p:cNvPr>
+          <p:cNvSpPr>
+            <a:spLocks noGrp="1"/>
+          </p:cNvSpPr>
+          <p:nvPr/>
+        </p:nvSpPr>
+        <p:spPr>
+          <a:xfrm rot="0">
+            <a:off x="5232400" y="800100"/>
+            <a:ext cx="4610100" cy="381000"/>
           </a:xfrm>
           <a:prstGeom prst="rect">
             <a:avLst/>
@@ -16149,7 +16156,7 @@
       </p:sp>
       <p:sp>
         <p:nvSpPr>
-          <p:cNvPr id="607350829" name="Text">
+          <p:cNvPr id="2115400695" name="Text">
     </p:cNvPr>
           <p:cNvSpPr>
             <a:spLocks noGrp="1"/>
@@ -16195,7 +16202,7 @@
       </p:sp>
       <p:sp>
         <p:nvSpPr>
-          <p:cNvPr id="1828479240" name="Text">
+          <p:cNvPr id="1466805348" name="Text">
     </p:cNvPr>
           <p:cNvSpPr>
             <a:spLocks noGrp="1"/>
@@ -16259,7 +16266,7 @@
       </p:sp>
       <p:sp>
         <p:nvSpPr>
-          <p:cNvPr id="1315932229" name="Text">
+          <p:cNvPr id="1330259507" name="Text">
     </p:cNvPr>
           <p:cNvSpPr>
             <a:spLocks noGrp="1"/>
@@ -16269,7 +16276,7 @@
         <p:spPr>
           <a:xfrm rot="0">
             <a:off x="647700" y="1295400"/>
-            <a:ext cx="3340100" cy="469900"/>
+            <a:ext cx="3111500" cy="469900"/>
           </a:xfrm>
           <a:prstGeom prst="rect">
             <a:avLst/>
@@ -16314,17 +16321,17 @@
       </p:sp>
       <p:sp>
         <p:nvSpPr>
-          <p:cNvPr id="490237101" name="Text">
-    </p:cNvPr>
-          <p:cNvSpPr>
-            <a:spLocks noGrp="1"/>
-          </p:cNvSpPr>
-          <p:nvPr/>
-        </p:nvSpPr>
-        <p:spPr>
-          <a:xfrm rot="0">
-            <a:off x="3987800" y="1295400"/>
-            <a:ext cx="520700" cy="469900"/>
+          <p:cNvPr id="1285844799" name="Text">
+    </p:cNvPr>
+          <p:cNvSpPr>
+            <a:spLocks noGrp="1"/>
+          </p:cNvSpPr>
+          <p:nvPr/>
+        </p:nvSpPr>
+        <p:spPr>
+          <a:xfrm rot="0">
+            <a:off x="3759200" y="1295400"/>
+            <a:ext cx="457200" cy="469900"/>
           </a:xfrm>
           <a:prstGeom prst="rect">
             <a:avLst/>
@@ -16369,17 +16376,17 @@
       </p:sp>
       <p:sp>
         <p:nvSpPr>
-          <p:cNvPr id="582341951" name="Text">
-    </p:cNvPr>
-          <p:cNvSpPr>
-            <a:spLocks noGrp="1"/>
-          </p:cNvSpPr>
-          <p:nvPr/>
-        </p:nvSpPr>
-        <p:spPr>
-          <a:xfrm rot="0">
-            <a:off x="4508500" y="1295400"/>
-            <a:ext cx="495300" cy="469900"/>
+          <p:cNvPr id="31466647" name="Text">
+    </p:cNvPr>
+          <p:cNvSpPr>
+            <a:spLocks noGrp="1"/>
+          </p:cNvSpPr>
+          <p:nvPr/>
+        </p:nvSpPr>
+        <p:spPr>
+          <a:xfrm rot="0">
+            <a:off x="4216400" y="1295400"/>
+            <a:ext cx="457200" cy="469900"/>
           </a:xfrm>
           <a:prstGeom prst="rect">
             <a:avLst/>
@@ -16433,16 +16440,16 @@
       </p:sp>
       <p:sp>
         <p:nvSpPr>
-          <p:cNvPr id="760091712" name="Text">
-    </p:cNvPr>
-          <p:cNvSpPr>
-            <a:spLocks noGrp="1"/>
-          </p:cNvSpPr>
-          <p:nvPr/>
-        </p:nvSpPr>
-        <p:spPr>
-          <a:xfrm rot="0">
-            <a:off x="5575300" y="1295400"/>
+          <p:cNvPr id="1003796035" name="Text">
+    </p:cNvPr>
+          <p:cNvSpPr>
+            <a:spLocks noGrp="1"/>
+          </p:cNvSpPr>
+          <p:nvPr/>
+        </p:nvSpPr>
+        <p:spPr>
+          <a:xfrm rot="0">
+            <a:off x="5207000" y="1295400"/>
             <a:ext cx="609600" cy="469900"/>
           </a:xfrm>
           <a:prstGeom prst="rect">
@@ -16497,17 +16504,17 @@
       </p:sp>
       <p:sp>
         <p:nvSpPr>
-          <p:cNvPr id="525437964" name="Text">
-    </p:cNvPr>
-          <p:cNvSpPr>
-            <a:spLocks noGrp="1"/>
-          </p:cNvSpPr>
-          <p:nvPr/>
-        </p:nvSpPr>
-        <p:spPr>
-          <a:xfrm rot="0">
-            <a:off x="6184900" y="1295400"/>
-            <a:ext cx="3213100" cy="469900"/>
+          <p:cNvPr id="623994036" name="Text">
+    </p:cNvPr>
+          <p:cNvSpPr>
+            <a:spLocks noGrp="1"/>
+          </p:cNvSpPr>
+          <p:nvPr/>
+        </p:nvSpPr>
+        <p:spPr>
+          <a:xfrm rot="0">
+            <a:off x="5816600" y="1295400"/>
+            <a:ext cx="3111500" cy="469900"/>
           </a:xfrm>
           <a:prstGeom prst="rect">
             <a:avLst/>
@@ -16552,17 +16559,17 @@
       </p:sp>
       <p:sp>
         <p:nvSpPr>
-          <p:cNvPr id="1095943759" name="Text">
-    </p:cNvPr>
-          <p:cNvSpPr>
-            <a:spLocks noGrp="1"/>
-          </p:cNvSpPr>
-          <p:nvPr/>
-        </p:nvSpPr>
-        <p:spPr>
-          <a:xfrm rot="0">
-            <a:off x="9398000" y="1295400"/>
-            <a:ext cx="495300" cy="469900"/>
+          <p:cNvPr id="1250110138" name="Text">
+    </p:cNvPr>
+          <p:cNvSpPr>
+            <a:spLocks noGrp="1"/>
+          </p:cNvSpPr>
+          <p:nvPr/>
+        </p:nvSpPr>
+        <p:spPr>
+          <a:xfrm rot="0">
+            <a:off x="8928100" y="1295400"/>
+            <a:ext cx="457200" cy="469900"/>
           </a:xfrm>
           <a:prstGeom prst="rect">
             <a:avLst/>
@@ -16607,16 +16614,16 @@
       </p:sp>
       <p:sp>
         <p:nvSpPr>
-          <p:cNvPr id="1296232311" name="Text">
-    </p:cNvPr>
-          <p:cNvSpPr>
-            <a:spLocks noGrp="1"/>
-          </p:cNvSpPr>
-          <p:nvPr/>
-        </p:nvSpPr>
-        <p:spPr>
-          <a:xfrm rot="0">
-            <a:off x="5003800" y="1295400"/>
+          <p:cNvPr id="1254587361" name="Text">
+    </p:cNvPr>
+          <p:cNvSpPr>
+            <a:spLocks noGrp="1"/>
+          </p:cNvSpPr>
+          <p:nvPr/>
+        </p:nvSpPr>
+        <p:spPr>
+          <a:xfrm rot="0">
+            <a:off x="4673600" y="1295400"/>
             <a:ext cx="469900" cy="469900"/>
           </a:xfrm>
           <a:prstGeom prst="rect">
@@ -16671,17 +16678,17 @@
       </p:sp>
       <p:sp>
         <p:nvSpPr>
-          <p:cNvPr id="275975819" name="Text">
-    </p:cNvPr>
-          <p:cNvSpPr>
-            <a:spLocks noGrp="1"/>
-          </p:cNvSpPr>
-          <p:nvPr/>
-        </p:nvSpPr>
-        <p:spPr>
-          <a:xfrm rot="0">
-            <a:off x="9893300" y="1295400"/>
-            <a:ext cx="469900" cy="469900"/>
+          <p:cNvPr id="1421847124" name="Text">
+    </p:cNvPr>
+          <p:cNvSpPr>
+            <a:spLocks noGrp="1"/>
+          </p:cNvSpPr>
+          <p:nvPr/>
+        </p:nvSpPr>
+        <p:spPr>
+          <a:xfrm rot="0">
+            <a:off x="9385300" y="1295400"/>
+            <a:ext cx="457200" cy="469900"/>
           </a:xfrm>
           <a:prstGeom prst="rect">
             <a:avLst/>
@@ -16735,17 +16742,17 @@
       </p:sp>
       <p:sp>
         <p:nvSpPr>
-          <p:cNvPr id="55693669" name="Text">
-    </p:cNvPr>
-          <p:cNvSpPr>
-            <a:spLocks noGrp="1"/>
-          </p:cNvSpPr>
-          <p:nvPr/>
-        </p:nvSpPr>
-        <p:spPr>
-          <a:xfrm rot="0">
-            <a:off x="9893300" y="1765300"/>
-            <a:ext cx="469900" cy="1816100"/>
+          <p:cNvPr id="2047172787" name="Text">
+    </p:cNvPr>
+          <p:cNvSpPr>
+            <a:spLocks noGrp="1"/>
+          </p:cNvSpPr>
+          <p:nvPr/>
+        </p:nvSpPr>
+        <p:spPr>
+          <a:xfrm rot="0">
+            <a:off x="9385300" y="1765300"/>
+            <a:ext cx="457200" cy="1816100"/>
           </a:xfrm>
           <a:prstGeom prst="rect">
             <a:avLst/>
@@ -16829,17 +16836,17 @@
       </p:sp>
       <p:sp>
         <p:nvSpPr>
-          <p:cNvPr id="1415974910" name="Text">
-    </p:cNvPr>
-          <p:cNvSpPr>
-            <a:spLocks noGrp="1"/>
-          </p:cNvSpPr>
-          <p:nvPr/>
-        </p:nvSpPr>
-        <p:spPr>
-          <a:xfrm rot="0">
-            <a:off x="9398000" y="1765300"/>
-            <a:ext cx="495300" cy="1816100"/>
+          <p:cNvPr id="696271795" name="Text">
+    </p:cNvPr>
+          <p:cNvSpPr>
+            <a:spLocks noGrp="1"/>
+          </p:cNvSpPr>
+          <p:nvPr/>
+        </p:nvSpPr>
+        <p:spPr>
+          <a:xfrm rot="0">
+            <a:off x="8928100" y="1765300"/>
+            <a:ext cx="457200" cy="1816100"/>
           </a:xfrm>
           <a:prstGeom prst="rect">
             <a:avLst/>
@@ -16923,17 +16930,17 @@
       </p:sp>
       <p:sp>
         <p:nvSpPr>
-          <p:cNvPr id="243624786" name="Text">
-    </p:cNvPr>
-          <p:cNvSpPr>
-            <a:spLocks noGrp="1"/>
-          </p:cNvSpPr>
-          <p:nvPr/>
-        </p:nvSpPr>
-        <p:spPr>
-          <a:xfrm rot="0">
-            <a:off x="6273800" y="1765300"/>
-            <a:ext cx="3111500" cy="1816100"/>
+          <p:cNvPr id="1483287825" name="Text">
+    </p:cNvPr>
+          <p:cNvSpPr>
+            <a:spLocks noGrp="1"/>
+          </p:cNvSpPr>
+          <p:nvPr/>
+        </p:nvSpPr>
+        <p:spPr>
+          <a:xfrm rot="0">
+            <a:off x="5930900" y="1765300"/>
+            <a:ext cx="2984500" cy="1816100"/>
           </a:xfrm>
           <a:prstGeom prst="rect">
             <a:avLst/>
@@ -17051,16 +17058,16 @@
       </p:sp>
       <p:sp>
         <p:nvSpPr>
-          <p:cNvPr id="101329759" name="Text">
-    </p:cNvPr>
-          <p:cNvSpPr>
-            <a:spLocks noGrp="1"/>
-          </p:cNvSpPr>
-          <p:nvPr/>
-        </p:nvSpPr>
-        <p:spPr>
-          <a:xfrm rot="0">
-            <a:off x="5575300" y="1765300"/>
+          <p:cNvPr id="1907216706" name="Text">
+    </p:cNvPr>
+          <p:cNvSpPr>
+            <a:spLocks noGrp="1"/>
+          </p:cNvSpPr>
+          <p:nvPr/>
+        </p:nvSpPr>
+        <p:spPr>
+          <a:xfrm rot="0">
+            <a:off x="5207000" y="1765300"/>
             <a:ext cx="609600" cy="1816100"/>
           </a:xfrm>
           <a:prstGeom prst="rect">
@@ -17140,7 +17147,7 @@
       </p:sp>
       <p:sp>
         <p:nvSpPr>
-          <p:cNvPr id="190646274" name="Text">
+          <p:cNvPr id="553400124" name="Text">
     </p:cNvPr>
           <p:cNvSpPr>
             <a:spLocks noGrp="1"/>
@@ -17229,17 +17236,17 @@
       </p:sp>
       <p:sp>
         <p:nvSpPr>
-          <p:cNvPr id="1864433512" name="Text">
-    </p:cNvPr>
-          <p:cNvSpPr>
-            <a:spLocks noGrp="1"/>
-          </p:cNvSpPr>
-          <p:nvPr/>
-        </p:nvSpPr>
-        <p:spPr>
-          <a:xfrm rot="0">
-            <a:off x="723900" y="1765300"/>
-            <a:ext cx="3251200" cy="1816100"/>
+          <p:cNvPr id="189424971" name="Text">
+    </p:cNvPr>
+          <p:cNvSpPr>
+            <a:spLocks noGrp="1"/>
+          </p:cNvSpPr>
+          <p:nvPr/>
+        </p:nvSpPr>
+        <p:spPr>
+          <a:xfrm rot="0">
+            <a:off x="762000" y="1765300"/>
+            <a:ext cx="2984500" cy="1816100"/>
           </a:xfrm>
           <a:prstGeom prst="rect">
             <a:avLst/>
@@ -17366,17 +17373,17 @@
       </p:sp>
       <p:sp>
         <p:nvSpPr>
-          <p:cNvPr id="1247462949" name="Text">
-    </p:cNvPr>
-          <p:cNvSpPr>
-            <a:spLocks noGrp="1"/>
-          </p:cNvSpPr>
-          <p:nvPr/>
-        </p:nvSpPr>
-        <p:spPr>
-          <a:xfrm rot="0">
-            <a:off x="4508500" y="1765300"/>
-            <a:ext cx="495300" cy="1816100"/>
+          <p:cNvPr id="450547862" name="Text">
+    </p:cNvPr>
+          <p:cNvSpPr>
+            <a:spLocks noGrp="1"/>
+          </p:cNvSpPr>
+          <p:nvPr/>
+        </p:nvSpPr>
+        <p:spPr>
+          <a:xfrm rot="0">
+            <a:off x="4216400" y="1765300"/>
+            <a:ext cx="457200" cy="1816100"/>
           </a:xfrm>
           <a:prstGeom prst="rect">
             <a:avLst/>
@@ -17469,16 +17476,16 @@
       </p:sp>
       <p:sp>
         <p:nvSpPr>
-          <p:cNvPr id="492653794" name="Text">
-    </p:cNvPr>
-          <p:cNvSpPr>
-            <a:spLocks noGrp="1"/>
-          </p:cNvSpPr>
-          <p:nvPr/>
-        </p:nvSpPr>
-        <p:spPr>
-          <a:xfrm rot="0">
-            <a:off x="5003800" y="1765300"/>
+          <p:cNvPr id="90322254" name="Text">
+    </p:cNvPr>
+          <p:cNvSpPr>
+            <a:spLocks noGrp="1"/>
+          </p:cNvSpPr>
+          <p:nvPr/>
+        </p:nvSpPr>
+        <p:spPr>
+          <a:xfrm rot="0">
+            <a:off x="4673600" y="1765300"/>
             <a:ext cx="469900" cy="1816100"/>
           </a:xfrm>
           <a:prstGeom prst="rect">
@@ -17572,17 +17579,17 @@
       </p:sp>
       <p:sp>
         <p:nvSpPr>
-          <p:cNvPr id="2116242003" name="Text">
-    </p:cNvPr>
-          <p:cNvSpPr>
-            <a:spLocks noGrp="1"/>
-          </p:cNvSpPr>
-          <p:nvPr/>
-        </p:nvSpPr>
-        <p:spPr>
-          <a:xfrm rot="0">
-            <a:off x="3987800" y="1765300"/>
-            <a:ext cx="520700" cy="1816100"/>
+          <p:cNvPr id="1147582217" name="Text">
+    </p:cNvPr>
+          <p:cNvSpPr>
+            <a:spLocks noGrp="1"/>
+          </p:cNvSpPr>
+          <p:nvPr/>
+        </p:nvSpPr>
+        <p:spPr>
+          <a:xfrm rot="0">
+            <a:off x="3759200" y="1765300"/>
+            <a:ext cx="457200" cy="1816100"/>
           </a:xfrm>
           <a:prstGeom prst="rect">
             <a:avLst/>
@@ -17675,7 +17682,7 @@
       </p:sp>
       <p:sp>
         <p:nvSpPr>
-          <p:cNvPr id="370155840" name="Text">
+          <p:cNvPr id="484373235" name="Text">
     </p:cNvPr>
           <p:cNvSpPr>
             <a:spLocks noGrp="1"/>
@@ -17685,7 +17692,7 @@
         <p:spPr>
           <a:xfrm rot="0">
             <a:off x="647700" y="1765300"/>
-            <a:ext cx="3340100" cy="1816100"/>
+            <a:ext cx="3111500" cy="1816100"/>
           </a:xfrm>
           <a:prstGeom prst="rect">
             <a:avLst/>
@@ -17727,17 +17734,17 @@
       </p:sp>
       <p:sp>
         <p:nvSpPr>
-          <p:cNvPr id="182957641" name="Text">
-    </p:cNvPr>
-          <p:cNvSpPr>
-            <a:spLocks noGrp="1"/>
-          </p:cNvSpPr>
-          <p:nvPr/>
-        </p:nvSpPr>
-        <p:spPr>
-          <a:xfrm rot="0">
-            <a:off x="6184900" y="1765300"/>
-            <a:ext cx="3213100" cy="1816100"/>
+          <p:cNvPr id="1347211166" name="Text">
+    </p:cNvPr>
+          <p:cNvSpPr>
+            <a:spLocks noGrp="1"/>
+          </p:cNvSpPr>
+          <p:nvPr/>
+        </p:nvSpPr>
+        <p:spPr>
+          <a:xfrm rot="0">
+            <a:off x="5816600" y="1765300"/>
+            <a:ext cx="3111500" cy="1816100"/>
           </a:xfrm>
           <a:prstGeom prst="rect">
             <a:avLst/>
@@ -17779,17 +17786,17 @@
       </p:sp>
       <p:sp>
         <p:nvSpPr>
-          <p:cNvPr id="2099958187" name="Text">
-    </p:cNvPr>
-          <p:cNvSpPr>
-            <a:spLocks noGrp="1"/>
-          </p:cNvSpPr>
-          <p:nvPr/>
-        </p:nvSpPr>
-        <p:spPr>
-          <a:xfrm rot="0">
-            <a:off x="9893300" y="3657600"/>
-            <a:ext cx="469900" cy="1524000"/>
+          <p:cNvPr id="1141921948" name="Text">
+    </p:cNvPr>
+          <p:cNvSpPr>
+            <a:spLocks noGrp="1"/>
+          </p:cNvSpPr>
+          <p:nvPr/>
+        </p:nvSpPr>
+        <p:spPr>
+          <a:xfrm rot="0">
+            <a:off x="9385300" y="3581400"/>
+            <a:ext cx="457200" cy="1524000"/>
           </a:xfrm>
           <a:prstGeom prst="rect">
             <a:avLst/>
@@ -17842,17 +17849,17 @@
       </p:sp>
       <p:sp>
         <p:nvSpPr>
-          <p:cNvPr id="423587215" name="Text">
-    </p:cNvPr>
-          <p:cNvSpPr>
-            <a:spLocks noGrp="1"/>
-          </p:cNvSpPr>
-          <p:nvPr/>
-        </p:nvSpPr>
-        <p:spPr>
-          <a:xfrm rot="0">
-            <a:off x="9398000" y="3657600"/>
-            <a:ext cx="495300" cy="1524000"/>
+          <p:cNvPr id="893350376" name="Text">
+    </p:cNvPr>
+          <p:cNvSpPr>
+            <a:spLocks noGrp="1"/>
+          </p:cNvSpPr>
+          <p:nvPr/>
+        </p:nvSpPr>
+        <p:spPr>
+          <a:xfrm rot="0">
+            <a:off x="8928100" y="3581400"/>
+            <a:ext cx="457200" cy="1524000"/>
           </a:xfrm>
           <a:prstGeom prst="rect">
             <a:avLst/>
@@ -17905,17 +17912,17 @@
       </p:sp>
       <p:sp>
         <p:nvSpPr>
-          <p:cNvPr id="238175689" name="Text">
-    </p:cNvPr>
-          <p:cNvSpPr>
-            <a:spLocks noGrp="1"/>
-          </p:cNvSpPr>
-          <p:nvPr/>
-        </p:nvSpPr>
-        <p:spPr>
-          <a:xfrm rot="0">
-            <a:off x="6273800" y="3657600"/>
-            <a:ext cx="3111500" cy="1524000"/>
+          <p:cNvPr id="1587365078" name="Text">
+    </p:cNvPr>
+          <p:cNvSpPr>
+            <a:spLocks noGrp="1"/>
+          </p:cNvSpPr>
+          <p:nvPr/>
+        </p:nvSpPr>
+        <p:spPr>
+          <a:xfrm rot="0">
+            <a:off x="5930900" y="3581400"/>
+            <a:ext cx="2984500" cy="1524000"/>
           </a:xfrm>
           <a:prstGeom prst="rect">
             <a:avLst/>
@@ -17970,16 +17977,16 @@
       </p:sp>
       <p:sp>
         <p:nvSpPr>
-          <p:cNvPr id="961609656" name="Text">
-    </p:cNvPr>
-          <p:cNvSpPr>
-            <a:spLocks noGrp="1"/>
-          </p:cNvSpPr>
-          <p:nvPr/>
-        </p:nvSpPr>
-        <p:spPr>
-          <a:xfrm rot="0">
-            <a:off x="5575300" y="3657600"/>
+          <p:cNvPr id="1746616484" name="Text">
+    </p:cNvPr>
+          <p:cNvSpPr>
+            <a:spLocks noGrp="1"/>
+          </p:cNvSpPr>
+          <p:nvPr/>
+        </p:nvSpPr>
+        <p:spPr>
+          <a:xfrm rot="0">
+            <a:off x="5207000" y="3581400"/>
             <a:ext cx="609600" cy="1524000"/>
           </a:xfrm>
           <a:prstGeom prst="rect">
@@ -18023,16 +18030,16 @@
       </p:sp>
       <p:sp>
         <p:nvSpPr>
-          <p:cNvPr id="308070064" name="Text">
-    </p:cNvPr>
-          <p:cNvSpPr>
-            <a:spLocks noGrp="1"/>
-          </p:cNvSpPr>
-          <p:nvPr/>
-        </p:nvSpPr>
-        <p:spPr>
-          <a:xfrm rot="0">
-            <a:off x="38100" y="3657600"/>
+          <p:cNvPr id="772354435" name="Text">
+    </p:cNvPr>
+          <p:cNvSpPr>
+            <a:spLocks noGrp="1"/>
+          </p:cNvSpPr>
+          <p:nvPr/>
+        </p:nvSpPr>
+        <p:spPr>
+          <a:xfrm rot="0">
+            <a:off x="38100" y="3581400"/>
             <a:ext cx="609600" cy="1524000"/>
           </a:xfrm>
           <a:prstGeom prst="rect">
@@ -18076,17 +18083,17 @@
       </p:sp>
       <p:sp>
         <p:nvSpPr>
-          <p:cNvPr id="1886224993" name="Text">
-    </p:cNvPr>
-          <p:cNvSpPr>
-            <a:spLocks noGrp="1"/>
-          </p:cNvSpPr>
-          <p:nvPr/>
-        </p:nvSpPr>
-        <p:spPr>
-          <a:xfrm rot="0">
-            <a:off x="723900" y="3657600"/>
-            <a:ext cx="3251200" cy="1524000"/>
+          <p:cNvPr id="1626846619" name="Text">
+    </p:cNvPr>
+          <p:cNvSpPr>
+            <a:spLocks noGrp="1"/>
+          </p:cNvSpPr>
+          <p:nvPr/>
+        </p:nvSpPr>
+        <p:spPr>
+          <a:xfrm rot="0">
+            <a:off x="762000" y="3581400"/>
+            <a:ext cx="2984500" cy="1524000"/>
           </a:xfrm>
           <a:prstGeom prst="rect">
             <a:avLst/>
@@ -18186,17 +18193,17 @@
       </p:sp>
       <p:sp>
         <p:nvSpPr>
-          <p:cNvPr id="1819123112" name="Text">
-    </p:cNvPr>
-          <p:cNvSpPr>
-            <a:spLocks noGrp="1"/>
-          </p:cNvSpPr>
-          <p:nvPr/>
-        </p:nvSpPr>
-        <p:spPr>
-          <a:xfrm rot="0">
-            <a:off x="4508500" y="3657600"/>
-            <a:ext cx="495300" cy="1524000"/>
+          <p:cNvPr id="1425602215" name="Text">
+    </p:cNvPr>
+          <p:cNvSpPr>
+            <a:spLocks noGrp="1"/>
+          </p:cNvSpPr>
+          <p:nvPr/>
+        </p:nvSpPr>
+        <p:spPr>
+          <a:xfrm rot="0">
+            <a:off x="4216400" y="3581400"/>
+            <a:ext cx="457200" cy="1524000"/>
           </a:xfrm>
           <a:prstGeom prst="rect">
             <a:avLst/>
@@ -18278,16 +18285,16 @@
       </p:sp>
       <p:sp>
         <p:nvSpPr>
-          <p:cNvPr id="1392378530" name="Text">
-    </p:cNvPr>
-          <p:cNvSpPr>
-            <a:spLocks noGrp="1"/>
-          </p:cNvSpPr>
-          <p:nvPr/>
-        </p:nvSpPr>
-        <p:spPr>
-          <a:xfrm rot="0">
-            <a:off x="5003800" y="3657600"/>
+          <p:cNvPr id="1725207292" name="Text">
+    </p:cNvPr>
+          <p:cNvSpPr>
+            <a:spLocks noGrp="1"/>
+          </p:cNvSpPr>
+          <p:nvPr/>
+        </p:nvSpPr>
+        <p:spPr>
+          <a:xfrm rot="0">
+            <a:off x="4673600" y="3581400"/>
             <a:ext cx="469900" cy="1524000"/>
           </a:xfrm>
           <a:prstGeom prst="rect">
@@ -18370,17 +18377,17 @@
       </p:sp>
       <p:sp>
         <p:nvSpPr>
-          <p:cNvPr id="644032267" name="Text">
-    </p:cNvPr>
-          <p:cNvSpPr>
-            <a:spLocks noGrp="1"/>
-          </p:cNvSpPr>
-          <p:nvPr/>
-        </p:nvSpPr>
-        <p:spPr>
-          <a:xfrm rot="0">
-            <a:off x="3987800" y="3657600"/>
-            <a:ext cx="520700" cy="1524000"/>
+          <p:cNvPr id="20325004" name="Text">
+    </p:cNvPr>
+          <p:cNvSpPr>
+            <a:spLocks noGrp="1"/>
+          </p:cNvSpPr>
+          <p:nvPr/>
+        </p:nvSpPr>
+        <p:spPr>
+          <a:xfrm rot="0">
+            <a:off x="3759200" y="3581400"/>
+            <a:ext cx="457200" cy="1524000"/>
           </a:xfrm>
           <a:prstGeom prst="rect">
             <a:avLst/>
@@ -18462,17 +18469,17 @@
       </p:sp>
       <p:sp>
         <p:nvSpPr>
-          <p:cNvPr id="973195052" name="Text">
-    </p:cNvPr>
-          <p:cNvSpPr>
-            <a:spLocks noGrp="1"/>
-          </p:cNvSpPr>
-          <p:nvPr/>
-        </p:nvSpPr>
-        <p:spPr>
-          <a:xfrm rot="0">
-            <a:off x="647700" y="3657600"/>
-            <a:ext cx="3340100" cy="1524000"/>
+          <p:cNvPr id="1555039324" name="Text">
+    </p:cNvPr>
+          <p:cNvSpPr>
+            <a:spLocks noGrp="1"/>
+          </p:cNvSpPr>
+          <p:nvPr/>
+        </p:nvSpPr>
+        <p:spPr>
+          <a:xfrm rot="0">
+            <a:off x="647700" y="3581400"/>
+            <a:ext cx="3111500" cy="1524000"/>
           </a:xfrm>
           <a:prstGeom prst="rect">
             <a:avLst/>
@@ -18514,17 +18521,17 @@
       </p:sp>
       <p:sp>
         <p:nvSpPr>
-          <p:cNvPr id="981568793" name="Text">
-    </p:cNvPr>
-          <p:cNvSpPr>
-            <a:spLocks noGrp="1"/>
-          </p:cNvSpPr>
-          <p:nvPr/>
-        </p:nvSpPr>
-        <p:spPr>
-          <a:xfrm rot="0">
-            <a:off x="6184900" y="3657600"/>
-            <a:ext cx="3213100" cy="1524000"/>
+          <p:cNvPr id="1341033635" name="Text">
+    </p:cNvPr>
+          <p:cNvSpPr>
+            <a:spLocks noGrp="1"/>
+          </p:cNvSpPr>
+          <p:nvPr/>
+        </p:nvSpPr>
+        <p:spPr>
+          <a:xfrm rot="0">
+            <a:off x="5816600" y="3581400"/>
+            <a:ext cx="3111500" cy="1524000"/>
           </a:xfrm>
           <a:prstGeom prst="rect">
             <a:avLst/>
@@ -18566,17 +18573,17 @@
       </p:sp>
       <p:sp>
         <p:nvSpPr>
-          <p:cNvPr id="415785977" name="Text">
-    </p:cNvPr>
-          <p:cNvSpPr>
-            <a:spLocks noGrp="1"/>
-          </p:cNvSpPr>
-          <p:nvPr/>
-        </p:nvSpPr>
-        <p:spPr>
-          <a:xfrm rot="0">
-            <a:off x="9893300" y="5257800"/>
-            <a:ext cx="469900" cy="1524000"/>
+          <p:cNvPr id="233813200" name="Text">
+    </p:cNvPr>
+          <p:cNvSpPr>
+            <a:spLocks noGrp="1"/>
+          </p:cNvSpPr>
+          <p:nvPr/>
+        </p:nvSpPr>
+        <p:spPr>
+          <a:xfrm rot="0">
+            <a:off x="9385300" y="5105400"/>
+            <a:ext cx="457200" cy="1524000"/>
           </a:xfrm>
           <a:prstGeom prst="rect">
             <a:avLst/>
@@ -18628,17 +18635,17 @@
       </p:sp>
       <p:sp>
         <p:nvSpPr>
-          <p:cNvPr id="657212564" name="Text">
-    </p:cNvPr>
-          <p:cNvSpPr>
-            <a:spLocks noGrp="1"/>
-          </p:cNvSpPr>
-          <p:nvPr/>
-        </p:nvSpPr>
-        <p:spPr>
-          <a:xfrm rot="0">
-            <a:off x="9398000" y="5257800"/>
-            <a:ext cx="495300" cy="1524000"/>
+          <p:cNvPr id="1040045475" name="Text">
+    </p:cNvPr>
+          <p:cNvSpPr>
+            <a:spLocks noGrp="1"/>
+          </p:cNvSpPr>
+          <p:nvPr/>
+        </p:nvSpPr>
+        <p:spPr>
+          <a:xfrm rot="0">
+            <a:off x="8928100" y="5105400"/>
+            <a:ext cx="457200" cy="1524000"/>
           </a:xfrm>
           <a:prstGeom prst="rect">
             <a:avLst/>
@@ -18690,17 +18697,17 @@
       </p:sp>
       <p:sp>
         <p:nvSpPr>
-          <p:cNvPr id="329306106" name="Text">
-    </p:cNvPr>
-          <p:cNvSpPr>
-            <a:spLocks noGrp="1"/>
-          </p:cNvSpPr>
-          <p:nvPr/>
-        </p:nvSpPr>
-        <p:spPr>
-          <a:xfrm rot="0">
-            <a:off x="6273800" y="5257800"/>
-            <a:ext cx="3111500" cy="1524000"/>
+          <p:cNvPr id="1639163044" name="Text">
+    </p:cNvPr>
+          <p:cNvSpPr>
+            <a:spLocks noGrp="1"/>
+          </p:cNvSpPr>
+          <p:nvPr/>
+        </p:nvSpPr>
+        <p:spPr>
+          <a:xfrm rot="0">
+            <a:off x="5930900" y="5105400"/>
+            <a:ext cx="2984500" cy="1524000"/>
           </a:xfrm>
           <a:prstGeom prst="rect">
             <a:avLst/>
@@ -18746,16 +18753,16 @@
       </p:sp>
       <p:sp>
         <p:nvSpPr>
-          <p:cNvPr id="637493714" name="Text">
-    </p:cNvPr>
-          <p:cNvSpPr>
-            <a:spLocks noGrp="1"/>
-          </p:cNvSpPr>
-          <p:nvPr/>
-        </p:nvSpPr>
-        <p:spPr>
-          <a:xfrm rot="0">
-            <a:off x="5575300" y="5257800"/>
+          <p:cNvPr id="1510188965" name="Text">
+    </p:cNvPr>
+          <p:cNvSpPr>
+            <a:spLocks noGrp="1"/>
+          </p:cNvSpPr>
+          <p:nvPr/>
+        </p:nvSpPr>
+        <p:spPr>
+          <a:xfrm rot="0">
+            <a:off x="5207000" y="5105400"/>
             <a:ext cx="609600" cy="1524000"/>
           </a:xfrm>
           <a:prstGeom prst="rect">
@@ -18826,16 +18833,16 @@
       </p:sp>
       <p:sp>
         <p:nvSpPr>
-          <p:cNvPr id="2121468223" name="Text">
-    </p:cNvPr>
-          <p:cNvSpPr>
-            <a:spLocks noGrp="1"/>
-          </p:cNvSpPr>
-          <p:nvPr/>
-        </p:nvSpPr>
-        <p:spPr>
-          <a:xfrm rot="0">
-            <a:off x="38100" y="5257800"/>
+          <p:cNvPr id="708493569" name="Text">
+    </p:cNvPr>
+          <p:cNvSpPr>
+            <a:spLocks noGrp="1"/>
+          </p:cNvSpPr>
+          <p:nvPr/>
+        </p:nvSpPr>
+        <p:spPr>
+          <a:xfrm rot="0">
+            <a:off x="38100" y="5105400"/>
             <a:ext cx="609600" cy="1524000"/>
           </a:xfrm>
           <a:prstGeom prst="rect">
@@ -18906,17 +18913,17 @@
       </p:sp>
       <p:sp>
         <p:nvSpPr>
-          <p:cNvPr id="1002371713" name="Text">
-    </p:cNvPr>
-          <p:cNvSpPr>
-            <a:spLocks noGrp="1"/>
-          </p:cNvSpPr>
-          <p:nvPr/>
-        </p:nvSpPr>
-        <p:spPr>
-          <a:xfrm rot="0">
-            <a:off x="723900" y="5257800"/>
-            <a:ext cx="3251200" cy="1524000"/>
+          <p:cNvPr id="2042186024" name="Text">
+    </p:cNvPr>
+          <p:cNvSpPr>
+            <a:spLocks noGrp="1"/>
+          </p:cNvSpPr>
+          <p:nvPr/>
+        </p:nvSpPr>
+        <p:spPr>
+          <a:xfrm rot="0">
+            <a:off x="762000" y="5105400"/>
+            <a:ext cx="2984500" cy="1524000"/>
           </a:xfrm>
           <a:prstGeom prst="rect">
             <a:avLst/>
@@ -18962,17 +18969,17 @@
       </p:sp>
       <p:sp>
         <p:nvSpPr>
-          <p:cNvPr id="779369747" name="Text">
-    </p:cNvPr>
-          <p:cNvSpPr>
-            <a:spLocks noGrp="1"/>
-          </p:cNvSpPr>
-          <p:nvPr/>
-        </p:nvSpPr>
-        <p:spPr>
-          <a:xfrm rot="0">
-            <a:off x="4508500" y="5257800"/>
-            <a:ext cx="495300" cy="1524000"/>
+          <p:cNvPr id="89347135" name="Text">
+    </p:cNvPr>
+          <p:cNvSpPr>
+            <a:spLocks noGrp="1"/>
+          </p:cNvSpPr>
+          <p:nvPr/>
+        </p:nvSpPr>
+        <p:spPr>
+          <a:xfrm rot="0">
+            <a:off x="4216400" y="5105400"/>
+            <a:ext cx="457200" cy="1524000"/>
           </a:xfrm>
           <a:prstGeom prst="rect">
             <a:avLst/>
@@ -19016,16 +19023,16 @@
       </p:sp>
       <p:sp>
         <p:nvSpPr>
-          <p:cNvPr id="1893415166" name="Text">
-    </p:cNvPr>
-          <p:cNvSpPr>
-            <a:spLocks noGrp="1"/>
-          </p:cNvSpPr>
-          <p:nvPr/>
-        </p:nvSpPr>
-        <p:spPr>
-          <a:xfrm rot="0">
-            <a:off x="5003800" y="5257800"/>
+          <p:cNvPr id="1118496191" name="Text">
+    </p:cNvPr>
+          <p:cNvSpPr>
+            <a:spLocks noGrp="1"/>
+          </p:cNvSpPr>
+          <p:nvPr/>
+        </p:nvSpPr>
+        <p:spPr>
+          <a:xfrm rot="0">
+            <a:off x="4673600" y="5105400"/>
             <a:ext cx="469900" cy="1524000"/>
           </a:xfrm>
           <a:prstGeom prst="rect">
@@ -19070,17 +19077,17 @@
       </p:sp>
       <p:sp>
         <p:nvSpPr>
-          <p:cNvPr id="378010923" name="Text">
-    </p:cNvPr>
-          <p:cNvSpPr>
-            <a:spLocks noGrp="1"/>
-          </p:cNvSpPr>
-          <p:nvPr/>
-        </p:nvSpPr>
-        <p:spPr>
-          <a:xfrm rot="0">
-            <a:off x="3987800" y="5257800"/>
-            <a:ext cx="520700" cy="1524000"/>
+          <p:cNvPr id="1055131170" name="Text">
+    </p:cNvPr>
+          <p:cNvSpPr>
+            <a:spLocks noGrp="1"/>
+          </p:cNvSpPr>
+          <p:nvPr/>
+        </p:nvSpPr>
+        <p:spPr>
+          <a:xfrm rot="0">
+            <a:off x="3759200" y="5105400"/>
+            <a:ext cx="457200" cy="1524000"/>
           </a:xfrm>
           <a:prstGeom prst="rect">
             <a:avLst/>
@@ -19124,17 +19131,17 @@
       </p:sp>
       <p:sp>
         <p:nvSpPr>
-          <p:cNvPr id="1512138632" name="Text">
-    </p:cNvPr>
-          <p:cNvSpPr>
-            <a:spLocks noGrp="1"/>
-          </p:cNvSpPr>
-          <p:nvPr/>
-        </p:nvSpPr>
-        <p:spPr>
-          <a:xfrm rot="0">
-            <a:off x="647700" y="5257800"/>
-            <a:ext cx="3340100" cy="1524000"/>
+          <p:cNvPr id="229107935" name="Text">
+    </p:cNvPr>
+          <p:cNvSpPr>
+            <a:spLocks noGrp="1"/>
+          </p:cNvSpPr>
+          <p:nvPr/>
+        </p:nvSpPr>
+        <p:spPr>
+          <a:xfrm rot="0">
+            <a:off x="647700" y="5105400"/>
+            <a:ext cx="3111500" cy="1524000"/>
           </a:xfrm>
           <a:prstGeom prst="rect">
             <a:avLst/>
@@ -19176,17 +19183,17 @@
       </p:sp>
       <p:sp>
         <p:nvSpPr>
-          <p:cNvPr id="1429357946" name="Text">
-    </p:cNvPr>
-          <p:cNvSpPr>
-            <a:spLocks noGrp="1"/>
-          </p:cNvSpPr>
-          <p:nvPr/>
-        </p:nvSpPr>
-        <p:spPr>
-          <a:xfrm rot="0">
-            <a:off x="6184900" y="5257800"/>
-            <a:ext cx="3213100" cy="1524000"/>
+          <p:cNvPr id="315275256" name="Text">
+    </p:cNvPr>
+          <p:cNvSpPr>
+            <a:spLocks noGrp="1"/>
+          </p:cNvSpPr>
+          <p:nvPr/>
+        </p:nvSpPr>
+        <p:spPr>
+          <a:xfrm rot="0">
+            <a:off x="5816600" y="5105400"/>
+            <a:ext cx="3111500" cy="1524000"/>
           </a:xfrm>
           <a:prstGeom prst="rect">
             <a:avLst/>
@@ -19253,17 +19260,17 @@
       </p:grpSpPr>
       <p:sp>
         <p:nvSpPr>
-          <p:cNvPr id="2089262058" name="Text">
-    </p:cNvPr>
-          <p:cNvSpPr>
-            <a:spLocks noGrp="1"/>
-          </p:cNvSpPr>
-          <p:nvPr/>
-        </p:nvSpPr>
-        <p:spPr>
-          <a:xfrm rot="0">
-            <a:off x="5664200" y="838200"/>
-            <a:ext cx="4673600" cy="381000"/>
+          <p:cNvPr id="131612419" name="Text">
+    </p:cNvPr>
+          <p:cNvSpPr>
+            <a:spLocks noGrp="1"/>
+          </p:cNvSpPr>
+          <p:nvPr/>
+        </p:nvSpPr>
+        <p:spPr>
+          <a:xfrm rot="0">
+            <a:off x="5219700" y="825500"/>
+            <a:ext cx="4660900" cy="381000"/>
           </a:xfrm>
           <a:prstGeom prst="rect">
             <a:avLst/>
@@ -19302,17 +19309,17 @@
       </p:sp>
       <p:sp>
         <p:nvSpPr>
-          <p:cNvPr id="1438666740" name="Text">
-    </p:cNvPr>
-          <p:cNvSpPr>
-            <a:spLocks noGrp="1"/>
-          </p:cNvSpPr>
-          <p:nvPr/>
-        </p:nvSpPr>
-        <p:spPr>
-          <a:xfrm rot="0">
-            <a:off x="114300" y="838200"/>
-            <a:ext cx="5245100" cy="381000"/>
+          <p:cNvPr id="429128908" name="Text">
+    </p:cNvPr>
+          <p:cNvSpPr>
+            <a:spLocks noGrp="1"/>
+          </p:cNvSpPr>
+          <p:nvPr/>
+        </p:nvSpPr>
+        <p:spPr>
+          <a:xfrm rot="0">
+            <a:off x="88900" y="825500"/>
+            <a:ext cx="5067300" cy="381000"/>
           </a:xfrm>
           <a:prstGeom prst="rect">
             <a:avLst/>
@@ -19351,17 +19358,17 @@
       </p:sp>
       <p:sp>
         <p:nvSpPr>
-          <p:cNvPr id="67923939" name="Text">
-    </p:cNvPr>
-          <p:cNvSpPr>
-            <a:spLocks noGrp="1"/>
-          </p:cNvSpPr>
-          <p:nvPr/>
-        </p:nvSpPr>
-        <p:spPr>
-          <a:xfrm rot="0">
-            <a:off x="139700" y="800100"/>
-            <a:ext cx="5168900" cy="381000"/>
+          <p:cNvPr id="725622321" name="Text">
+    </p:cNvPr>
+          <p:cNvSpPr>
+            <a:spLocks noGrp="1"/>
+          </p:cNvSpPr>
+          <p:nvPr/>
+        </p:nvSpPr>
+        <p:spPr>
+          <a:xfrm rot="0">
+            <a:off x="63500" y="800100"/>
+            <a:ext cx="5054600" cy="381000"/>
           </a:xfrm>
           <a:prstGeom prst="rect">
             <a:avLst/>
@@ -19400,17 +19407,17 @@
       </p:sp>
       <p:sp>
         <p:nvSpPr>
-          <p:cNvPr id="1137894285" name="Text">
-    </p:cNvPr>
-          <p:cNvSpPr>
-            <a:spLocks noGrp="1"/>
-          </p:cNvSpPr>
-          <p:nvPr/>
-        </p:nvSpPr>
-        <p:spPr>
-          <a:xfrm rot="0">
-            <a:off x="5664200" y="800100"/>
-            <a:ext cx="4622800" cy="381000"/>
+          <p:cNvPr id="1827801558" name="Text">
+    </p:cNvPr>
+          <p:cNvSpPr>
+            <a:spLocks noGrp="1"/>
+          </p:cNvSpPr>
+          <p:nvPr/>
+        </p:nvSpPr>
+        <p:spPr>
+          <a:xfrm rot="0">
+            <a:off x="5232400" y="800100"/>
+            <a:ext cx="4610100" cy="381000"/>
           </a:xfrm>
           <a:prstGeom prst="rect">
             <a:avLst/>
@@ -19449,7 +19456,7 @@
       </p:sp>
       <p:sp>
         <p:nvSpPr>
-          <p:cNvPr id="55208150" name="Text">
+          <p:cNvPr id="705954668" name="Text">
     </p:cNvPr>
           <p:cNvSpPr>
             <a:spLocks noGrp="1"/>
@@ -19495,7 +19502,7 @@
       </p:sp>
       <p:sp>
         <p:nvSpPr>
-          <p:cNvPr id="1411528868" name="Text">
+          <p:cNvPr id="745013118" name="Text">
     </p:cNvPr>
           <p:cNvSpPr>
             <a:spLocks noGrp="1"/>
@@ -19559,7 +19566,7 @@
       </p:sp>
       <p:sp>
         <p:nvSpPr>
-          <p:cNvPr id="859186868" name="Text">
+          <p:cNvPr id="125685077" name="Text">
     </p:cNvPr>
           <p:cNvSpPr>
             <a:spLocks noGrp="1"/>
@@ -19569,7 +19576,7 @@
         <p:spPr>
           <a:xfrm rot="0">
             <a:off x="647700" y="1295400"/>
-            <a:ext cx="3340100" cy="469900"/>
+            <a:ext cx="3111500" cy="469900"/>
           </a:xfrm>
           <a:prstGeom prst="rect">
             <a:avLst/>
@@ -19614,17 +19621,17 @@
       </p:sp>
       <p:sp>
         <p:nvSpPr>
-          <p:cNvPr id="1739355604" name="Text">
-    </p:cNvPr>
-          <p:cNvSpPr>
-            <a:spLocks noGrp="1"/>
-          </p:cNvSpPr>
-          <p:nvPr/>
-        </p:nvSpPr>
-        <p:spPr>
-          <a:xfrm rot="0">
-            <a:off x="3987800" y="1295400"/>
-            <a:ext cx="520700" cy="469900"/>
+          <p:cNvPr id="2067646677" name="Text">
+    </p:cNvPr>
+          <p:cNvSpPr>
+            <a:spLocks noGrp="1"/>
+          </p:cNvSpPr>
+          <p:nvPr/>
+        </p:nvSpPr>
+        <p:spPr>
+          <a:xfrm rot="0">
+            <a:off x="3759200" y="1295400"/>
+            <a:ext cx="457200" cy="469900"/>
           </a:xfrm>
           <a:prstGeom prst="rect">
             <a:avLst/>
@@ -19669,17 +19676,17 @@
       </p:sp>
       <p:sp>
         <p:nvSpPr>
-          <p:cNvPr id="938523951" name="Text">
-    </p:cNvPr>
-          <p:cNvSpPr>
-            <a:spLocks noGrp="1"/>
-          </p:cNvSpPr>
-          <p:nvPr/>
-        </p:nvSpPr>
-        <p:spPr>
-          <a:xfrm rot="0">
-            <a:off x="4508500" y="1295400"/>
-            <a:ext cx="495300" cy="469900"/>
+          <p:cNvPr id="1899543485" name="Text">
+    </p:cNvPr>
+          <p:cNvSpPr>
+            <a:spLocks noGrp="1"/>
+          </p:cNvSpPr>
+          <p:nvPr/>
+        </p:nvSpPr>
+        <p:spPr>
+          <a:xfrm rot="0">
+            <a:off x="4216400" y="1295400"/>
+            <a:ext cx="457200" cy="469900"/>
           </a:xfrm>
           <a:prstGeom prst="rect">
             <a:avLst/>
@@ -19733,16 +19740,16 @@
       </p:sp>
       <p:sp>
         <p:nvSpPr>
-          <p:cNvPr id="1926386797" name="Text">
-    </p:cNvPr>
-          <p:cNvSpPr>
-            <a:spLocks noGrp="1"/>
-          </p:cNvSpPr>
-          <p:nvPr/>
-        </p:nvSpPr>
-        <p:spPr>
-          <a:xfrm rot="0">
-            <a:off x="5575300" y="1295400"/>
+          <p:cNvPr id="1647785707" name="Text">
+    </p:cNvPr>
+          <p:cNvSpPr>
+            <a:spLocks noGrp="1"/>
+          </p:cNvSpPr>
+          <p:nvPr/>
+        </p:nvSpPr>
+        <p:spPr>
+          <a:xfrm rot="0">
+            <a:off x="5207000" y="1295400"/>
             <a:ext cx="609600" cy="469900"/>
           </a:xfrm>
           <a:prstGeom prst="rect">
@@ -19797,17 +19804,17 @@
       </p:sp>
       <p:sp>
         <p:nvSpPr>
-          <p:cNvPr id="1892933381" name="Text">
-    </p:cNvPr>
-          <p:cNvSpPr>
-            <a:spLocks noGrp="1"/>
-          </p:cNvSpPr>
-          <p:nvPr/>
-        </p:nvSpPr>
-        <p:spPr>
-          <a:xfrm rot="0">
-            <a:off x="6184900" y="1295400"/>
-            <a:ext cx="3213100" cy="469900"/>
+          <p:cNvPr id="197740701" name="Text">
+    </p:cNvPr>
+          <p:cNvSpPr>
+            <a:spLocks noGrp="1"/>
+          </p:cNvSpPr>
+          <p:nvPr/>
+        </p:nvSpPr>
+        <p:spPr>
+          <a:xfrm rot="0">
+            <a:off x="5816600" y="1295400"/>
+            <a:ext cx="3111500" cy="469900"/>
           </a:xfrm>
           <a:prstGeom prst="rect">
             <a:avLst/>
@@ -19852,17 +19859,17 @@
       </p:sp>
       <p:sp>
         <p:nvSpPr>
-          <p:cNvPr id="1951729182" name="Text">
-    </p:cNvPr>
-          <p:cNvSpPr>
-            <a:spLocks noGrp="1"/>
-          </p:cNvSpPr>
-          <p:nvPr/>
-        </p:nvSpPr>
-        <p:spPr>
-          <a:xfrm rot="0">
-            <a:off x="9398000" y="1295400"/>
-            <a:ext cx="495300" cy="469900"/>
+          <p:cNvPr id="514277969" name="Text">
+    </p:cNvPr>
+          <p:cNvSpPr>
+            <a:spLocks noGrp="1"/>
+          </p:cNvSpPr>
+          <p:nvPr/>
+        </p:nvSpPr>
+        <p:spPr>
+          <a:xfrm rot="0">
+            <a:off x="8928100" y="1295400"/>
+            <a:ext cx="457200" cy="469900"/>
           </a:xfrm>
           <a:prstGeom prst="rect">
             <a:avLst/>
@@ -19907,16 +19914,16 @@
       </p:sp>
       <p:sp>
         <p:nvSpPr>
-          <p:cNvPr id="1182712958" name="Text">
-    </p:cNvPr>
-          <p:cNvSpPr>
-            <a:spLocks noGrp="1"/>
-          </p:cNvSpPr>
-          <p:nvPr/>
-        </p:nvSpPr>
-        <p:spPr>
-          <a:xfrm rot="0">
-            <a:off x="5003800" y="1295400"/>
+          <p:cNvPr id="712435563" name="Text">
+    </p:cNvPr>
+          <p:cNvSpPr>
+            <a:spLocks noGrp="1"/>
+          </p:cNvSpPr>
+          <p:nvPr/>
+        </p:nvSpPr>
+        <p:spPr>
+          <a:xfrm rot="0">
+            <a:off x="4673600" y="1295400"/>
             <a:ext cx="469900" cy="469900"/>
           </a:xfrm>
           <a:prstGeom prst="rect">
@@ -19971,17 +19978,17 @@
       </p:sp>
       <p:sp>
         <p:nvSpPr>
-          <p:cNvPr id="653234656" name="Text">
-    </p:cNvPr>
-          <p:cNvSpPr>
-            <a:spLocks noGrp="1"/>
-          </p:cNvSpPr>
-          <p:nvPr/>
-        </p:nvSpPr>
-        <p:spPr>
-          <a:xfrm rot="0">
-            <a:off x="9893300" y="1295400"/>
-            <a:ext cx="469900" cy="469900"/>
+          <p:cNvPr id="1898781856" name="Text">
+    </p:cNvPr>
+          <p:cNvSpPr>
+            <a:spLocks noGrp="1"/>
+          </p:cNvSpPr>
+          <p:nvPr/>
+        </p:nvSpPr>
+        <p:spPr>
+          <a:xfrm rot="0">
+            <a:off x="9385300" y="1295400"/>
+            <a:ext cx="457200" cy="469900"/>
           </a:xfrm>
           <a:prstGeom prst="rect">
             <a:avLst/>
@@ -20035,17 +20042,17 @@
       </p:sp>
       <p:sp>
         <p:nvSpPr>
-          <p:cNvPr id="1210730959" name="Text">
-    </p:cNvPr>
-          <p:cNvSpPr>
-            <a:spLocks noGrp="1"/>
-          </p:cNvSpPr>
-          <p:nvPr/>
-        </p:nvSpPr>
-        <p:spPr>
-          <a:xfrm rot="0">
-            <a:off x="9893300" y="1765300"/>
-            <a:ext cx="469900" cy="5321300"/>
+          <p:cNvPr id="811679672" name="Text">
+    </p:cNvPr>
+          <p:cNvSpPr>
+            <a:spLocks noGrp="1"/>
+          </p:cNvSpPr>
+          <p:nvPr/>
+        </p:nvSpPr>
+        <p:spPr>
+          <a:xfrm rot="0">
+            <a:off x="9385300" y="1765300"/>
+            <a:ext cx="457200" cy="5321300"/>
           </a:xfrm>
           <a:prstGeom prst="rect">
             <a:avLst/>
@@ -20156,17 +20163,17 @@
       </p:sp>
       <p:sp>
         <p:nvSpPr>
-          <p:cNvPr id="336839458" name="Text">
-    </p:cNvPr>
-          <p:cNvSpPr>
-            <a:spLocks noGrp="1"/>
-          </p:cNvSpPr>
-          <p:nvPr/>
-        </p:nvSpPr>
-        <p:spPr>
-          <a:xfrm rot="0">
-            <a:off x="9398000" y="1765300"/>
-            <a:ext cx="495300" cy="5321300"/>
+          <p:cNvPr id="342906415" name="Text">
+    </p:cNvPr>
+          <p:cNvSpPr>
+            <a:spLocks noGrp="1"/>
+          </p:cNvSpPr>
+          <p:nvPr/>
+        </p:nvSpPr>
+        <p:spPr>
+          <a:xfrm rot="0">
+            <a:off x="8928100" y="1765300"/>
+            <a:ext cx="457200" cy="5321300"/>
           </a:xfrm>
           <a:prstGeom prst="rect">
             <a:avLst/>
@@ -20277,17 +20284,17 @@
       </p:sp>
       <p:sp>
         <p:nvSpPr>
-          <p:cNvPr id="612284650" name="Text">
-    </p:cNvPr>
-          <p:cNvSpPr>
-            <a:spLocks noGrp="1"/>
-          </p:cNvSpPr>
-          <p:nvPr/>
-        </p:nvSpPr>
-        <p:spPr>
-          <a:xfrm rot="0">
-            <a:off x="6273800" y="1765300"/>
-            <a:ext cx="3111500" cy="5321300"/>
+          <p:cNvPr id="153134709" name="Text">
+    </p:cNvPr>
+          <p:cNvSpPr>
+            <a:spLocks noGrp="1"/>
+          </p:cNvSpPr>
+          <p:nvPr/>
+        </p:nvSpPr>
+        <p:spPr>
+          <a:xfrm rot="0">
+            <a:off x="5930900" y="1765300"/>
+            <a:ext cx="2984500" cy="5321300"/>
           </a:xfrm>
           <a:prstGeom prst="rect">
             <a:avLst/>
@@ -20432,16 +20439,16 @@
       </p:sp>
       <p:sp>
         <p:nvSpPr>
-          <p:cNvPr id="2118409492" name="Text">
-    </p:cNvPr>
-          <p:cNvSpPr>
-            <a:spLocks noGrp="1"/>
-          </p:cNvSpPr>
-          <p:nvPr/>
-        </p:nvSpPr>
-        <p:spPr>
-          <a:xfrm rot="0">
-            <a:off x="5575300" y="1765300"/>
+          <p:cNvPr id="284259309" name="Text">
+    </p:cNvPr>
+          <p:cNvSpPr>
+            <a:spLocks noGrp="1"/>
+          </p:cNvSpPr>
+          <p:nvPr/>
+        </p:nvSpPr>
+        <p:spPr>
+          <a:xfrm rot="0">
+            <a:off x="5207000" y="1765300"/>
             <a:ext cx="609600" cy="5321300"/>
           </a:xfrm>
           <a:prstGeom prst="rect">
@@ -20503,7 +20510,7 @@
       </p:sp>
       <p:sp>
         <p:nvSpPr>
-          <p:cNvPr id="1689917218" name="Text">
+          <p:cNvPr id="701764276" name="Text">
     </p:cNvPr>
           <p:cNvSpPr>
             <a:spLocks noGrp="1"/>
@@ -20574,17 +20581,17 @@
       </p:sp>
       <p:sp>
         <p:nvSpPr>
-          <p:cNvPr id="1857733188" name="Text">
-    </p:cNvPr>
-          <p:cNvSpPr>
-            <a:spLocks noGrp="1"/>
-          </p:cNvSpPr>
-          <p:nvPr/>
-        </p:nvSpPr>
-        <p:spPr>
-          <a:xfrm rot="0">
-            <a:off x="723900" y="1765300"/>
-            <a:ext cx="3251200" cy="5321300"/>
+          <p:cNvPr id="1065609359" name="Text">
+    </p:cNvPr>
+          <p:cNvSpPr>
+            <a:spLocks noGrp="1"/>
+          </p:cNvSpPr>
+          <p:nvPr/>
+        </p:nvSpPr>
+        <p:spPr>
+          <a:xfrm rot="0">
+            <a:off x="762000" y="1765300"/>
+            <a:ext cx="2984500" cy="5321300"/>
           </a:xfrm>
           <a:prstGeom prst="rect">
             <a:avLst/>
@@ -20864,17 +20871,17 @@
       </p:sp>
       <p:sp>
         <p:nvSpPr>
-          <p:cNvPr id="1062379153" name="Text">
-    </p:cNvPr>
-          <p:cNvSpPr>
-            <a:spLocks noGrp="1"/>
-          </p:cNvSpPr>
-          <p:nvPr/>
-        </p:nvSpPr>
-        <p:spPr>
-          <a:xfrm rot="0">
-            <a:off x="4508500" y="1765300"/>
-            <a:ext cx="495300" cy="5321300"/>
+          <p:cNvPr id="865923588" name="Text">
+    </p:cNvPr>
+          <p:cNvSpPr>
+            <a:spLocks noGrp="1"/>
+          </p:cNvSpPr>
+          <p:nvPr/>
+        </p:nvSpPr>
+        <p:spPr>
+          <a:xfrm rot="0">
+            <a:off x="4216400" y="1765300"/>
+            <a:ext cx="457200" cy="5321300"/>
           </a:xfrm>
           <a:prstGeom prst="rect">
             <a:avLst/>
@@ -21056,16 +21063,16 @@
       </p:sp>
       <p:sp>
         <p:nvSpPr>
-          <p:cNvPr id="1663223954" name="Text">
-    </p:cNvPr>
-          <p:cNvSpPr>
-            <a:spLocks noGrp="1"/>
-          </p:cNvSpPr>
-          <p:nvPr/>
-        </p:nvSpPr>
-        <p:spPr>
-          <a:xfrm rot="0">
-            <a:off x="5003800" y="1765300"/>
+          <p:cNvPr id="678003073" name="Text">
+    </p:cNvPr>
+          <p:cNvSpPr>
+            <a:spLocks noGrp="1"/>
+          </p:cNvSpPr>
+          <p:nvPr/>
+        </p:nvSpPr>
+        <p:spPr>
+          <a:xfrm rot="0">
+            <a:off x="4673600" y="1765300"/>
             <a:ext cx="469900" cy="5321300"/>
           </a:xfrm>
           <a:prstGeom prst="rect">
@@ -21239,17 +21246,17 @@
       </p:sp>
       <p:sp>
         <p:nvSpPr>
-          <p:cNvPr id="1469436115" name="Text">
-    </p:cNvPr>
-          <p:cNvSpPr>
-            <a:spLocks noGrp="1"/>
-          </p:cNvSpPr>
-          <p:nvPr/>
-        </p:nvSpPr>
-        <p:spPr>
-          <a:xfrm rot="0">
-            <a:off x="3987800" y="1765300"/>
-            <a:ext cx="520700" cy="5321300"/>
+          <p:cNvPr id="555837322" name="Text">
+    </p:cNvPr>
+          <p:cNvSpPr>
+            <a:spLocks noGrp="1"/>
+          </p:cNvSpPr>
+          <p:nvPr/>
+        </p:nvSpPr>
+        <p:spPr>
+          <a:xfrm rot="0">
+            <a:off x="3759200" y="1765300"/>
+            <a:ext cx="457200" cy="5321300"/>
           </a:xfrm>
           <a:prstGeom prst="rect">
             <a:avLst/>
@@ -21431,7 +21438,7 @@
       </p:sp>
       <p:sp>
         <p:nvSpPr>
-          <p:cNvPr id="1871024263" name="Text">
+          <p:cNvPr id="29762737" name="Text">
     </p:cNvPr>
           <p:cNvSpPr>
             <a:spLocks noGrp="1"/>
@@ -21441,7 +21448,7 @@
         <p:spPr>
           <a:xfrm rot="0">
             <a:off x="647700" y="1765300"/>
-            <a:ext cx="3340100" cy="5321300"/>
+            <a:ext cx="3111500" cy="5321300"/>
           </a:xfrm>
           <a:prstGeom prst="rect">
             <a:avLst/>
@@ -21483,17 +21490,17 @@
       </p:sp>
       <p:sp>
         <p:nvSpPr>
-          <p:cNvPr id="1149779440" name="Text">
-    </p:cNvPr>
-          <p:cNvSpPr>
-            <a:spLocks noGrp="1"/>
-          </p:cNvSpPr>
-          <p:nvPr/>
-        </p:nvSpPr>
-        <p:spPr>
-          <a:xfrm rot="0">
-            <a:off x="6184900" y="1765300"/>
-            <a:ext cx="3213100" cy="5321300"/>
+          <p:cNvPr id="1428089439" name="Text">
+    </p:cNvPr>
+          <p:cNvSpPr>
+            <a:spLocks noGrp="1"/>
+          </p:cNvSpPr>
+          <p:nvPr/>
+        </p:nvSpPr>
+        <p:spPr>
+          <a:xfrm rot="0">
+            <a:off x="5816600" y="1765300"/>
+            <a:ext cx="3111500" cy="5321300"/>
           </a:xfrm>
           <a:prstGeom prst="rect">
             <a:avLst/>
